--- a/PowerPoints/08 - Abstract Syntax Trees.pptx
+++ b/PowerPoints/08 - Abstract Syntax Trees.pptx
@@ -63,8 +63,8 @@
     <p:sldId id="348" r:id="rId51"/>
     <p:sldId id="366" r:id="rId52"/>
     <p:sldId id="367" r:id="rId53"/>
-    <p:sldId id="359" r:id="rId54"/>
-    <p:sldId id="360" r:id="rId55"/>
+    <p:sldId id="322" r:id="rId54"/>
+    <p:sldId id="376" r:id="rId55"/>
     <p:sldId id="336" r:id="rId56"/>
     <p:sldId id="337" r:id="rId57"/>
     <p:sldId id="338" r:id="rId58"/>
@@ -25088,10 +25088,81 @@
           </a:p>
         </p:txBody>
       </p:sp>
+      <p:sp>
+        <p:nvSpPr>
+          <p:cNvPr id="2" name="Footer Placeholder 1">
+            <a:extLst>
+              <a:ext uri="{FF2B5EF4-FFF2-40B4-BE49-F238E27FC236}">
+                <a16:creationId xmlns:a16="http://schemas.microsoft.com/office/drawing/2014/main" id="{14C24F91-5FF2-08C8-61E2-1742415EB552}"/>
+              </a:ext>
+            </a:extLst>
+          </p:cNvPr>
+          <p:cNvSpPr>
+            <a:spLocks noGrp="1"/>
+          </p:cNvSpPr>
+          <p:nvPr>
+            <p:ph type="ftr" sz="quarter" idx="10"/>
+          </p:nvPr>
+        </p:nvSpPr>
+        <p:spPr/>
+        <p:txBody>
+          <a:bodyPr/>
+          <a:lstStyle/>
+          <a:p>
+            <a:pPr>
+              <a:defRPr/>
+            </a:pPr>
+            <a:r>
+              <a:rPr lang="en-US"/>
+              <a:t>©SoftMoore Consulting</a:t>
+            </a:r>
+            <a:endParaRPr lang="en-US" dirty="0"/>
+          </a:p>
+        </p:txBody>
+      </p:sp>
+      <p:sp>
+        <p:nvSpPr>
+          <p:cNvPr id="6" name="Slide Number Placeholder 5">
+            <a:extLst>
+              <a:ext uri="{FF2B5EF4-FFF2-40B4-BE49-F238E27FC236}">
+                <a16:creationId xmlns:a16="http://schemas.microsoft.com/office/drawing/2014/main" id="{F8DF3534-279B-3BD7-5209-C9098DB888D3}"/>
+              </a:ext>
+            </a:extLst>
+          </p:cNvPr>
+          <p:cNvSpPr>
+            <a:spLocks noGrp="1"/>
+          </p:cNvSpPr>
+          <p:nvPr>
+            <p:ph type="sldNum" sz="quarter" idx="11"/>
+          </p:nvPr>
+        </p:nvSpPr>
+        <p:spPr/>
+        <p:txBody>
+          <a:bodyPr/>
+          <a:lstStyle/>
+          <a:p>
+            <a:pPr>
+              <a:defRPr/>
+            </a:pPr>
+            <a:r>
+              <a:rPr lang="en-US"/>
+              <a:t>Slide </a:t>
+            </a:r>
+            <a:fld id="{A413A2F6-7BFD-463C-B63A-922040FAF32C}" type="slidenum">
+              <a:rPr lang="en-US" smtClean="0"/>
+              <a:pPr>
+                <a:defRPr/>
+              </a:pPr>
+              <a:t>53</a:t>
+            </a:fld>
+            <a:endParaRPr lang="en-US" dirty="0"/>
+          </a:p>
+        </p:txBody>
+      </p:sp>
     </p:spTree>
     <p:extLst>
       <p:ext uri="{BB962C8B-B14F-4D97-AF65-F5344CB8AC3E}">
-        <p14:creationId xmlns:p14="http://schemas.microsoft.com/office/powerpoint/2010/main" val="3443418329"/>
+        <p14:creationId xmlns:p14="http://schemas.microsoft.com/office/powerpoint/2010/main" val="1464259129"/>
       </p:ext>
     </p:extLst>
   </p:cSld>
@@ -25147,398 +25218,12 @@
           </a:p>
         </p:txBody>
       </p:sp>
-      <p:sp>
-        <p:nvSpPr>
-          <p:cNvPr id="33" name="TextBox 32">
+      <p:grpSp>
+        <p:nvGrpSpPr>
+          <p:cNvPr id="2" name="Group 1">
             <a:extLst>
               <a:ext uri="{FF2B5EF4-FFF2-40B4-BE49-F238E27FC236}">
-                <a16:creationId xmlns:a16="http://schemas.microsoft.com/office/drawing/2014/main" id="{B40B8BAE-B963-1D94-8EFD-E4E115CD6E73}"/>
-              </a:ext>
-            </a:extLst>
-          </p:cNvPr>
-          <p:cNvSpPr txBox="1"/>
-          <p:nvPr/>
-        </p:nvSpPr>
-        <p:spPr>
-          <a:xfrm>
-            <a:off x="3422368" y="1295400"/>
-            <a:ext cx="893642" cy="338554"/>
-          </a:xfrm>
-          <a:prstGeom prst="rect">
-            <a:avLst/>
-          </a:prstGeom>
-          <a:noFill/>
-          <a:ln>
-            <a:solidFill>
-              <a:schemeClr val="tx1"/>
-            </a:solidFill>
-          </a:ln>
-        </p:spPr>
-        <p:txBody>
-          <a:bodyPr wrap="none" rtlCol="0">
-            <a:spAutoFit/>
-          </a:bodyPr>
-          <a:lstStyle/>
-          <a:p>
-            <a:pPr algn="ctr"/>
-            <a:r>
-              <a:rPr lang="en-US" sz="1600" dirty="0"/>
-              <a:t>Program</a:t>
-            </a:r>
-          </a:p>
-        </p:txBody>
-      </p:sp>
-      <p:sp>
-        <p:nvSpPr>
-          <p:cNvPr id="34" name="TextBox 33">
-            <a:extLst>
-              <a:ext uri="{FF2B5EF4-FFF2-40B4-BE49-F238E27FC236}">
-                <a16:creationId xmlns:a16="http://schemas.microsoft.com/office/drawing/2014/main" id="{4E7B59A9-83EC-C8F8-48A9-96704FEDEDFE}"/>
-              </a:ext>
-            </a:extLst>
-          </p:cNvPr>
-          <p:cNvSpPr txBox="1"/>
-          <p:nvPr/>
-        </p:nvSpPr>
-        <p:spPr>
-          <a:xfrm>
-            <a:off x="5405834" y="2561556"/>
-            <a:ext cx="1441292" cy="584775"/>
-          </a:xfrm>
-          <a:prstGeom prst="rect">
-            <a:avLst/>
-          </a:prstGeom>
-          <a:noFill/>
-          <a:ln>
-            <a:solidFill>
-              <a:schemeClr val="tx1"/>
-            </a:solidFill>
-          </a:ln>
-        </p:spPr>
-        <p:txBody>
-          <a:bodyPr wrap="none" rtlCol="0">
-            <a:spAutoFit/>
-          </a:bodyPr>
-          <a:lstStyle>
-            <a:defPPr>
-              <a:defRPr lang="en-US"/>
-            </a:defPPr>
-          </a:lstStyle>
-          <a:p>
-            <a:pPr algn="ctr"/>
-            <a:r>
-              <a:rPr lang="en-US" sz="1600" dirty="0" err="1"/>
-              <a:t>ProcedureDecl</a:t>
-            </a:r>
-            <a:endParaRPr lang="en-US" sz="1600" dirty="0"/>
-          </a:p>
-          <a:p>
-            <a:pPr algn="ctr"/>
-            <a:r>
-              <a:rPr lang="en-US" sz="1600" dirty="0" err="1"/>
-              <a:t>procId</a:t>
-            </a:r>
-            <a:r>
-              <a:rPr lang="en-US" sz="1600" dirty="0"/>
-              <a:t> : "main"</a:t>
-            </a:r>
-          </a:p>
-        </p:txBody>
-      </p:sp>
-      <p:sp>
-        <p:nvSpPr>
-          <p:cNvPr id="35" name="TextBox 34">
-            <a:extLst>
-              <a:ext uri="{FF2B5EF4-FFF2-40B4-BE49-F238E27FC236}">
-                <a16:creationId xmlns:a16="http://schemas.microsoft.com/office/drawing/2014/main" id="{699314D6-F52C-FB2A-52C0-A36769AFC65A}"/>
-              </a:ext>
-            </a:extLst>
-          </p:cNvPr>
-          <p:cNvSpPr txBox="1"/>
-          <p:nvPr/>
-        </p:nvSpPr>
-        <p:spPr>
-          <a:xfrm>
-            <a:off x="493296" y="3602420"/>
-            <a:ext cx="2194560" cy="1077218"/>
-          </a:xfrm>
-          <a:prstGeom prst="rect">
-            <a:avLst/>
-          </a:prstGeom>
-          <a:noFill/>
-          <a:ln>
-            <a:solidFill>
-              <a:schemeClr val="tx1"/>
-            </a:solidFill>
-          </a:ln>
-        </p:spPr>
-        <p:txBody>
-          <a:bodyPr wrap="none" rtlCol="0">
-            <a:spAutoFit/>
-          </a:bodyPr>
-          <a:lstStyle>
-            <a:defPPr>
-              <a:defRPr lang="en-US"/>
-            </a:defPPr>
-          </a:lstStyle>
-          <a:p>
-            <a:pPr algn="l"/>
-            <a:r>
-              <a:rPr lang="en-US" sz="1600" dirty="0"/>
-              <a:t>       SingleVarDecl</a:t>
-            </a:r>
-          </a:p>
-          <a:p>
-            <a:pPr algn="l"/>
-            <a:r>
-              <a:rPr lang="en-US" sz="1600" dirty="0"/>
-              <a:t>identifier : “x”</a:t>
-            </a:r>
-          </a:p>
-          <a:p>
-            <a:pPr algn="l"/>
-            <a:r>
-              <a:rPr lang="en-US" sz="1600" dirty="0" err="1"/>
-              <a:t>varType</a:t>
-            </a:r>
-            <a:r>
-              <a:rPr lang="en-US" sz="1600" dirty="0"/>
-              <a:t> : Integer</a:t>
-            </a:r>
-          </a:p>
-          <a:p>
-            <a:pPr algn="l"/>
-            <a:r>
-              <a:rPr lang="en-US" sz="1600" dirty="0" err="1"/>
-              <a:t>scopeLevel</a:t>
-            </a:r>
-            <a:r>
-              <a:rPr lang="en-US" sz="1600" dirty="0"/>
-              <a:t> : </a:t>
-            </a:r>
-            <a:r>
-              <a:rPr lang="en-US" sz="1600" dirty="0">
-                <a:latin typeface="Consolas" panose="020B0609020204030204" pitchFamily="49" charset="0"/>
-              </a:rPr>
-              <a:t>PROGRAM</a:t>
-            </a:r>
-          </a:p>
-        </p:txBody>
-      </p:sp>
-      <p:sp>
-        <p:nvSpPr>
-          <p:cNvPr id="37" name="TextBox 36">
-            <a:extLst>
-              <a:ext uri="{FF2B5EF4-FFF2-40B4-BE49-F238E27FC236}">
-                <a16:creationId xmlns:a16="http://schemas.microsoft.com/office/drawing/2014/main" id="{2CB889D7-DD78-F88D-F99F-A54CBCCDDB03}"/>
-              </a:ext>
-            </a:extLst>
-          </p:cNvPr>
-          <p:cNvSpPr txBox="1"/>
-          <p:nvPr/>
-        </p:nvSpPr>
-        <p:spPr>
-          <a:xfrm>
-            <a:off x="5212277" y="5486400"/>
-            <a:ext cx="1280160" cy="584775"/>
-          </a:xfrm>
-          <a:prstGeom prst="rect">
-            <a:avLst/>
-          </a:prstGeom>
-          <a:noFill/>
-          <a:ln>
-            <a:solidFill>
-              <a:schemeClr val="tx1"/>
-            </a:solidFill>
-          </a:ln>
-        </p:spPr>
-        <p:txBody>
-          <a:bodyPr wrap="none" rtlCol="0">
-            <a:spAutoFit/>
-          </a:bodyPr>
-          <a:lstStyle>
-            <a:defPPr>
-              <a:defRPr lang="en-US"/>
-            </a:defPPr>
-          </a:lstStyle>
-          <a:p>
-            <a:pPr algn="l"/>
-            <a:r>
-              <a:rPr lang="en-US" sz="1600" dirty="0"/>
-              <a:t> ConstValue</a:t>
-            </a:r>
-          </a:p>
-          <a:p>
-            <a:pPr algn="l"/>
-            <a:r>
-              <a:rPr lang="en-US" sz="1600" dirty="0"/>
-              <a:t>literal : 5</a:t>
-            </a:r>
-          </a:p>
-        </p:txBody>
-      </p:sp>
-      <p:cxnSp>
-        <p:nvCxnSpPr>
-          <p:cNvPr id="38" name="Elbow Connector 2">
-            <a:extLst>
-              <a:ext uri="{FF2B5EF4-FFF2-40B4-BE49-F238E27FC236}">
-                <a16:creationId xmlns:a16="http://schemas.microsoft.com/office/drawing/2014/main" id="{980BCE1F-9F6D-45C1-D066-2A671070B640}"/>
-              </a:ext>
-            </a:extLst>
-          </p:cNvPr>
-          <p:cNvCxnSpPr>
-            <a:cxnSpLocks/>
-            <a:stCxn id="33" idx="2"/>
-            <a:endCxn id="56" idx="0"/>
-          </p:cNvCxnSpPr>
-          <p:nvPr/>
-        </p:nvCxnSpPr>
-        <p:spPr bwMode="auto">
-          <a:xfrm rot="5400000">
-            <a:off x="2556260" y="668271"/>
-            <a:ext cx="347246" cy="2278613"/>
-          </a:xfrm>
-          <a:prstGeom prst="bentConnector3">
-            <a:avLst>
-              <a:gd name="adj1" fmla="val 50000"/>
-            </a:avLst>
-          </a:prstGeom>
-          <a:noFill/>
-          <a:ln w="9525" cap="flat" cmpd="sng" algn="ctr">
-            <a:solidFill>
-              <a:schemeClr val="tx1"/>
-            </a:solidFill>
-            <a:prstDash val="solid"/>
-            <a:round/>
-            <a:headEnd type="none" w="med" len="med"/>
-            <a:tailEnd type="triangle"/>
-          </a:ln>
-          <a:effectLst/>
-        </p:spPr>
-      </p:cxnSp>
-      <p:cxnSp>
-        <p:nvCxnSpPr>
-          <p:cNvPr id="40" name="Elbow Connector 14">
-            <a:extLst>
-              <a:ext uri="{FF2B5EF4-FFF2-40B4-BE49-F238E27FC236}">
-                <a16:creationId xmlns:a16="http://schemas.microsoft.com/office/drawing/2014/main" id="{E7717DE4-FA2A-9077-A6EC-702567F85664}"/>
-              </a:ext>
-            </a:extLst>
-          </p:cNvPr>
-          <p:cNvCxnSpPr>
-            <a:cxnSpLocks/>
-            <a:stCxn id="33" idx="2"/>
-            <a:endCxn id="60" idx="0"/>
-          </p:cNvCxnSpPr>
-          <p:nvPr/>
-        </p:nvCxnSpPr>
-        <p:spPr bwMode="auto">
-          <a:xfrm rot="16200000" flipH="1">
-            <a:off x="4824211" y="678931"/>
-            <a:ext cx="347246" cy="2257291"/>
-          </a:xfrm>
-          <a:prstGeom prst="bentConnector3">
-            <a:avLst>
-              <a:gd name="adj1" fmla="val 50000"/>
-            </a:avLst>
-          </a:prstGeom>
-          <a:noFill/>
-          <a:ln w="9525" cap="flat" cmpd="sng" algn="ctr">
-            <a:solidFill>
-              <a:schemeClr val="tx1"/>
-            </a:solidFill>
-            <a:prstDash val="solid"/>
-            <a:round/>
-            <a:headEnd type="none" w="med" len="med"/>
-            <a:tailEnd type="triangle"/>
-          </a:ln>
-          <a:effectLst/>
-        </p:spPr>
-      </p:cxnSp>
-      <p:cxnSp>
-        <p:nvCxnSpPr>
-          <p:cNvPr id="42" name="Elbow Connector 18">
-            <a:extLst>
-              <a:ext uri="{FF2B5EF4-FFF2-40B4-BE49-F238E27FC236}">
-                <a16:creationId xmlns:a16="http://schemas.microsoft.com/office/drawing/2014/main" id="{E4FB3901-8B32-00C1-8CEA-51E14A211077}"/>
-              </a:ext>
-            </a:extLst>
-          </p:cNvPr>
-          <p:cNvCxnSpPr>
-            <a:cxnSpLocks/>
-            <a:stCxn id="57" idx="2"/>
-            <a:endCxn id="70" idx="0"/>
-          </p:cNvCxnSpPr>
-          <p:nvPr/>
-        </p:nvCxnSpPr>
-        <p:spPr bwMode="auto">
-          <a:xfrm rot="5400000">
-            <a:off x="5225583" y="3137702"/>
-            <a:ext cx="311914" cy="1489882"/>
-          </a:xfrm>
-          <a:prstGeom prst="bentConnector3">
-            <a:avLst>
-              <a:gd name="adj1" fmla="val 50000"/>
-            </a:avLst>
-          </a:prstGeom>
-          <a:noFill/>
-          <a:ln w="9525" cap="flat" cmpd="sng" algn="ctr">
-            <a:solidFill>
-              <a:schemeClr val="tx1"/>
-            </a:solidFill>
-            <a:prstDash val="solid"/>
-            <a:round/>
-            <a:headEnd type="none" w="med" len="med"/>
-            <a:tailEnd type="triangle"/>
-          </a:ln>
-          <a:effectLst/>
-        </p:spPr>
-      </p:cxnSp>
-      <p:cxnSp>
-        <p:nvCxnSpPr>
-          <p:cNvPr id="43" name="Elbow Connector 20">
-            <a:extLst>
-              <a:ext uri="{FF2B5EF4-FFF2-40B4-BE49-F238E27FC236}">
-                <a16:creationId xmlns:a16="http://schemas.microsoft.com/office/drawing/2014/main" id="{190EFB64-A54B-AE00-B6F6-AAB8CB61D20B}"/>
-              </a:ext>
-            </a:extLst>
-          </p:cNvPr>
-          <p:cNvCxnSpPr>
-            <a:cxnSpLocks/>
-            <a:stCxn id="57" idx="2"/>
-            <a:endCxn id="68" idx="0"/>
-          </p:cNvCxnSpPr>
-          <p:nvPr/>
-        </p:nvCxnSpPr>
-        <p:spPr bwMode="auto">
-          <a:xfrm rot="16200000" flipH="1">
-            <a:off x="6577897" y="3275269"/>
-            <a:ext cx="311914" cy="1214747"/>
-          </a:xfrm>
-          <a:prstGeom prst="bentConnector3">
-            <a:avLst>
-              <a:gd name="adj1" fmla="val 50000"/>
-            </a:avLst>
-          </a:prstGeom>
-          <a:noFill/>
-          <a:ln w="9525" cap="flat" cmpd="sng" algn="ctr">
-            <a:solidFill>
-              <a:schemeClr val="tx1"/>
-            </a:solidFill>
-            <a:prstDash val="solid"/>
-            <a:round/>
-            <a:headEnd type="none" w="med" len="med"/>
-            <a:tailEnd type="triangle"/>
-          </a:ln>
-          <a:effectLst/>
-        </p:spPr>
-      </p:cxnSp>
-      <p:grpSp>
-        <p:nvGrpSpPr>
-          <p:cNvPr id="44" name="Group 43">
-            <a:extLst>
-              <a:ext uri="{FF2B5EF4-FFF2-40B4-BE49-F238E27FC236}">
-                <a16:creationId xmlns:a16="http://schemas.microsoft.com/office/drawing/2014/main" id="{07DB9C3C-74EE-C18A-F8A9-6B99F5817AB0}"/>
+                <a16:creationId xmlns:a16="http://schemas.microsoft.com/office/drawing/2014/main" id="{F5C3C41E-D663-E19F-C562-EC082B2ACFB1}"/>
               </a:ext>
             </a:extLst>
           </p:cNvPr>
@@ -25547,18 +25232,18 @@
         </p:nvGrpSpPr>
         <p:grpSpPr>
           <a:xfrm>
-            <a:off x="3767919" y="4038600"/>
-            <a:ext cx="1737360" cy="1077218"/>
-            <a:chOff x="3830724" y="3200400"/>
-            <a:chExt cx="1594667" cy="1077218"/>
+            <a:off x="530592" y="1295400"/>
+            <a:ext cx="8082816" cy="5021997"/>
+            <a:chOff x="533400" y="1295400"/>
+            <a:chExt cx="8082816" cy="5021997"/>
           </a:xfrm>
         </p:grpSpPr>
         <p:sp>
           <p:nvSpPr>
-            <p:cNvPr id="70" name="TextBox 69">
+            <p:cNvPr id="33" name="TextBox 32">
               <a:extLst>
                 <a:ext uri="{FF2B5EF4-FFF2-40B4-BE49-F238E27FC236}">
-                  <a16:creationId xmlns:a16="http://schemas.microsoft.com/office/drawing/2014/main" id="{BD3A8EE5-777F-97DE-B372-9715BABD6FAB}"/>
+                  <a16:creationId xmlns:a16="http://schemas.microsoft.com/office/drawing/2014/main" id="{B40B8BAE-B963-1D94-8EFD-E4E115CD6E73}"/>
                 </a:ext>
               </a:extLst>
             </p:cNvPr>
@@ -25567,8 +25252,106 @@
           </p:nvSpPr>
           <p:spPr>
             <a:xfrm>
-              <a:off x="3830724" y="3200400"/>
-              <a:ext cx="1594667" cy="1077218"/>
+              <a:off x="3422368" y="1295400"/>
+              <a:ext cx="893642" cy="338554"/>
+            </a:xfrm>
+            <a:prstGeom prst="rect">
+              <a:avLst/>
+            </a:prstGeom>
+            <a:noFill/>
+            <a:ln>
+              <a:solidFill>
+                <a:schemeClr val="tx1"/>
+              </a:solidFill>
+            </a:ln>
+          </p:spPr>
+          <p:txBody>
+            <a:bodyPr wrap="none" rtlCol="0">
+              <a:spAutoFit/>
+            </a:bodyPr>
+            <a:lstStyle/>
+            <a:p>
+              <a:pPr algn="ctr"/>
+              <a:r>
+                <a:rPr lang="en-US" sz="1600" dirty="0"/>
+                <a:t>Program</a:t>
+              </a:r>
+            </a:p>
+          </p:txBody>
+        </p:sp>
+        <p:sp>
+          <p:nvSpPr>
+            <p:cNvPr id="34" name="TextBox 33">
+              <a:extLst>
+                <a:ext uri="{FF2B5EF4-FFF2-40B4-BE49-F238E27FC236}">
+                  <a16:creationId xmlns:a16="http://schemas.microsoft.com/office/drawing/2014/main" id="{4E7B59A9-83EC-C8F8-48A9-96704FEDEDFE}"/>
+                </a:ext>
+              </a:extLst>
+            </p:cNvPr>
+            <p:cNvSpPr txBox="1"/>
+            <p:nvPr/>
+          </p:nvSpPr>
+          <p:spPr>
+            <a:xfrm>
+              <a:off x="5405834" y="2561556"/>
+              <a:ext cx="1441292" cy="584775"/>
+            </a:xfrm>
+            <a:prstGeom prst="rect">
+              <a:avLst/>
+            </a:prstGeom>
+            <a:noFill/>
+            <a:ln>
+              <a:solidFill>
+                <a:schemeClr val="tx1"/>
+              </a:solidFill>
+            </a:ln>
+          </p:spPr>
+          <p:txBody>
+            <a:bodyPr wrap="none" rtlCol="0">
+              <a:spAutoFit/>
+            </a:bodyPr>
+            <a:lstStyle>
+              <a:defPPr>
+                <a:defRPr lang="en-US"/>
+              </a:defPPr>
+            </a:lstStyle>
+            <a:p>
+              <a:pPr algn="ctr"/>
+              <a:r>
+                <a:rPr lang="en-US" sz="1600" dirty="0" err="1"/>
+                <a:t>ProcedureDecl</a:t>
+              </a:r>
+              <a:endParaRPr lang="en-US" sz="1600" dirty="0"/>
+            </a:p>
+            <a:p>
+              <a:pPr algn="ctr"/>
+              <a:r>
+                <a:rPr lang="en-US" sz="1600" dirty="0" err="1"/>
+                <a:t>procId</a:t>
+              </a:r>
+              <a:r>
+                <a:rPr lang="en-US" sz="1600" dirty="0"/>
+                <a:t> : "main"</a:t>
+              </a:r>
+            </a:p>
+          </p:txBody>
+        </p:sp>
+        <p:sp>
+          <p:nvSpPr>
+            <p:cNvPr id="35" name="TextBox 34">
+              <a:extLst>
+                <a:ext uri="{FF2B5EF4-FFF2-40B4-BE49-F238E27FC236}">
+                  <a16:creationId xmlns:a16="http://schemas.microsoft.com/office/drawing/2014/main" id="{699314D6-F52C-FB2A-52C0-A36769AFC65A}"/>
+                </a:ext>
+              </a:extLst>
+            </p:cNvPr>
+            <p:cNvSpPr txBox="1"/>
+            <p:nvPr/>
+          </p:nvSpPr>
+          <p:spPr>
+            <a:xfrm>
+              <a:off x="533400" y="3602420"/>
+              <a:ext cx="2066591" cy="1077218"/>
             </a:xfrm>
             <a:prstGeom prst="rect">
               <a:avLst/>
@@ -25593,201 +25376,48 @@
               <a:pPr algn="l"/>
               <a:r>
                 <a:rPr lang="en-US" sz="1600" dirty="0"/>
-                <a:t> AssignmentStmt</a:t>
+                <a:t>       SingleVarDecl</a:t>
               </a:r>
             </a:p>
             <a:p>
               <a:pPr algn="l"/>
               <a:r>
                 <a:rPr lang="en-US" sz="1600" dirty="0"/>
-                <a:t>      variable  </a:t>
+                <a:t>identifier : “x”</a:t>
+              </a:r>
+            </a:p>
+            <a:p>
+              <a:pPr algn="l"/>
+              <a:r>
+                <a:rPr lang="en-US" sz="1600" dirty="0" err="1"/>
+                <a:t>varType</a:t>
+              </a:r>
+              <a:r>
+                <a:rPr lang="en-US" sz="1600" dirty="0"/>
+                <a:t> : Integer</a:t>
               </a:r>
             </a:p>
             <a:p>
               <a:pPr algn="l"/>
               <a:r>
                 <a:rPr lang="en-US" sz="1600" dirty="0"/>
-                <a:t>expression  </a:t>
+                <a:t>scopeLevel : </a:t>
               </a:r>
-            </a:p>
-            <a:p>
-              <a:pPr algn="l"/>
               <a:r>
-                <a:rPr lang="en-US" sz="1600" dirty="0"/>
-                <a:t>position : (3, 6)</a:t>
+                <a:rPr lang="en-US" sz="1600" dirty="0">
+                  <a:latin typeface="Consolas" panose="020B0609020204030204" pitchFamily="49" charset="0"/>
+                </a:rPr>
+                <a:t>GLOBAL</a:t>
               </a:r>
             </a:p>
           </p:txBody>
         </p:sp>
         <p:sp>
           <p:nvSpPr>
-            <p:cNvPr id="71" name="Oval 70">
+            <p:cNvPr id="37" name="TextBox 36">
               <a:extLst>
                 <a:ext uri="{FF2B5EF4-FFF2-40B4-BE49-F238E27FC236}">
-                  <a16:creationId xmlns:a16="http://schemas.microsoft.com/office/drawing/2014/main" id="{0C846E69-4E78-09ED-CF87-AA1BB6CB9B01}"/>
-                </a:ext>
-              </a:extLst>
-            </p:cNvPr>
-            <p:cNvSpPr/>
-            <p:nvPr/>
-          </p:nvSpPr>
-          <p:spPr bwMode="auto">
-            <a:xfrm>
-              <a:off x="4019083" y="3581339"/>
-              <a:ext cx="85989" cy="85989"/>
-            </a:xfrm>
-            <a:prstGeom prst="ellipse">
-              <a:avLst/>
-            </a:prstGeom>
-            <a:solidFill>
-              <a:schemeClr val="tx1"/>
-            </a:solidFill>
-            <a:ln w="9525" cap="flat" cmpd="sng" algn="ctr">
-              <a:solidFill>
-                <a:schemeClr val="tx1"/>
-              </a:solidFill>
-              <a:prstDash val="solid"/>
-              <a:round/>
-              <a:headEnd type="none" w="med" len="med"/>
-              <a:tailEnd type="none" w="med" len="med"/>
-            </a:ln>
-            <a:effectLst/>
-          </p:spPr>
-          <p:txBody>
-            <a:bodyPr vert="horz" wrap="none" lIns="92075" tIns="46038" rIns="92075" bIns="46038" numCol="1" rtlCol="0" anchor="ctr" anchorCtr="0" compatLnSpc="1">
-              <a:prstTxWarp prst="textNoShape">
-                <a:avLst/>
-              </a:prstTxWarp>
-            </a:bodyPr>
-            <a:lstStyle/>
-            <a:p>
-              <a:pPr marL="0" marR="0" indent="0" algn="l" defTabSz="914400" rtl="0" eaLnBrk="0" fontAlgn="base" latinLnBrk="0" hangingPunct="0">
-                <a:lnSpc>
-                  <a:spcPct val="100000"/>
-                </a:lnSpc>
-                <a:spcBef>
-                  <a:spcPct val="0"/>
-                </a:spcBef>
-                <a:spcAft>
-                  <a:spcPct val="0"/>
-                </a:spcAft>
-                <a:buClrTx/>
-                <a:buSzTx/>
-                <a:buFontTx/>
-                <a:buNone/>
-                <a:tabLst/>
-              </a:pPr>
-              <a:endParaRPr kumimoji="0" lang="en-US" sz="2400" b="0" i="0" u="none" strike="noStrike" cap="none" normalizeH="0" baseline="0">
-                <a:ln>
-                  <a:noFill/>
-                </a:ln>
-                <a:solidFill>
-                  <a:schemeClr val="tx1"/>
-                </a:solidFill>
-                <a:effectLst/>
-                <a:latin typeface="Arial" charset="0"/>
-              </a:endParaRPr>
-            </a:p>
-          </p:txBody>
-        </p:sp>
-        <p:sp>
-          <p:nvSpPr>
-            <p:cNvPr id="72" name="Oval 71">
-              <a:extLst>
-                <a:ext uri="{FF2B5EF4-FFF2-40B4-BE49-F238E27FC236}">
-                  <a16:creationId xmlns:a16="http://schemas.microsoft.com/office/drawing/2014/main" id="{4D49059E-C640-838A-5442-9D3A583FB987}"/>
-                </a:ext>
-              </a:extLst>
-            </p:cNvPr>
-            <p:cNvSpPr/>
-            <p:nvPr/>
-          </p:nvSpPr>
-          <p:spPr bwMode="auto">
-            <a:xfrm>
-              <a:off x="5048656" y="3819728"/>
-              <a:ext cx="85989" cy="85989"/>
-            </a:xfrm>
-            <a:prstGeom prst="ellipse">
-              <a:avLst/>
-            </a:prstGeom>
-            <a:solidFill>
-              <a:schemeClr val="tx1"/>
-            </a:solidFill>
-            <a:ln w="9525" cap="flat" cmpd="sng" algn="ctr">
-              <a:solidFill>
-                <a:schemeClr val="tx1"/>
-              </a:solidFill>
-              <a:prstDash val="solid"/>
-              <a:round/>
-              <a:headEnd type="none" w="med" len="med"/>
-              <a:tailEnd type="none" w="med" len="med"/>
-            </a:ln>
-            <a:effectLst/>
-          </p:spPr>
-          <p:txBody>
-            <a:bodyPr vert="horz" wrap="none" lIns="92075" tIns="46038" rIns="92075" bIns="46038" numCol="1" rtlCol="0" anchor="ctr" anchorCtr="0" compatLnSpc="1">
-              <a:prstTxWarp prst="textNoShape">
-                <a:avLst/>
-              </a:prstTxWarp>
-            </a:bodyPr>
-            <a:lstStyle/>
-            <a:p>
-              <a:pPr marL="0" marR="0" indent="0" algn="l" defTabSz="914400" rtl="0" eaLnBrk="0" fontAlgn="base" latinLnBrk="0" hangingPunct="0">
-                <a:lnSpc>
-                  <a:spcPct val="100000"/>
-                </a:lnSpc>
-                <a:spcBef>
-                  <a:spcPct val="0"/>
-                </a:spcBef>
-                <a:spcAft>
-                  <a:spcPct val="0"/>
-                </a:spcAft>
-                <a:buClrTx/>
-                <a:buSzTx/>
-                <a:buFontTx/>
-                <a:buNone/>
-                <a:tabLst/>
-              </a:pPr>
-              <a:endParaRPr kumimoji="0" lang="en-US" sz="2400" b="0" i="0" u="none" strike="noStrike" cap="none" normalizeH="0" baseline="0">
-                <a:ln>
-                  <a:noFill/>
-                </a:ln>
-                <a:solidFill>
-                  <a:schemeClr val="tx1"/>
-                </a:solidFill>
-                <a:effectLst/>
-                <a:latin typeface="Arial" charset="0"/>
-              </a:endParaRPr>
-            </a:p>
-          </p:txBody>
-        </p:sp>
-      </p:grpSp>
-      <p:grpSp>
-        <p:nvGrpSpPr>
-          <p:cNvPr id="45" name="Group 44">
-            <a:extLst>
-              <a:ext uri="{FF2B5EF4-FFF2-40B4-BE49-F238E27FC236}">
-                <a16:creationId xmlns:a16="http://schemas.microsoft.com/office/drawing/2014/main" id="{0A2E124F-EA64-188D-3923-907A9A13C51C}"/>
-              </a:ext>
-            </a:extLst>
-          </p:cNvPr>
-          <p:cNvGrpSpPr/>
-          <p:nvPr/>
-        </p:nvGrpSpPr>
-        <p:grpSpPr>
-          <a:xfrm>
-            <a:off x="6609297" y="4038600"/>
-            <a:ext cx="1463862" cy="584775"/>
-            <a:chOff x="6672101" y="3200400"/>
-            <a:chExt cx="1463862" cy="584775"/>
-          </a:xfrm>
-        </p:grpSpPr>
-        <p:sp>
-          <p:nvSpPr>
-            <p:cNvPr id="68" name="TextBox 67">
-              <a:extLst>
-                <a:ext uri="{FF2B5EF4-FFF2-40B4-BE49-F238E27FC236}">
-                  <a16:creationId xmlns:a16="http://schemas.microsoft.com/office/drawing/2014/main" id="{B61BC937-C329-1B9A-2C67-5C0CF473CB2C}"/>
+                  <a16:creationId xmlns:a16="http://schemas.microsoft.com/office/drawing/2014/main" id="{2CB889D7-DD78-F88D-F99F-A54CBCCDDB03}"/>
                 </a:ext>
               </a:extLst>
             </p:cNvPr>
@@ -25796,8 +25426,8 @@
           </p:nvSpPr>
           <p:spPr>
             <a:xfrm>
-              <a:off x="6672101" y="3200400"/>
-              <a:ext cx="1463862" cy="584775"/>
+              <a:off x="5212277" y="5486400"/>
+              <a:ext cx="1280160" cy="584775"/>
             </a:xfrm>
             <a:prstGeom prst="rect">
               <a:avLst/>
@@ -25822,46 +25452,45 @@
               <a:pPr algn="l"/>
               <a:r>
                 <a:rPr lang="en-US" sz="1600" dirty="0"/>
-                <a:t>  </a:t>
+                <a:t> ConstValue</a:t>
               </a:r>
-              <a:r>
-                <a:rPr lang="en-US" sz="1600" dirty="0" err="1"/>
-                <a:t>OutputStmt</a:t>
-              </a:r>
-              <a:endParaRPr lang="en-US" sz="1600" dirty="0"/>
             </a:p>
             <a:p>
               <a:pPr algn="l"/>
               <a:r>
                 <a:rPr lang="en-US" sz="1600" dirty="0"/>
-                <a:t>expression     </a:t>
+                <a:t>literal : 5</a:t>
               </a:r>
             </a:p>
           </p:txBody>
         </p:sp>
-        <p:sp>
-          <p:nvSpPr>
-            <p:cNvPr id="69" name="Oval 68">
+        <p:cxnSp>
+          <p:nvCxnSpPr>
+            <p:cNvPr id="38" name="Elbow Connector 2">
               <a:extLst>
                 <a:ext uri="{FF2B5EF4-FFF2-40B4-BE49-F238E27FC236}">
-                  <a16:creationId xmlns:a16="http://schemas.microsoft.com/office/drawing/2014/main" id="{F9FF2055-26B4-F4DC-8476-3B524F583BBB}"/>
+                  <a16:creationId xmlns:a16="http://schemas.microsoft.com/office/drawing/2014/main" id="{980BCE1F-9F6D-45C1-D066-2A671070B640}"/>
                 </a:ext>
               </a:extLst>
             </p:cNvPr>
-            <p:cNvSpPr/>
+            <p:cNvCxnSpPr>
+              <a:cxnSpLocks/>
+              <a:stCxn id="33" idx="2"/>
+              <a:endCxn id="56" idx="0"/>
+            </p:cNvCxnSpPr>
             <p:nvPr/>
-          </p:nvSpPr>
+          </p:nvCxnSpPr>
           <p:spPr bwMode="auto">
-            <a:xfrm>
-              <a:off x="7814811" y="3591067"/>
-              <a:ext cx="85989" cy="85989"/>
+            <a:xfrm rot="5400000">
+              <a:off x="2544319" y="656330"/>
+              <a:ext cx="347246" cy="2302494"/>
             </a:xfrm>
-            <a:prstGeom prst="ellipse">
-              <a:avLst/>
+            <a:prstGeom prst="bentConnector3">
+              <a:avLst>
+                <a:gd name="adj1" fmla="val 50000"/>
+              </a:avLst>
             </a:prstGeom>
-            <a:solidFill>
-              <a:schemeClr val="tx1"/>
-            </a:solidFill>
+            <a:noFill/>
             <a:ln w="9525" cap="flat" cmpd="sng" algn="ctr">
               <a:solidFill>
                 <a:schemeClr val="tx1"/>
@@ -25869,74 +25498,1005 @@
               <a:prstDash val="solid"/>
               <a:round/>
               <a:headEnd type="none" w="med" len="med"/>
-              <a:tailEnd type="none" w="med" len="med"/>
+              <a:tailEnd type="triangle"/>
             </a:ln>
             <a:effectLst/>
           </p:spPr>
-          <p:txBody>
-            <a:bodyPr vert="horz" wrap="none" lIns="92075" tIns="46038" rIns="92075" bIns="46038" numCol="1" rtlCol="0" anchor="ctr" anchorCtr="0" compatLnSpc="1">
-              <a:prstTxWarp prst="textNoShape">
+        </p:cxnSp>
+        <p:cxnSp>
+          <p:nvCxnSpPr>
+            <p:cNvPr id="40" name="Elbow Connector 14">
+              <a:extLst>
+                <a:ext uri="{FF2B5EF4-FFF2-40B4-BE49-F238E27FC236}">
+                  <a16:creationId xmlns:a16="http://schemas.microsoft.com/office/drawing/2014/main" id="{E7717DE4-FA2A-9077-A6EC-702567F85664}"/>
+                </a:ext>
+              </a:extLst>
+            </p:cNvPr>
+            <p:cNvCxnSpPr>
+              <a:cxnSpLocks/>
+              <a:stCxn id="33" idx="2"/>
+              <a:endCxn id="60" idx="0"/>
+            </p:cNvCxnSpPr>
+            <p:nvPr/>
+          </p:nvCxnSpPr>
+          <p:spPr bwMode="auto">
+            <a:xfrm rot="16200000" flipH="1">
+              <a:off x="4824211" y="678931"/>
+              <a:ext cx="347246" cy="2257291"/>
+            </a:xfrm>
+            <a:prstGeom prst="bentConnector3">
+              <a:avLst>
+                <a:gd name="adj1" fmla="val 50000"/>
+              </a:avLst>
+            </a:prstGeom>
+            <a:noFill/>
+            <a:ln w="9525" cap="flat" cmpd="sng" algn="ctr">
+              <a:solidFill>
+                <a:schemeClr val="tx1"/>
+              </a:solidFill>
+              <a:prstDash val="solid"/>
+              <a:round/>
+              <a:headEnd type="none" w="med" len="med"/>
+              <a:tailEnd type="triangle"/>
+            </a:ln>
+            <a:effectLst/>
+          </p:spPr>
+        </p:cxnSp>
+        <p:cxnSp>
+          <p:nvCxnSpPr>
+            <p:cNvPr id="42" name="Elbow Connector 18">
+              <a:extLst>
+                <a:ext uri="{FF2B5EF4-FFF2-40B4-BE49-F238E27FC236}">
+                  <a16:creationId xmlns:a16="http://schemas.microsoft.com/office/drawing/2014/main" id="{E4FB3901-8B32-00C1-8CEA-51E14A211077}"/>
+                </a:ext>
+              </a:extLst>
+            </p:cNvPr>
+            <p:cNvCxnSpPr>
+              <a:cxnSpLocks/>
+              <a:stCxn id="57" idx="2"/>
+              <a:endCxn id="70" idx="0"/>
+            </p:cNvCxnSpPr>
+            <p:nvPr/>
+          </p:nvCxnSpPr>
+          <p:spPr bwMode="auto">
+            <a:xfrm rot="5400000">
+              <a:off x="5225583" y="3137702"/>
+              <a:ext cx="311914" cy="1489882"/>
+            </a:xfrm>
+            <a:prstGeom prst="bentConnector3">
+              <a:avLst>
+                <a:gd name="adj1" fmla="val 50000"/>
+              </a:avLst>
+            </a:prstGeom>
+            <a:noFill/>
+            <a:ln w="9525" cap="flat" cmpd="sng" algn="ctr">
+              <a:solidFill>
+                <a:schemeClr val="tx1"/>
+              </a:solidFill>
+              <a:prstDash val="solid"/>
+              <a:round/>
+              <a:headEnd type="none" w="med" len="med"/>
+              <a:tailEnd type="triangle"/>
+            </a:ln>
+            <a:effectLst/>
+          </p:spPr>
+        </p:cxnSp>
+        <p:cxnSp>
+          <p:nvCxnSpPr>
+            <p:cNvPr id="43" name="Elbow Connector 20">
+              <a:extLst>
+                <a:ext uri="{FF2B5EF4-FFF2-40B4-BE49-F238E27FC236}">
+                  <a16:creationId xmlns:a16="http://schemas.microsoft.com/office/drawing/2014/main" id="{190EFB64-A54B-AE00-B6F6-AAB8CB61D20B}"/>
+                </a:ext>
+              </a:extLst>
+            </p:cNvPr>
+            <p:cNvCxnSpPr>
+              <a:cxnSpLocks/>
+              <a:stCxn id="57" idx="2"/>
+              <a:endCxn id="68" idx="0"/>
+            </p:cNvCxnSpPr>
+            <p:nvPr/>
+          </p:nvCxnSpPr>
+          <p:spPr bwMode="auto">
+            <a:xfrm rot="16200000" flipH="1">
+              <a:off x="6577897" y="3275269"/>
+              <a:ext cx="311914" cy="1214747"/>
+            </a:xfrm>
+            <a:prstGeom prst="bentConnector3">
+              <a:avLst>
+                <a:gd name="adj1" fmla="val 50000"/>
+              </a:avLst>
+            </a:prstGeom>
+            <a:noFill/>
+            <a:ln w="9525" cap="flat" cmpd="sng" algn="ctr">
+              <a:solidFill>
+                <a:schemeClr val="tx1"/>
+              </a:solidFill>
+              <a:prstDash val="solid"/>
+              <a:round/>
+              <a:headEnd type="none" w="med" len="med"/>
+              <a:tailEnd type="triangle"/>
+            </a:ln>
+            <a:effectLst/>
+          </p:spPr>
+        </p:cxnSp>
+        <p:grpSp>
+          <p:nvGrpSpPr>
+            <p:cNvPr id="44" name="Group 43">
+              <a:extLst>
+                <a:ext uri="{FF2B5EF4-FFF2-40B4-BE49-F238E27FC236}">
+                  <a16:creationId xmlns:a16="http://schemas.microsoft.com/office/drawing/2014/main" id="{07DB9C3C-74EE-C18A-F8A9-6B99F5817AB0}"/>
+                </a:ext>
+              </a:extLst>
+            </p:cNvPr>
+            <p:cNvGrpSpPr/>
+            <p:nvPr/>
+          </p:nvGrpSpPr>
+          <p:grpSpPr>
+            <a:xfrm>
+              <a:off x="3767919" y="4038600"/>
+              <a:ext cx="1737360" cy="1077218"/>
+              <a:chOff x="3830724" y="3200400"/>
+              <a:chExt cx="1594667" cy="1077218"/>
+            </a:xfrm>
+          </p:grpSpPr>
+          <p:sp>
+            <p:nvSpPr>
+              <p:cNvPr id="70" name="TextBox 69">
+                <a:extLst>
+                  <a:ext uri="{FF2B5EF4-FFF2-40B4-BE49-F238E27FC236}">
+                    <a16:creationId xmlns:a16="http://schemas.microsoft.com/office/drawing/2014/main" id="{BD3A8EE5-777F-97DE-B372-9715BABD6FAB}"/>
+                  </a:ext>
+                </a:extLst>
+              </p:cNvPr>
+              <p:cNvSpPr txBox="1"/>
+              <p:nvPr/>
+            </p:nvSpPr>
+            <p:spPr>
+              <a:xfrm>
+                <a:off x="3830724" y="3200400"/>
+                <a:ext cx="1594667" cy="1077218"/>
+              </a:xfrm>
+              <a:prstGeom prst="rect">
                 <a:avLst/>
-              </a:prstTxWarp>
-            </a:bodyPr>
-            <a:lstStyle/>
-            <a:p>
-              <a:pPr marL="0" marR="0" indent="0" algn="l" defTabSz="914400" rtl="0" eaLnBrk="0" fontAlgn="base" latinLnBrk="0" hangingPunct="0">
-                <a:lnSpc>
-                  <a:spcPct val="100000"/>
-                </a:lnSpc>
-                <a:spcBef>
-                  <a:spcPct val="0"/>
-                </a:spcBef>
-                <a:spcAft>
-                  <a:spcPct val="0"/>
-                </a:spcAft>
-                <a:buClrTx/>
-                <a:buSzTx/>
-                <a:buFontTx/>
-                <a:buNone/>
-                <a:tabLst/>
-              </a:pPr>
-              <a:endParaRPr kumimoji="0" lang="en-US" sz="2400" b="0" i="0" u="none" strike="noStrike" cap="none" normalizeH="0" baseline="0">
-                <a:ln>
-                  <a:noFill/>
-                </a:ln>
+              </a:prstGeom>
+              <a:noFill/>
+              <a:ln>
                 <a:solidFill>
                   <a:schemeClr val="tx1"/>
                 </a:solidFill>
-                <a:effectLst/>
-                <a:latin typeface="Arial" charset="0"/>
-              </a:endParaRPr>
-            </a:p>
-          </p:txBody>
-        </p:sp>
-      </p:grpSp>
-      <p:grpSp>
-        <p:nvGrpSpPr>
-          <p:cNvPr id="46" name="Group 45">
-            <a:extLst>
-              <a:ext uri="{FF2B5EF4-FFF2-40B4-BE49-F238E27FC236}">
-                <a16:creationId xmlns:a16="http://schemas.microsoft.com/office/drawing/2014/main" id="{1437F269-4451-3664-5E63-70820750BAC0}"/>
-              </a:ext>
-            </a:extLst>
-          </p:cNvPr>
-          <p:cNvGrpSpPr/>
-          <p:nvPr/>
-        </p:nvGrpSpPr>
-        <p:grpSpPr>
-          <a:xfrm>
-            <a:off x="6970296" y="5486400"/>
-            <a:ext cx="1645920" cy="830997"/>
-            <a:chOff x="7120434" y="4911022"/>
-            <a:chExt cx="1645920" cy="830997"/>
-          </a:xfrm>
-        </p:grpSpPr>
+              </a:ln>
+            </p:spPr>
+            <p:txBody>
+              <a:bodyPr wrap="none" rtlCol="0">
+                <a:spAutoFit/>
+              </a:bodyPr>
+              <a:lstStyle>
+                <a:defPPr>
+                  <a:defRPr lang="en-US"/>
+                </a:defPPr>
+              </a:lstStyle>
+              <a:p>
+                <a:pPr algn="l"/>
+                <a:r>
+                  <a:rPr lang="en-US" sz="1600" dirty="0"/>
+                  <a:t> AssignmentStmt</a:t>
+                </a:r>
+              </a:p>
+              <a:p>
+                <a:pPr algn="l"/>
+                <a:r>
+                  <a:rPr lang="en-US" sz="1600" dirty="0"/>
+                  <a:t>      variable  </a:t>
+                </a:r>
+              </a:p>
+              <a:p>
+                <a:pPr algn="l"/>
+                <a:r>
+                  <a:rPr lang="en-US" sz="1600" dirty="0"/>
+                  <a:t>expression  </a:t>
+                </a:r>
+              </a:p>
+              <a:p>
+                <a:pPr algn="l"/>
+                <a:r>
+                  <a:rPr lang="en-US" sz="1600" dirty="0"/>
+                  <a:t>position : (3, 6)</a:t>
+                </a:r>
+              </a:p>
+            </p:txBody>
+          </p:sp>
+          <p:sp>
+            <p:nvSpPr>
+              <p:cNvPr id="71" name="Oval 70">
+                <a:extLst>
+                  <a:ext uri="{FF2B5EF4-FFF2-40B4-BE49-F238E27FC236}">
+                    <a16:creationId xmlns:a16="http://schemas.microsoft.com/office/drawing/2014/main" id="{0C846E69-4E78-09ED-CF87-AA1BB6CB9B01}"/>
+                  </a:ext>
+                </a:extLst>
+              </p:cNvPr>
+              <p:cNvSpPr/>
+              <p:nvPr/>
+            </p:nvSpPr>
+            <p:spPr bwMode="auto">
+              <a:xfrm>
+                <a:off x="4019083" y="3581339"/>
+                <a:ext cx="85989" cy="85989"/>
+              </a:xfrm>
+              <a:prstGeom prst="ellipse">
+                <a:avLst/>
+              </a:prstGeom>
+              <a:solidFill>
+                <a:schemeClr val="tx1"/>
+              </a:solidFill>
+              <a:ln w="9525" cap="flat" cmpd="sng" algn="ctr">
+                <a:solidFill>
+                  <a:schemeClr val="tx1"/>
+                </a:solidFill>
+                <a:prstDash val="solid"/>
+                <a:round/>
+                <a:headEnd type="none" w="med" len="med"/>
+                <a:tailEnd type="none" w="med" len="med"/>
+              </a:ln>
+              <a:effectLst/>
+            </p:spPr>
+            <p:txBody>
+              <a:bodyPr vert="horz" wrap="none" lIns="92075" tIns="46038" rIns="92075" bIns="46038" numCol="1" rtlCol="0" anchor="ctr" anchorCtr="0" compatLnSpc="1">
+                <a:prstTxWarp prst="textNoShape">
+                  <a:avLst/>
+                </a:prstTxWarp>
+              </a:bodyPr>
+              <a:lstStyle/>
+              <a:p>
+                <a:pPr marL="0" marR="0" indent="0" algn="l" defTabSz="914400" rtl="0" eaLnBrk="0" fontAlgn="base" latinLnBrk="0" hangingPunct="0">
+                  <a:lnSpc>
+                    <a:spcPct val="100000"/>
+                  </a:lnSpc>
+                  <a:spcBef>
+                    <a:spcPct val="0"/>
+                  </a:spcBef>
+                  <a:spcAft>
+                    <a:spcPct val="0"/>
+                  </a:spcAft>
+                  <a:buClrTx/>
+                  <a:buSzTx/>
+                  <a:buFontTx/>
+                  <a:buNone/>
+                  <a:tabLst/>
+                </a:pPr>
+                <a:endParaRPr kumimoji="0" lang="en-US" sz="2400" b="0" i="0" u="none" strike="noStrike" cap="none" normalizeH="0" baseline="0">
+                  <a:ln>
+                    <a:noFill/>
+                  </a:ln>
+                  <a:solidFill>
+                    <a:schemeClr val="tx1"/>
+                  </a:solidFill>
+                  <a:effectLst/>
+                  <a:latin typeface="Arial" charset="0"/>
+                </a:endParaRPr>
+              </a:p>
+            </p:txBody>
+          </p:sp>
+          <p:sp>
+            <p:nvSpPr>
+              <p:cNvPr id="72" name="Oval 71">
+                <a:extLst>
+                  <a:ext uri="{FF2B5EF4-FFF2-40B4-BE49-F238E27FC236}">
+                    <a16:creationId xmlns:a16="http://schemas.microsoft.com/office/drawing/2014/main" id="{4D49059E-C640-838A-5442-9D3A583FB987}"/>
+                  </a:ext>
+                </a:extLst>
+              </p:cNvPr>
+              <p:cNvSpPr/>
+              <p:nvPr/>
+            </p:nvSpPr>
+            <p:spPr bwMode="auto">
+              <a:xfrm>
+                <a:off x="5048656" y="3819728"/>
+                <a:ext cx="85989" cy="85989"/>
+              </a:xfrm>
+              <a:prstGeom prst="ellipse">
+                <a:avLst/>
+              </a:prstGeom>
+              <a:solidFill>
+                <a:schemeClr val="tx1"/>
+              </a:solidFill>
+              <a:ln w="9525" cap="flat" cmpd="sng" algn="ctr">
+                <a:solidFill>
+                  <a:schemeClr val="tx1"/>
+                </a:solidFill>
+                <a:prstDash val="solid"/>
+                <a:round/>
+                <a:headEnd type="none" w="med" len="med"/>
+                <a:tailEnd type="none" w="med" len="med"/>
+              </a:ln>
+              <a:effectLst/>
+            </p:spPr>
+            <p:txBody>
+              <a:bodyPr vert="horz" wrap="none" lIns="92075" tIns="46038" rIns="92075" bIns="46038" numCol="1" rtlCol="0" anchor="ctr" anchorCtr="0" compatLnSpc="1">
+                <a:prstTxWarp prst="textNoShape">
+                  <a:avLst/>
+                </a:prstTxWarp>
+              </a:bodyPr>
+              <a:lstStyle/>
+              <a:p>
+                <a:pPr marL="0" marR="0" indent="0" algn="l" defTabSz="914400" rtl="0" eaLnBrk="0" fontAlgn="base" latinLnBrk="0" hangingPunct="0">
+                  <a:lnSpc>
+                    <a:spcPct val="100000"/>
+                  </a:lnSpc>
+                  <a:spcBef>
+                    <a:spcPct val="0"/>
+                  </a:spcBef>
+                  <a:spcAft>
+                    <a:spcPct val="0"/>
+                  </a:spcAft>
+                  <a:buClrTx/>
+                  <a:buSzTx/>
+                  <a:buFontTx/>
+                  <a:buNone/>
+                  <a:tabLst/>
+                </a:pPr>
+                <a:endParaRPr kumimoji="0" lang="en-US" sz="2400" b="0" i="0" u="none" strike="noStrike" cap="none" normalizeH="0" baseline="0">
+                  <a:ln>
+                    <a:noFill/>
+                  </a:ln>
+                  <a:solidFill>
+                    <a:schemeClr val="tx1"/>
+                  </a:solidFill>
+                  <a:effectLst/>
+                  <a:latin typeface="Arial" charset="0"/>
+                </a:endParaRPr>
+              </a:p>
+            </p:txBody>
+          </p:sp>
+        </p:grpSp>
+        <p:grpSp>
+          <p:nvGrpSpPr>
+            <p:cNvPr id="45" name="Group 44">
+              <a:extLst>
+                <a:ext uri="{FF2B5EF4-FFF2-40B4-BE49-F238E27FC236}">
+                  <a16:creationId xmlns:a16="http://schemas.microsoft.com/office/drawing/2014/main" id="{0A2E124F-EA64-188D-3923-907A9A13C51C}"/>
+                </a:ext>
+              </a:extLst>
+            </p:cNvPr>
+            <p:cNvGrpSpPr/>
+            <p:nvPr/>
+          </p:nvGrpSpPr>
+          <p:grpSpPr>
+            <a:xfrm>
+              <a:off x="6609297" y="4038600"/>
+              <a:ext cx="1463862" cy="584775"/>
+              <a:chOff x="6672101" y="3200400"/>
+              <a:chExt cx="1463862" cy="584775"/>
+            </a:xfrm>
+          </p:grpSpPr>
+          <p:sp>
+            <p:nvSpPr>
+              <p:cNvPr id="68" name="TextBox 67">
+                <a:extLst>
+                  <a:ext uri="{FF2B5EF4-FFF2-40B4-BE49-F238E27FC236}">
+                    <a16:creationId xmlns:a16="http://schemas.microsoft.com/office/drawing/2014/main" id="{B61BC937-C329-1B9A-2C67-5C0CF473CB2C}"/>
+                  </a:ext>
+                </a:extLst>
+              </p:cNvPr>
+              <p:cNvSpPr txBox="1"/>
+              <p:nvPr/>
+            </p:nvSpPr>
+            <p:spPr>
+              <a:xfrm>
+                <a:off x="6672101" y="3200400"/>
+                <a:ext cx="1463862" cy="584775"/>
+              </a:xfrm>
+              <a:prstGeom prst="rect">
+                <a:avLst/>
+              </a:prstGeom>
+              <a:noFill/>
+              <a:ln>
+                <a:solidFill>
+                  <a:schemeClr val="tx1"/>
+                </a:solidFill>
+              </a:ln>
+            </p:spPr>
+            <p:txBody>
+              <a:bodyPr wrap="none" rtlCol="0">
+                <a:spAutoFit/>
+              </a:bodyPr>
+              <a:lstStyle>
+                <a:defPPr>
+                  <a:defRPr lang="en-US"/>
+                </a:defPPr>
+              </a:lstStyle>
+              <a:p>
+                <a:pPr algn="l"/>
+                <a:r>
+                  <a:rPr lang="en-US" sz="1600" dirty="0"/>
+                  <a:t>  </a:t>
+                </a:r>
+                <a:r>
+                  <a:rPr lang="en-US" sz="1600" dirty="0" err="1"/>
+                  <a:t>OutputStmt</a:t>
+                </a:r>
+                <a:endParaRPr lang="en-US" sz="1600" dirty="0"/>
+              </a:p>
+              <a:p>
+                <a:pPr algn="l"/>
+                <a:r>
+                  <a:rPr lang="en-US" sz="1600" dirty="0"/>
+                  <a:t>expression     </a:t>
+                </a:r>
+              </a:p>
+            </p:txBody>
+          </p:sp>
+          <p:sp>
+            <p:nvSpPr>
+              <p:cNvPr id="69" name="Oval 68">
+                <a:extLst>
+                  <a:ext uri="{FF2B5EF4-FFF2-40B4-BE49-F238E27FC236}">
+                    <a16:creationId xmlns:a16="http://schemas.microsoft.com/office/drawing/2014/main" id="{F9FF2055-26B4-F4DC-8476-3B524F583BBB}"/>
+                  </a:ext>
+                </a:extLst>
+              </p:cNvPr>
+              <p:cNvSpPr/>
+              <p:nvPr/>
+            </p:nvSpPr>
+            <p:spPr bwMode="auto">
+              <a:xfrm>
+                <a:off x="7814811" y="3591067"/>
+                <a:ext cx="85989" cy="85989"/>
+              </a:xfrm>
+              <a:prstGeom prst="ellipse">
+                <a:avLst/>
+              </a:prstGeom>
+              <a:solidFill>
+                <a:schemeClr val="tx1"/>
+              </a:solidFill>
+              <a:ln w="9525" cap="flat" cmpd="sng" algn="ctr">
+                <a:solidFill>
+                  <a:schemeClr val="tx1"/>
+                </a:solidFill>
+                <a:prstDash val="solid"/>
+                <a:round/>
+                <a:headEnd type="none" w="med" len="med"/>
+                <a:tailEnd type="none" w="med" len="med"/>
+              </a:ln>
+              <a:effectLst/>
+            </p:spPr>
+            <p:txBody>
+              <a:bodyPr vert="horz" wrap="none" lIns="92075" tIns="46038" rIns="92075" bIns="46038" numCol="1" rtlCol="0" anchor="ctr" anchorCtr="0" compatLnSpc="1">
+                <a:prstTxWarp prst="textNoShape">
+                  <a:avLst/>
+                </a:prstTxWarp>
+              </a:bodyPr>
+              <a:lstStyle/>
+              <a:p>
+                <a:pPr marL="0" marR="0" indent="0" algn="l" defTabSz="914400" rtl="0" eaLnBrk="0" fontAlgn="base" latinLnBrk="0" hangingPunct="0">
+                  <a:lnSpc>
+                    <a:spcPct val="100000"/>
+                  </a:lnSpc>
+                  <a:spcBef>
+                    <a:spcPct val="0"/>
+                  </a:spcBef>
+                  <a:spcAft>
+                    <a:spcPct val="0"/>
+                  </a:spcAft>
+                  <a:buClrTx/>
+                  <a:buSzTx/>
+                  <a:buFontTx/>
+                  <a:buNone/>
+                  <a:tabLst/>
+                </a:pPr>
+                <a:endParaRPr kumimoji="0" lang="en-US" sz="2400" b="0" i="0" u="none" strike="noStrike" cap="none" normalizeH="0" baseline="0">
+                  <a:ln>
+                    <a:noFill/>
+                  </a:ln>
+                  <a:solidFill>
+                    <a:schemeClr val="tx1"/>
+                  </a:solidFill>
+                  <a:effectLst/>
+                  <a:latin typeface="Arial" charset="0"/>
+                </a:endParaRPr>
+              </a:p>
+            </p:txBody>
+          </p:sp>
+        </p:grpSp>
+        <p:grpSp>
+          <p:nvGrpSpPr>
+            <p:cNvPr id="46" name="Group 45">
+              <a:extLst>
+                <a:ext uri="{FF2B5EF4-FFF2-40B4-BE49-F238E27FC236}">
+                  <a16:creationId xmlns:a16="http://schemas.microsoft.com/office/drawing/2014/main" id="{1437F269-4451-3664-5E63-70820750BAC0}"/>
+                </a:ext>
+              </a:extLst>
+            </p:cNvPr>
+            <p:cNvGrpSpPr/>
+            <p:nvPr/>
+          </p:nvGrpSpPr>
+          <p:grpSpPr>
+            <a:xfrm>
+              <a:off x="6970296" y="5486400"/>
+              <a:ext cx="1645920" cy="830997"/>
+              <a:chOff x="7120434" y="4911022"/>
+              <a:chExt cx="1645920" cy="830997"/>
+            </a:xfrm>
+          </p:grpSpPr>
+          <p:sp>
+            <p:nvSpPr>
+              <p:cNvPr id="66" name="TextBox 65">
+                <a:extLst>
+                  <a:ext uri="{FF2B5EF4-FFF2-40B4-BE49-F238E27FC236}">
+                    <a16:creationId xmlns:a16="http://schemas.microsoft.com/office/drawing/2014/main" id="{2C5C29CF-6F69-4D24-DD89-36D2A784D579}"/>
+                  </a:ext>
+                </a:extLst>
+              </p:cNvPr>
+              <p:cNvSpPr txBox="1"/>
+              <p:nvPr/>
+            </p:nvSpPr>
+            <p:spPr>
+              <a:xfrm>
+                <a:off x="7120434" y="4911022"/>
+                <a:ext cx="1645920" cy="830997"/>
+              </a:xfrm>
+              <a:prstGeom prst="rect">
+                <a:avLst/>
+              </a:prstGeom>
+              <a:noFill/>
+              <a:ln>
+                <a:solidFill>
+                  <a:schemeClr val="tx1"/>
+                </a:solidFill>
+              </a:ln>
+            </p:spPr>
+            <p:txBody>
+              <a:bodyPr wrap="none" rtlCol="0">
+                <a:spAutoFit/>
+              </a:bodyPr>
+              <a:lstStyle>
+                <a:defPPr>
+                  <a:defRPr lang="en-US"/>
+                </a:defPPr>
+              </a:lstStyle>
+              <a:p>
+                <a:pPr algn="l"/>
+                <a:r>
+                  <a:rPr lang="en-US" sz="1600" dirty="0"/>
+                  <a:t>   </a:t>
+                </a:r>
+                <a:r>
+                  <a:rPr lang="en-US" sz="1600" dirty="0" err="1"/>
+                  <a:t>VariableExpr</a:t>
+                </a:r>
+                <a:endParaRPr lang="en-US" sz="1600" dirty="0"/>
+              </a:p>
+              <a:p>
+                <a:pPr algn="l"/>
+                <a:r>
+                  <a:rPr lang="en-US" sz="1600" dirty="0"/>
+                  <a:t>decl  </a:t>
+                </a:r>
+              </a:p>
+              <a:p>
+                <a:pPr algn="l"/>
+                <a:r>
+                  <a:rPr lang="en-US" sz="1600" dirty="0"/>
+                  <a:t>position : (4, 12)</a:t>
+                </a:r>
+              </a:p>
+            </p:txBody>
+          </p:sp>
+          <p:sp>
+            <p:nvSpPr>
+              <p:cNvPr id="67" name="Oval 66">
+                <a:extLst>
+                  <a:ext uri="{FF2B5EF4-FFF2-40B4-BE49-F238E27FC236}">
+                    <a16:creationId xmlns:a16="http://schemas.microsoft.com/office/drawing/2014/main" id="{98BF5D9B-1336-8E49-F4F0-4514FD5CE2D1}"/>
+                  </a:ext>
+                </a:extLst>
+              </p:cNvPr>
+              <p:cNvSpPr/>
+              <p:nvPr/>
+            </p:nvSpPr>
+            <p:spPr bwMode="auto">
+              <a:xfrm>
+                <a:off x="7696200" y="5293029"/>
+                <a:ext cx="85989" cy="85989"/>
+              </a:xfrm>
+              <a:prstGeom prst="ellipse">
+                <a:avLst/>
+              </a:prstGeom>
+              <a:solidFill>
+                <a:schemeClr val="tx1"/>
+              </a:solidFill>
+              <a:ln w="9525" cap="flat" cmpd="sng" algn="ctr">
+                <a:solidFill>
+                  <a:schemeClr val="tx1"/>
+                </a:solidFill>
+                <a:prstDash val="solid"/>
+                <a:round/>
+                <a:headEnd type="none" w="med" len="med"/>
+                <a:tailEnd type="none" w="med" len="med"/>
+              </a:ln>
+              <a:effectLst/>
+            </p:spPr>
+            <p:txBody>
+              <a:bodyPr vert="horz" wrap="none" lIns="92075" tIns="46038" rIns="92075" bIns="46038" numCol="1" rtlCol="0" anchor="ctr" anchorCtr="0" compatLnSpc="1">
+                <a:prstTxWarp prst="textNoShape">
+                  <a:avLst/>
+                </a:prstTxWarp>
+              </a:bodyPr>
+              <a:lstStyle/>
+              <a:p>
+                <a:pPr marL="0" marR="0" indent="0" algn="l" defTabSz="914400" rtl="0" eaLnBrk="0" fontAlgn="base" latinLnBrk="0" hangingPunct="0">
+                  <a:lnSpc>
+                    <a:spcPct val="100000"/>
+                  </a:lnSpc>
+                  <a:spcBef>
+                    <a:spcPct val="0"/>
+                  </a:spcBef>
+                  <a:spcAft>
+                    <a:spcPct val="0"/>
+                  </a:spcAft>
+                  <a:buClrTx/>
+                  <a:buSzTx/>
+                  <a:buFontTx/>
+                  <a:buNone/>
+                  <a:tabLst/>
+                </a:pPr>
+                <a:endParaRPr kumimoji="0" lang="en-US" sz="2400" b="0" i="0" u="none" strike="noStrike" cap="none" normalizeH="0" baseline="0">
+                  <a:ln>
+                    <a:noFill/>
+                  </a:ln>
+                  <a:solidFill>
+                    <a:schemeClr val="tx1"/>
+                  </a:solidFill>
+                  <a:effectLst/>
+                  <a:latin typeface="Arial" charset="0"/>
+                </a:endParaRPr>
+              </a:p>
+            </p:txBody>
+          </p:sp>
+        </p:grpSp>
+        <p:cxnSp>
+          <p:nvCxnSpPr>
+            <p:cNvPr id="50" name="Elbow Connector 26">
+              <a:extLst>
+                <a:ext uri="{FF2B5EF4-FFF2-40B4-BE49-F238E27FC236}">
+                  <a16:creationId xmlns:a16="http://schemas.microsoft.com/office/drawing/2014/main" id="{2505A9B5-7507-4A99-15DB-7ED1E566EB1A}"/>
+                </a:ext>
+              </a:extLst>
+            </p:cNvPr>
+            <p:cNvCxnSpPr>
+              <a:cxnSpLocks/>
+              <a:stCxn id="71" idx="2"/>
+              <a:endCxn id="64" idx="0"/>
+            </p:cNvCxnSpPr>
+            <p:nvPr/>
+          </p:nvCxnSpPr>
+          <p:spPr bwMode="auto">
+            <a:xfrm rot="10800000" flipV="1">
+              <a:off x="3533837" y="4462534"/>
+              <a:ext cx="439297" cy="1023866"/>
+            </a:xfrm>
+            <a:prstGeom prst="bentConnector2">
+              <a:avLst/>
+            </a:prstGeom>
+            <a:noFill/>
+            <a:ln w="9525" cap="flat" cmpd="sng" algn="ctr">
+              <a:solidFill>
+                <a:schemeClr val="tx1"/>
+              </a:solidFill>
+              <a:prstDash val="solid"/>
+              <a:round/>
+              <a:headEnd type="none" w="med" len="med"/>
+              <a:tailEnd type="triangle"/>
+            </a:ln>
+            <a:effectLst/>
+          </p:spPr>
+        </p:cxnSp>
+        <p:cxnSp>
+          <p:nvCxnSpPr>
+            <p:cNvPr id="51" name="Elbow Connector 28">
+              <a:extLst>
+                <a:ext uri="{FF2B5EF4-FFF2-40B4-BE49-F238E27FC236}">
+                  <a16:creationId xmlns:a16="http://schemas.microsoft.com/office/drawing/2014/main" id="{56E4F54C-A544-D2C0-1BB5-36CB4A46C810}"/>
+                </a:ext>
+              </a:extLst>
+            </p:cNvPr>
+            <p:cNvCxnSpPr>
+              <a:stCxn id="72" idx="6"/>
+              <a:endCxn id="37" idx="0"/>
+            </p:cNvCxnSpPr>
+            <p:nvPr/>
+          </p:nvCxnSpPr>
+          <p:spPr bwMode="auto">
+            <a:xfrm>
+              <a:off x="5188516" y="4700923"/>
+              <a:ext cx="663841" cy="785477"/>
+            </a:xfrm>
+            <a:prstGeom prst="bentConnector2">
+              <a:avLst/>
+            </a:prstGeom>
+            <a:noFill/>
+            <a:ln w="9525" cap="flat" cmpd="sng" algn="ctr">
+              <a:solidFill>
+                <a:schemeClr val="tx1"/>
+              </a:solidFill>
+              <a:prstDash val="solid"/>
+              <a:round/>
+              <a:headEnd type="none" w="med" len="med"/>
+              <a:tailEnd type="triangle"/>
+            </a:ln>
+            <a:effectLst/>
+          </p:spPr>
+        </p:cxnSp>
+        <p:grpSp>
+          <p:nvGrpSpPr>
+            <p:cNvPr id="52" name="Group 51">
+              <a:extLst>
+                <a:ext uri="{FF2B5EF4-FFF2-40B4-BE49-F238E27FC236}">
+                  <a16:creationId xmlns:a16="http://schemas.microsoft.com/office/drawing/2014/main" id="{ADFDD6ED-9C59-7476-ED17-685A5B1846FB}"/>
+                </a:ext>
+              </a:extLst>
+            </p:cNvPr>
+            <p:cNvGrpSpPr/>
+            <p:nvPr/>
+          </p:nvGrpSpPr>
+          <p:grpSpPr>
+            <a:xfrm>
+              <a:off x="2756596" y="5486400"/>
+              <a:ext cx="1554480" cy="830997"/>
+              <a:chOff x="2819400" y="4911022"/>
+              <a:chExt cx="1554480" cy="830997"/>
+            </a:xfrm>
+          </p:grpSpPr>
+          <p:sp>
+            <p:nvSpPr>
+              <p:cNvPr id="64" name="TextBox 63">
+                <a:extLst>
+                  <a:ext uri="{FF2B5EF4-FFF2-40B4-BE49-F238E27FC236}">
+                    <a16:creationId xmlns:a16="http://schemas.microsoft.com/office/drawing/2014/main" id="{B93D2770-3618-D33F-E372-C64F2E662CB6}"/>
+                  </a:ext>
+                </a:extLst>
+              </p:cNvPr>
+              <p:cNvSpPr txBox="1"/>
+              <p:nvPr/>
+            </p:nvSpPr>
+            <p:spPr>
+              <a:xfrm>
+                <a:off x="2819400" y="4911022"/>
+                <a:ext cx="1554480" cy="830997"/>
+              </a:xfrm>
+              <a:prstGeom prst="rect">
+                <a:avLst/>
+              </a:prstGeom>
+              <a:noFill/>
+              <a:ln>
+                <a:solidFill>
+                  <a:schemeClr val="tx1"/>
+                </a:solidFill>
+              </a:ln>
+            </p:spPr>
+            <p:txBody>
+              <a:bodyPr wrap="none" rtlCol="0">
+                <a:spAutoFit/>
+              </a:bodyPr>
+              <a:lstStyle>
+                <a:defPPr>
+                  <a:defRPr lang="en-US"/>
+                </a:defPPr>
+              </a:lstStyle>
+              <a:p>
+                <a:pPr algn="l"/>
+                <a:r>
+                  <a:rPr lang="en-US" sz="1600" dirty="0"/>
+                  <a:t>      Variable</a:t>
+                </a:r>
+              </a:p>
+              <a:p>
+                <a:pPr algn="l"/>
+                <a:r>
+                  <a:rPr lang="en-US" sz="1600" dirty="0"/>
+                  <a:t>     decl </a:t>
+                </a:r>
+              </a:p>
+              <a:p>
+                <a:pPr algn="l"/>
+                <a:r>
+                  <a:rPr lang="en-US" sz="1600" dirty="0"/>
+                  <a:t>position : (3, 4)</a:t>
+                </a:r>
+              </a:p>
+            </p:txBody>
+          </p:sp>
+          <p:sp>
+            <p:nvSpPr>
+              <p:cNvPr id="65" name="Oval 64">
+                <a:extLst>
+                  <a:ext uri="{FF2B5EF4-FFF2-40B4-BE49-F238E27FC236}">
+                    <a16:creationId xmlns:a16="http://schemas.microsoft.com/office/drawing/2014/main" id="{40510D1F-6B7B-EE6B-2C45-58CCEFDBA049}"/>
+                  </a:ext>
+                </a:extLst>
+              </p:cNvPr>
+              <p:cNvSpPr/>
+              <p:nvPr/>
+            </p:nvSpPr>
+            <p:spPr bwMode="auto">
+              <a:xfrm>
+                <a:off x="2964922" y="5293029"/>
+                <a:ext cx="85989" cy="85989"/>
+              </a:xfrm>
+              <a:prstGeom prst="ellipse">
+                <a:avLst/>
+              </a:prstGeom>
+              <a:solidFill>
+                <a:schemeClr val="tx1"/>
+              </a:solidFill>
+              <a:ln w="9525" cap="flat" cmpd="sng" algn="ctr">
+                <a:solidFill>
+                  <a:schemeClr val="tx1"/>
+                </a:solidFill>
+                <a:prstDash val="solid"/>
+                <a:round/>
+                <a:headEnd type="none" w="med" len="med"/>
+                <a:tailEnd type="none" w="med" len="med"/>
+              </a:ln>
+              <a:effectLst/>
+            </p:spPr>
+            <p:txBody>
+              <a:bodyPr vert="horz" wrap="none" lIns="92075" tIns="46038" rIns="92075" bIns="46038" numCol="1" rtlCol="0" anchor="ctr" anchorCtr="0" compatLnSpc="1">
+                <a:prstTxWarp prst="textNoShape">
+                  <a:avLst/>
+                </a:prstTxWarp>
+              </a:bodyPr>
+              <a:lstStyle/>
+              <a:p>
+                <a:pPr marL="0" marR="0" indent="0" algn="l" defTabSz="914400" rtl="0" eaLnBrk="0" fontAlgn="base" latinLnBrk="0" hangingPunct="0">
+                  <a:lnSpc>
+                    <a:spcPct val="100000"/>
+                  </a:lnSpc>
+                  <a:spcBef>
+                    <a:spcPct val="0"/>
+                  </a:spcBef>
+                  <a:spcAft>
+                    <a:spcPct val="0"/>
+                  </a:spcAft>
+                  <a:buClrTx/>
+                  <a:buSzTx/>
+                  <a:buFontTx/>
+                  <a:buNone/>
+                  <a:tabLst/>
+                </a:pPr>
+                <a:endParaRPr kumimoji="0" lang="en-US" sz="2400" b="0" i="0" u="none" strike="noStrike" cap="none" normalizeH="0" baseline="0">
+                  <a:ln>
+                    <a:noFill/>
+                  </a:ln>
+                  <a:solidFill>
+                    <a:schemeClr val="tx1"/>
+                  </a:solidFill>
+                  <a:effectLst/>
+                  <a:latin typeface="Arial" charset="0"/>
+                </a:endParaRPr>
+              </a:p>
+            </p:txBody>
+          </p:sp>
+        </p:grpSp>
+        <p:cxnSp>
+          <p:nvCxnSpPr>
+            <p:cNvPr id="53" name="Elbow Connector 35">
+              <a:extLst>
+                <a:ext uri="{FF2B5EF4-FFF2-40B4-BE49-F238E27FC236}">
+                  <a16:creationId xmlns:a16="http://schemas.microsoft.com/office/drawing/2014/main" id="{30264C41-3C7E-3A2E-2054-492FCD1A46CB}"/>
+                </a:ext>
+              </a:extLst>
+            </p:cNvPr>
+            <p:cNvCxnSpPr>
+              <a:cxnSpLocks/>
+              <a:stCxn id="69" idx="4"/>
+              <a:endCxn id="66" idx="0"/>
+            </p:cNvCxnSpPr>
+            <p:nvPr/>
+          </p:nvCxnSpPr>
+          <p:spPr bwMode="auto">
+            <a:xfrm flipH="1">
+              <a:off x="7793256" y="4515256"/>
+              <a:ext cx="1746" cy="971144"/>
+            </a:xfrm>
+            <a:prstGeom prst="straightConnector1">
+              <a:avLst/>
+            </a:prstGeom>
+            <a:noFill/>
+            <a:ln w="9525" cap="flat" cmpd="sng" algn="ctr">
+              <a:solidFill>
+                <a:schemeClr val="tx1"/>
+              </a:solidFill>
+              <a:prstDash val="solid"/>
+              <a:round/>
+              <a:headEnd type="none" w="med" len="med"/>
+              <a:tailEnd type="triangle"/>
+            </a:ln>
+            <a:effectLst/>
+          </p:spPr>
+        </p:cxnSp>
+        <p:cxnSp>
+          <p:nvCxnSpPr>
+            <p:cNvPr id="54" name="Elbow Connector 38">
+              <a:extLst>
+                <a:ext uri="{FF2B5EF4-FFF2-40B4-BE49-F238E27FC236}">
+                  <a16:creationId xmlns:a16="http://schemas.microsoft.com/office/drawing/2014/main" id="{D5DA15CE-F110-94C8-A837-C98D25D1FAEF}"/>
+                </a:ext>
+              </a:extLst>
+            </p:cNvPr>
+            <p:cNvCxnSpPr>
+              <a:cxnSpLocks/>
+              <a:stCxn id="67" idx="6"/>
+              <a:endCxn id="35" idx="2"/>
+            </p:cNvCxnSpPr>
+            <p:nvPr/>
+          </p:nvCxnSpPr>
+          <p:spPr bwMode="auto">
+            <a:xfrm flipH="1" flipV="1">
+              <a:off x="1566696" y="4679638"/>
+              <a:ext cx="6065355" cy="1231764"/>
+            </a:xfrm>
+            <a:prstGeom prst="bentConnector4">
+              <a:avLst>
+                <a:gd name="adj1" fmla="val -3769"/>
+                <a:gd name="adj2" fmla="val 51745"/>
+              </a:avLst>
+            </a:prstGeom>
+            <a:noFill/>
+            <a:ln w="9525" cap="flat" cmpd="sng" algn="ctr">
+              <a:solidFill>
+                <a:schemeClr val="tx1"/>
+              </a:solidFill>
+              <a:prstDash val="dash"/>
+              <a:round/>
+              <a:headEnd type="none" w="med" len="med"/>
+              <a:tailEnd type="triangle"/>
+            </a:ln>
+            <a:effectLst/>
+          </p:spPr>
+        </p:cxnSp>
+        <p:cxnSp>
+          <p:nvCxnSpPr>
+            <p:cNvPr id="55" name="Elbow Connector 40">
+              <a:extLst>
+                <a:ext uri="{FF2B5EF4-FFF2-40B4-BE49-F238E27FC236}">
+                  <a16:creationId xmlns:a16="http://schemas.microsoft.com/office/drawing/2014/main" id="{0D69B646-5948-DF28-A771-A3E797A08279}"/>
+                </a:ext>
+              </a:extLst>
+            </p:cNvPr>
+            <p:cNvCxnSpPr>
+              <a:stCxn id="65" idx="2"/>
+              <a:endCxn id="35" idx="2"/>
+            </p:cNvCxnSpPr>
+            <p:nvPr/>
+          </p:nvCxnSpPr>
+          <p:spPr bwMode="auto">
+            <a:xfrm rot="10800000">
+              <a:off x="1566696" y="4679638"/>
+              <a:ext cx="1335422" cy="1231764"/>
+            </a:xfrm>
+            <a:prstGeom prst="bentConnector2">
+              <a:avLst/>
+            </a:prstGeom>
+            <a:noFill/>
+            <a:ln w="9525" cap="flat" cmpd="sng" algn="ctr">
+              <a:solidFill>
+                <a:schemeClr val="tx1"/>
+              </a:solidFill>
+              <a:prstDash val="dash"/>
+              <a:round/>
+              <a:headEnd type="none" w="med" len="med"/>
+              <a:tailEnd type="triangle"/>
+            </a:ln>
+            <a:effectLst/>
+          </p:spPr>
+        </p:cxnSp>
         <p:sp>
           <p:nvSpPr>
-            <p:cNvPr id="66" name="TextBox 65">
+            <p:cNvPr id="56" name="TextBox 55">
               <a:extLst>
                 <a:ext uri="{FF2B5EF4-FFF2-40B4-BE49-F238E27FC236}">
-                  <a16:creationId xmlns:a16="http://schemas.microsoft.com/office/drawing/2014/main" id="{2C5C29CF-6F69-4D24-DD89-36D2A784D579}"/>
+                  <a16:creationId xmlns:a16="http://schemas.microsoft.com/office/drawing/2014/main" id="{67E5158D-7081-3EE3-9EA6-0B8066D04C86}"/>
                 </a:ext>
               </a:extLst>
             </p:cNvPr>
@@ -25945,8 +26505,8 @@
           </p:nvSpPr>
           <p:spPr>
             <a:xfrm>
-              <a:off x="7120434" y="4911022"/>
-              <a:ext cx="1645920" cy="830997"/>
+              <a:off x="1020712" y="1981200"/>
+              <a:ext cx="1091966" cy="338554"/>
             </a:xfrm>
             <a:prstGeom prst="rect">
               <a:avLst/>
@@ -25968,204 +26528,21 @@
               </a:defPPr>
             </a:lstStyle>
             <a:p>
-              <a:pPr algn="l"/>
-              <a:r>
-                <a:rPr lang="en-US" sz="1600" dirty="0"/>
-                <a:t>   </a:t>
-              </a:r>
+              <a:pPr algn="ctr"/>
               <a:r>
                 <a:rPr lang="en-US" sz="1600" dirty="0" err="1"/>
-                <a:t>VariableExpr</a:t>
+                <a:t>InitialDecls</a:t>
               </a:r>
               <a:endParaRPr lang="en-US" sz="1600" dirty="0"/>
-            </a:p>
-            <a:p>
-              <a:pPr algn="l"/>
-              <a:r>
-                <a:rPr lang="en-US" sz="1600" dirty="0"/>
-                <a:t>decl  </a:t>
-              </a:r>
-            </a:p>
-            <a:p>
-              <a:pPr algn="l"/>
-              <a:r>
-                <a:rPr lang="en-US" sz="1600" dirty="0"/>
-                <a:t>position : (4, 12)</a:t>
-              </a:r>
             </a:p>
           </p:txBody>
         </p:sp>
         <p:sp>
           <p:nvSpPr>
-            <p:cNvPr id="67" name="Oval 66">
+            <p:cNvPr id="57" name="TextBox 56">
               <a:extLst>
                 <a:ext uri="{FF2B5EF4-FFF2-40B4-BE49-F238E27FC236}">
-                  <a16:creationId xmlns:a16="http://schemas.microsoft.com/office/drawing/2014/main" id="{98BF5D9B-1336-8E49-F4F0-4514FD5CE2D1}"/>
-                </a:ext>
-              </a:extLst>
-            </p:cNvPr>
-            <p:cNvSpPr/>
-            <p:nvPr/>
-          </p:nvSpPr>
-          <p:spPr bwMode="auto">
-            <a:xfrm>
-              <a:off x="7696200" y="5293029"/>
-              <a:ext cx="85989" cy="85989"/>
-            </a:xfrm>
-            <a:prstGeom prst="ellipse">
-              <a:avLst/>
-            </a:prstGeom>
-            <a:solidFill>
-              <a:schemeClr val="tx1"/>
-            </a:solidFill>
-            <a:ln w="9525" cap="flat" cmpd="sng" algn="ctr">
-              <a:solidFill>
-                <a:schemeClr val="tx1"/>
-              </a:solidFill>
-              <a:prstDash val="solid"/>
-              <a:round/>
-              <a:headEnd type="none" w="med" len="med"/>
-              <a:tailEnd type="none" w="med" len="med"/>
-            </a:ln>
-            <a:effectLst/>
-          </p:spPr>
-          <p:txBody>
-            <a:bodyPr vert="horz" wrap="none" lIns="92075" tIns="46038" rIns="92075" bIns="46038" numCol="1" rtlCol="0" anchor="ctr" anchorCtr="0" compatLnSpc="1">
-              <a:prstTxWarp prst="textNoShape">
-                <a:avLst/>
-              </a:prstTxWarp>
-            </a:bodyPr>
-            <a:lstStyle/>
-            <a:p>
-              <a:pPr marL="0" marR="0" indent="0" algn="l" defTabSz="914400" rtl="0" eaLnBrk="0" fontAlgn="base" latinLnBrk="0" hangingPunct="0">
-                <a:lnSpc>
-                  <a:spcPct val="100000"/>
-                </a:lnSpc>
-                <a:spcBef>
-                  <a:spcPct val="0"/>
-                </a:spcBef>
-                <a:spcAft>
-                  <a:spcPct val="0"/>
-                </a:spcAft>
-                <a:buClrTx/>
-                <a:buSzTx/>
-                <a:buFontTx/>
-                <a:buNone/>
-                <a:tabLst/>
-              </a:pPr>
-              <a:endParaRPr kumimoji="0" lang="en-US" sz="2400" b="0" i="0" u="none" strike="noStrike" cap="none" normalizeH="0" baseline="0">
-                <a:ln>
-                  <a:noFill/>
-                </a:ln>
-                <a:solidFill>
-                  <a:schemeClr val="tx1"/>
-                </a:solidFill>
-                <a:effectLst/>
-                <a:latin typeface="Arial" charset="0"/>
-              </a:endParaRPr>
-            </a:p>
-          </p:txBody>
-        </p:sp>
-      </p:grpSp>
-      <p:cxnSp>
-        <p:nvCxnSpPr>
-          <p:cNvPr id="50" name="Elbow Connector 26">
-            <a:extLst>
-              <a:ext uri="{FF2B5EF4-FFF2-40B4-BE49-F238E27FC236}">
-                <a16:creationId xmlns:a16="http://schemas.microsoft.com/office/drawing/2014/main" id="{2505A9B5-7507-4A99-15DB-7ED1E566EB1A}"/>
-              </a:ext>
-            </a:extLst>
-          </p:cNvPr>
-          <p:cNvCxnSpPr>
-            <a:cxnSpLocks/>
-            <a:stCxn id="71" idx="2"/>
-            <a:endCxn id="64" idx="0"/>
-          </p:cNvCxnSpPr>
-          <p:nvPr/>
-        </p:nvCxnSpPr>
-        <p:spPr bwMode="auto">
-          <a:xfrm rot="10800000" flipV="1">
-            <a:off x="3533837" y="4462534"/>
-            <a:ext cx="439297" cy="1023866"/>
-          </a:xfrm>
-          <a:prstGeom prst="bentConnector2">
-            <a:avLst/>
-          </a:prstGeom>
-          <a:noFill/>
-          <a:ln w="9525" cap="flat" cmpd="sng" algn="ctr">
-            <a:solidFill>
-              <a:schemeClr val="tx1"/>
-            </a:solidFill>
-            <a:prstDash val="solid"/>
-            <a:round/>
-            <a:headEnd type="none" w="med" len="med"/>
-            <a:tailEnd type="triangle"/>
-          </a:ln>
-          <a:effectLst/>
-        </p:spPr>
-      </p:cxnSp>
-      <p:cxnSp>
-        <p:nvCxnSpPr>
-          <p:cNvPr id="51" name="Elbow Connector 28">
-            <a:extLst>
-              <a:ext uri="{FF2B5EF4-FFF2-40B4-BE49-F238E27FC236}">
-                <a16:creationId xmlns:a16="http://schemas.microsoft.com/office/drawing/2014/main" id="{56E4F54C-A544-D2C0-1BB5-36CB4A46C810}"/>
-              </a:ext>
-            </a:extLst>
-          </p:cNvPr>
-          <p:cNvCxnSpPr>
-            <a:stCxn id="72" idx="6"/>
-            <a:endCxn id="37" idx="0"/>
-          </p:cNvCxnSpPr>
-          <p:nvPr/>
-        </p:nvCxnSpPr>
-        <p:spPr bwMode="auto">
-          <a:xfrm>
-            <a:off x="5188516" y="4700923"/>
-            <a:ext cx="663841" cy="785477"/>
-          </a:xfrm>
-          <a:prstGeom prst="bentConnector2">
-            <a:avLst/>
-          </a:prstGeom>
-          <a:noFill/>
-          <a:ln w="9525" cap="flat" cmpd="sng" algn="ctr">
-            <a:solidFill>
-              <a:schemeClr val="tx1"/>
-            </a:solidFill>
-            <a:prstDash val="solid"/>
-            <a:round/>
-            <a:headEnd type="none" w="med" len="med"/>
-            <a:tailEnd type="triangle"/>
-          </a:ln>
-          <a:effectLst/>
-        </p:spPr>
-      </p:cxnSp>
-      <p:grpSp>
-        <p:nvGrpSpPr>
-          <p:cNvPr id="52" name="Group 51">
-            <a:extLst>
-              <a:ext uri="{FF2B5EF4-FFF2-40B4-BE49-F238E27FC236}">
-                <a16:creationId xmlns:a16="http://schemas.microsoft.com/office/drawing/2014/main" id="{ADFDD6ED-9C59-7476-ED17-685A5B1846FB}"/>
-              </a:ext>
-            </a:extLst>
-          </p:cNvPr>
-          <p:cNvGrpSpPr/>
-          <p:nvPr/>
-        </p:nvGrpSpPr>
-        <p:grpSpPr>
-          <a:xfrm>
-            <a:off x="2756596" y="5486400"/>
-            <a:ext cx="1554480" cy="830997"/>
-            <a:chOff x="2819400" y="4911022"/>
-            <a:chExt cx="1554480" cy="830997"/>
-          </a:xfrm>
-        </p:grpSpPr>
-        <p:sp>
-          <p:nvSpPr>
-            <p:cNvPr id="64" name="TextBox 63">
-              <a:extLst>
-                <a:ext uri="{FF2B5EF4-FFF2-40B4-BE49-F238E27FC236}">
-                  <a16:creationId xmlns:a16="http://schemas.microsoft.com/office/drawing/2014/main" id="{B93D2770-3618-D33F-E372-C64F2E662CB6}"/>
+                  <a16:creationId xmlns:a16="http://schemas.microsoft.com/office/drawing/2014/main" id="{A710BA51-DAB2-91C2-9400-B62ACC5F8379}"/>
                 </a:ext>
               </a:extLst>
             </p:cNvPr>
@@ -26174,8 +26551,8 @@
           </p:nvSpPr>
           <p:spPr>
             <a:xfrm>
-              <a:off x="2819400" y="4911022"/>
-              <a:ext cx="1554480" cy="830997"/>
+              <a:off x="5560717" y="3388132"/>
+              <a:ext cx="1131527" cy="338554"/>
             </a:xfrm>
             <a:prstGeom prst="rect">
               <a:avLst/>
@@ -26197,51 +26574,39 @@
               </a:defPPr>
             </a:lstStyle>
             <a:p>
-              <a:pPr algn="l"/>
+              <a:pPr algn="ctr"/>
               <a:r>
                 <a:rPr lang="en-US" sz="1600" dirty="0"/>
-                <a:t>      Variable</a:t>
-              </a:r>
-            </a:p>
-            <a:p>
-              <a:pPr algn="l"/>
-              <a:r>
-                <a:rPr lang="en-US" sz="1600" dirty="0"/>
-                <a:t>     decl </a:t>
-              </a:r>
-            </a:p>
-            <a:p>
-              <a:pPr algn="l"/>
-              <a:r>
-                <a:rPr lang="en-US" sz="1600" dirty="0"/>
-                <a:t>position : (3, 4)</a:t>
+                <a:t>Statements</a:t>
               </a:r>
             </a:p>
           </p:txBody>
         </p:sp>
-        <p:sp>
-          <p:nvSpPr>
-            <p:cNvPr id="65" name="Oval 64">
+        <p:cxnSp>
+          <p:nvCxnSpPr>
+            <p:cNvPr id="58" name="Elbow Connector 16">
               <a:extLst>
                 <a:ext uri="{FF2B5EF4-FFF2-40B4-BE49-F238E27FC236}">
-                  <a16:creationId xmlns:a16="http://schemas.microsoft.com/office/drawing/2014/main" id="{40510D1F-6B7B-EE6B-2C45-58CCEFDBA049}"/>
+                  <a16:creationId xmlns:a16="http://schemas.microsoft.com/office/drawing/2014/main" id="{85EF203B-FB21-D975-EE8B-8545B77EEEC3}"/>
                 </a:ext>
               </a:extLst>
             </p:cNvPr>
-            <p:cNvSpPr/>
+            <p:cNvCxnSpPr>
+              <a:cxnSpLocks/>
+              <a:stCxn id="56" idx="2"/>
+              <a:endCxn id="36" idx="0"/>
+            </p:cNvCxnSpPr>
             <p:nvPr/>
-          </p:nvSpPr>
+          </p:nvCxnSpPr>
           <p:spPr bwMode="auto">
             <a:xfrm>
-              <a:off x="2964922" y="5293029"/>
-              <a:ext cx="85989" cy="85989"/>
+              <a:off x="1566695" y="2319754"/>
+              <a:ext cx="0" cy="472056"/>
             </a:xfrm>
-            <a:prstGeom prst="ellipse">
+            <a:prstGeom prst="straightConnector1">
               <a:avLst/>
             </a:prstGeom>
-            <a:solidFill>
-              <a:schemeClr val="tx1"/>
-            </a:solidFill>
+            <a:noFill/>
             <a:ln w="9525" cap="flat" cmpd="sng" algn="ctr">
               <a:solidFill>
                 <a:schemeClr val="tx1"/>
@@ -26249,496 +26614,290 @@
               <a:prstDash val="solid"/>
               <a:round/>
               <a:headEnd type="none" w="med" len="med"/>
-              <a:tailEnd type="none" w="med" len="med"/>
+              <a:tailEnd type="triangle"/>
             </a:ln>
             <a:effectLst/>
           </p:spPr>
+        </p:cxnSp>
+        <p:cxnSp>
+          <p:nvCxnSpPr>
+            <p:cNvPr id="59" name="Elbow Connector 16">
+              <a:extLst>
+                <a:ext uri="{FF2B5EF4-FFF2-40B4-BE49-F238E27FC236}">
+                  <a16:creationId xmlns:a16="http://schemas.microsoft.com/office/drawing/2014/main" id="{51137EF7-4A1A-A985-89D6-0DDCCB37A22A}"/>
+                </a:ext>
+              </a:extLst>
+            </p:cNvPr>
+            <p:cNvCxnSpPr>
+              <a:cxnSpLocks/>
+              <a:stCxn id="60" idx="2"/>
+              <a:endCxn id="34" idx="0"/>
+            </p:cNvCxnSpPr>
+            <p:nvPr/>
+          </p:nvCxnSpPr>
+          <p:spPr bwMode="auto">
+            <a:xfrm>
+              <a:off x="6126480" y="2319754"/>
+              <a:ext cx="0" cy="241802"/>
+            </a:xfrm>
+            <a:prstGeom prst="straightConnector1">
+              <a:avLst/>
+            </a:prstGeom>
+            <a:noFill/>
+            <a:ln w="9525" cap="flat" cmpd="sng" algn="ctr">
+              <a:solidFill>
+                <a:schemeClr val="tx1"/>
+              </a:solidFill>
+              <a:prstDash val="solid"/>
+              <a:round/>
+              <a:headEnd type="none" w="med" len="med"/>
+              <a:tailEnd type="triangle"/>
+            </a:ln>
+            <a:effectLst/>
+          </p:spPr>
+        </p:cxnSp>
+        <p:sp>
+          <p:nvSpPr>
+            <p:cNvPr id="60" name="TextBox 59">
+              <a:extLst>
+                <a:ext uri="{FF2B5EF4-FFF2-40B4-BE49-F238E27FC236}">
+                  <a16:creationId xmlns:a16="http://schemas.microsoft.com/office/drawing/2014/main" id="{D61ABAAD-0AAD-DD24-971D-21D1CBFAB8F6}"/>
+                </a:ext>
+              </a:extLst>
+            </p:cNvPr>
+            <p:cNvSpPr txBox="1"/>
+            <p:nvPr/>
+          </p:nvSpPr>
+          <p:spPr>
+            <a:xfrm>
+              <a:off x="5257800" y="1981200"/>
+              <a:ext cx="1737360" cy="338554"/>
+            </a:xfrm>
+            <a:prstGeom prst="rect">
+              <a:avLst/>
+            </a:prstGeom>
+            <a:noFill/>
+            <a:ln>
+              <a:solidFill>
+                <a:schemeClr val="tx1"/>
+              </a:solidFill>
+            </a:ln>
+          </p:spPr>
           <p:txBody>
-            <a:bodyPr vert="horz" wrap="none" lIns="92075" tIns="46038" rIns="92075" bIns="46038" numCol="1" rtlCol="0" anchor="ctr" anchorCtr="0" compatLnSpc="1">
-              <a:prstTxWarp prst="textNoShape">
-                <a:avLst/>
-              </a:prstTxWarp>
+            <a:bodyPr wrap="none" rtlCol="0">
+              <a:spAutoFit/>
             </a:bodyPr>
-            <a:lstStyle/>
+            <a:lstStyle>
+              <a:defPPr>
+                <a:defRPr lang="en-US"/>
+              </a:defPPr>
+            </a:lstStyle>
             <a:p>
-              <a:pPr marL="0" marR="0" indent="0" algn="l" defTabSz="914400" rtl="0" eaLnBrk="0" fontAlgn="base" latinLnBrk="0" hangingPunct="0">
-                <a:lnSpc>
-                  <a:spcPct val="100000"/>
-                </a:lnSpc>
-                <a:spcBef>
-                  <a:spcPct val="0"/>
-                </a:spcBef>
-                <a:spcAft>
-                  <a:spcPct val="0"/>
-                </a:spcAft>
-                <a:buClrTx/>
-                <a:buSzTx/>
-                <a:buFontTx/>
-                <a:buNone/>
-                <a:tabLst/>
-              </a:pPr>
-              <a:endParaRPr kumimoji="0" lang="en-US" sz="2400" b="0" i="0" u="none" strike="noStrike" cap="none" normalizeH="0" baseline="0">
-                <a:ln>
-                  <a:noFill/>
-                </a:ln>
-                <a:solidFill>
-                  <a:schemeClr val="tx1"/>
-                </a:solidFill>
-                <a:effectLst/>
-                <a:latin typeface="Arial" charset="0"/>
-              </a:endParaRPr>
+              <a:pPr algn="ctr"/>
+              <a:r>
+                <a:rPr lang="en-US" sz="1600" dirty="0" err="1"/>
+                <a:t>SubprogramDecls</a:t>
+              </a:r>
+              <a:endParaRPr lang="en-US" sz="1600" dirty="0"/>
             </a:p>
           </p:txBody>
         </p:sp>
+        <p:cxnSp>
+          <p:nvCxnSpPr>
+            <p:cNvPr id="63" name="Elbow Connector 16">
+              <a:extLst>
+                <a:ext uri="{FF2B5EF4-FFF2-40B4-BE49-F238E27FC236}">
+                  <a16:creationId xmlns:a16="http://schemas.microsoft.com/office/drawing/2014/main" id="{3BCC0B0E-3692-9DE2-E7A5-140798E4726F}"/>
+                </a:ext>
+              </a:extLst>
+            </p:cNvPr>
+            <p:cNvCxnSpPr>
+              <a:cxnSpLocks/>
+              <a:stCxn id="34" idx="2"/>
+              <a:endCxn id="57" idx="0"/>
+            </p:cNvCxnSpPr>
+            <p:nvPr/>
+          </p:nvCxnSpPr>
+          <p:spPr bwMode="auto">
+            <a:xfrm rot="16200000" flipH="1">
+              <a:off x="6005580" y="3267230"/>
+              <a:ext cx="241801" cy="1"/>
+            </a:xfrm>
+            <a:prstGeom prst="bentConnector3">
+              <a:avLst>
+                <a:gd name="adj1" fmla="val 50000"/>
+              </a:avLst>
+            </a:prstGeom>
+            <a:noFill/>
+            <a:ln w="9525" cap="flat" cmpd="sng" algn="ctr">
+              <a:solidFill>
+                <a:schemeClr val="tx1"/>
+              </a:solidFill>
+              <a:prstDash val="solid"/>
+              <a:round/>
+              <a:headEnd type="none" w="med" len="med"/>
+              <a:tailEnd type="triangle"/>
+            </a:ln>
+            <a:effectLst/>
+          </p:spPr>
+        </p:cxnSp>
+        <p:sp>
+          <p:nvSpPr>
+            <p:cNvPr id="36" name="TextBox 35">
+              <a:extLst>
+                <a:ext uri="{FF2B5EF4-FFF2-40B4-BE49-F238E27FC236}">
+                  <a16:creationId xmlns:a16="http://schemas.microsoft.com/office/drawing/2014/main" id="{282320C6-00EC-EE77-3632-8582B2DD2B83}"/>
+                </a:ext>
+              </a:extLst>
+            </p:cNvPr>
+            <p:cNvSpPr txBox="1"/>
+            <p:nvPr/>
+          </p:nvSpPr>
+          <p:spPr>
+            <a:xfrm>
+              <a:off x="1118110" y="2791810"/>
+              <a:ext cx="897170" cy="338554"/>
+            </a:xfrm>
+            <a:prstGeom prst="rect">
+              <a:avLst/>
+            </a:prstGeom>
+            <a:noFill/>
+            <a:ln>
+              <a:solidFill>
+                <a:schemeClr val="tx1"/>
+              </a:solidFill>
+            </a:ln>
+          </p:spPr>
+          <p:txBody>
+            <a:bodyPr wrap="none" rtlCol="0">
+              <a:spAutoFit/>
+            </a:bodyPr>
+            <a:lstStyle>
+              <a:defPPr>
+                <a:defRPr lang="en-US"/>
+              </a:defPPr>
+            </a:lstStyle>
+            <a:p>
+              <a:pPr algn="ctr"/>
+              <a:r>
+                <a:rPr lang="en-US" sz="1600" dirty="0"/>
+                <a:t>VarDecl</a:t>
+              </a:r>
+            </a:p>
+          </p:txBody>
+        </p:sp>
+        <p:cxnSp>
+          <p:nvCxnSpPr>
+            <p:cNvPr id="5" name="Straight Arrow Connector 4">
+              <a:extLst>
+                <a:ext uri="{FF2B5EF4-FFF2-40B4-BE49-F238E27FC236}">
+                  <a16:creationId xmlns:a16="http://schemas.microsoft.com/office/drawing/2014/main" id="{29AD9E0F-A348-CB6F-4EC4-8000B1CCA434}"/>
+                </a:ext>
+              </a:extLst>
+            </p:cNvPr>
+            <p:cNvCxnSpPr>
+              <a:stCxn id="36" idx="2"/>
+              <a:endCxn id="35" idx="0"/>
+            </p:cNvCxnSpPr>
+            <p:nvPr/>
+          </p:nvCxnSpPr>
+          <p:spPr bwMode="auto">
+            <a:xfrm>
+              <a:off x="1566695" y="3130364"/>
+              <a:ext cx="1" cy="472056"/>
+            </a:xfrm>
+            <a:prstGeom prst="straightConnector1">
+              <a:avLst/>
+            </a:prstGeom>
+            <a:noFill/>
+            <a:ln w="9525" cap="flat" cmpd="sng" algn="ctr">
+              <a:solidFill>
+                <a:schemeClr val="tx1"/>
+              </a:solidFill>
+              <a:prstDash val="solid"/>
+              <a:round/>
+              <a:headEnd type="none" w="med" len="med"/>
+              <a:tailEnd type="triangle"/>
+            </a:ln>
+            <a:effectLst/>
+          </p:spPr>
+        </p:cxnSp>
       </p:grpSp>
-      <p:cxnSp>
-        <p:nvCxnSpPr>
-          <p:cNvPr id="53" name="Elbow Connector 35">
+      <p:sp>
+        <p:nvSpPr>
+          <p:cNvPr id="3" name="Footer Placeholder 2">
             <a:extLst>
               <a:ext uri="{FF2B5EF4-FFF2-40B4-BE49-F238E27FC236}">
-                <a16:creationId xmlns:a16="http://schemas.microsoft.com/office/drawing/2014/main" id="{30264C41-3C7E-3A2E-2054-492FCD1A46CB}"/>
+                <a16:creationId xmlns:a16="http://schemas.microsoft.com/office/drawing/2014/main" id="{7B54FDFE-A571-03FB-AD33-A7533E49EC16}"/>
               </a:ext>
             </a:extLst>
           </p:cNvPr>
-          <p:cNvCxnSpPr>
-            <a:cxnSpLocks/>
-            <a:stCxn id="69" idx="4"/>
-            <a:endCxn id="66" idx="0"/>
-          </p:cNvCxnSpPr>
-          <p:nvPr/>
-        </p:nvCxnSpPr>
-        <p:spPr bwMode="auto">
-          <a:xfrm flipH="1">
-            <a:off x="7793256" y="4515256"/>
-            <a:ext cx="1746" cy="971144"/>
-          </a:xfrm>
-          <a:prstGeom prst="straightConnector1">
-            <a:avLst/>
-          </a:prstGeom>
-          <a:noFill/>
-          <a:ln w="9525" cap="flat" cmpd="sng" algn="ctr">
-            <a:solidFill>
-              <a:schemeClr val="tx1"/>
-            </a:solidFill>
-            <a:prstDash val="solid"/>
-            <a:round/>
-            <a:headEnd type="none" w="med" len="med"/>
-            <a:tailEnd type="triangle"/>
-          </a:ln>
-          <a:effectLst/>
-        </p:spPr>
-      </p:cxnSp>
-      <p:cxnSp>
-        <p:nvCxnSpPr>
-          <p:cNvPr id="54" name="Elbow Connector 38">
+          <p:cNvSpPr>
+            <a:spLocks noGrp="1"/>
+          </p:cNvSpPr>
+          <p:nvPr>
+            <p:ph type="ftr" sz="quarter" idx="10"/>
+          </p:nvPr>
+        </p:nvSpPr>
+        <p:spPr/>
+        <p:txBody>
+          <a:bodyPr/>
+          <a:lstStyle/>
+          <a:p>
+            <a:pPr>
+              <a:defRPr/>
+            </a:pPr>
+            <a:r>
+              <a:rPr lang="en-US"/>
+              <a:t>©SoftMoore Consulting</a:t>
+            </a:r>
+            <a:endParaRPr lang="en-US" dirty="0"/>
+          </a:p>
+        </p:txBody>
+      </p:sp>
+      <p:sp>
+        <p:nvSpPr>
+          <p:cNvPr id="6" name="Slide Number Placeholder 5">
             <a:extLst>
               <a:ext uri="{FF2B5EF4-FFF2-40B4-BE49-F238E27FC236}">
-                <a16:creationId xmlns:a16="http://schemas.microsoft.com/office/drawing/2014/main" id="{D5DA15CE-F110-94C8-A837-C98D25D1FAEF}"/>
+                <a16:creationId xmlns:a16="http://schemas.microsoft.com/office/drawing/2014/main" id="{6623A951-04F8-9C67-97B8-323C18D672F9}"/>
               </a:ext>
             </a:extLst>
           </p:cNvPr>
-          <p:cNvCxnSpPr>
-            <a:cxnSpLocks/>
-            <a:stCxn id="67" idx="6"/>
-            <a:endCxn id="35" idx="2"/>
-          </p:cNvCxnSpPr>
-          <p:nvPr/>
-        </p:nvCxnSpPr>
-        <p:spPr bwMode="auto">
-          <a:xfrm flipH="1" flipV="1">
-            <a:off x="1590576" y="4679638"/>
-            <a:ext cx="6041475" cy="1231764"/>
-          </a:xfrm>
-          <a:prstGeom prst="bentConnector4">
-            <a:avLst>
-              <a:gd name="adj1" fmla="val -19267"/>
-              <a:gd name="adj2" fmla="val 51745"/>
-            </a:avLst>
-          </a:prstGeom>
-          <a:noFill/>
-          <a:ln w="9525" cap="flat" cmpd="sng" algn="ctr">
-            <a:solidFill>
-              <a:schemeClr val="tx1"/>
-            </a:solidFill>
-            <a:prstDash val="dash"/>
-            <a:round/>
-            <a:headEnd type="none" w="med" len="med"/>
-            <a:tailEnd type="triangle"/>
-          </a:ln>
-          <a:effectLst/>
-        </p:spPr>
-      </p:cxnSp>
-      <p:cxnSp>
-        <p:nvCxnSpPr>
-          <p:cNvPr id="55" name="Elbow Connector 40">
-            <a:extLst>
-              <a:ext uri="{FF2B5EF4-FFF2-40B4-BE49-F238E27FC236}">
-                <a16:creationId xmlns:a16="http://schemas.microsoft.com/office/drawing/2014/main" id="{0D69B646-5948-DF28-A771-A3E797A08279}"/>
-              </a:ext>
-            </a:extLst>
-          </p:cNvPr>
-          <p:cNvCxnSpPr>
-            <a:stCxn id="65" idx="2"/>
-            <a:endCxn id="35" idx="2"/>
-          </p:cNvCxnSpPr>
-          <p:nvPr/>
-        </p:nvCxnSpPr>
-        <p:spPr bwMode="auto">
-          <a:xfrm rot="10800000">
-            <a:off x="1590576" y="4679638"/>
-            <a:ext cx="1311542" cy="1231764"/>
-          </a:xfrm>
-          <a:prstGeom prst="bentConnector2">
-            <a:avLst/>
-          </a:prstGeom>
-          <a:noFill/>
-          <a:ln w="9525" cap="flat" cmpd="sng" algn="ctr">
-            <a:solidFill>
-              <a:schemeClr val="tx1"/>
-            </a:solidFill>
-            <a:prstDash val="dash"/>
-            <a:round/>
-            <a:headEnd type="none" w="med" len="med"/>
-            <a:tailEnd type="triangle"/>
-          </a:ln>
-          <a:effectLst/>
-        </p:spPr>
-      </p:cxnSp>
-      <p:sp>
-        <p:nvSpPr>
-          <p:cNvPr id="56" name="TextBox 55">
-            <a:extLst>
-              <a:ext uri="{FF2B5EF4-FFF2-40B4-BE49-F238E27FC236}">
-                <a16:creationId xmlns:a16="http://schemas.microsoft.com/office/drawing/2014/main" id="{67E5158D-7081-3EE3-9EA6-0B8066D04C86}"/>
-              </a:ext>
-            </a:extLst>
-          </p:cNvPr>
-          <p:cNvSpPr txBox="1"/>
-          <p:nvPr/>
-        </p:nvSpPr>
-        <p:spPr>
-          <a:xfrm>
-            <a:off x="1044593" y="1981200"/>
-            <a:ext cx="1091966" cy="338554"/>
-          </a:xfrm>
-          <a:prstGeom prst="rect">
-            <a:avLst/>
-          </a:prstGeom>
-          <a:noFill/>
-          <a:ln>
-            <a:solidFill>
-              <a:schemeClr val="tx1"/>
-            </a:solidFill>
-          </a:ln>
-        </p:spPr>
-        <p:txBody>
-          <a:bodyPr wrap="none" rtlCol="0">
-            <a:spAutoFit/>
-          </a:bodyPr>
-          <a:lstStyle>
-            <a:defPPr>
-              <a:defRPr lang="en-US"/>
-            </a:defPPr>
-          </a:lstStyle>
-          <a:p>
-            <a:pPr algn="ctr"/>
-            <a:r>
-              <a:rPr lang="en-US" sz="1600" dirty="0" err="1"/>
-              <a:t>InitialDecls</a:t>
-            </a:r>
-            <a:endParaRPr lang="en-US" sz="1600" dirty="0"/>
-          </a:p>
-        </p:txBody>
-      </p:sp>
-      <p:sp>
-        <p:nvSpPr>
-          <p:cNvPr id="57" name="TextBox 56">
-            <a:extLst>
-              <a:ext uri="{FF2B5EF4-FFF2-40B4-BE49-F238E27FC236}">
-                <a16:creationId xmlns:a16="http://schemas.microsoft.com/office/drawing/2014/main" id="{A710BA51-DAB2-91C2-9400-B62ACC5F8379}"/>
-              </a:ext>
-            </a:extLst>
-          </p:cNvPr>
-          <p:cNvSpPr txBox="1"/>
-          <p:nvPr/>
-        </p:nvSpPr>
-        <p:spPr>
-          <a:xfrm>
-            <a:off x="5560717" y="3388132"/>
-            <a:ext cx="1131527" cy="338554"/>
-          </a:xfrm>
-          <a:prstGeom prst="rect">
-            <a:avLst/>
-          </a:prstGeom>
-          <a:noFill/>
-          <a:ln>
-            <a:solidFill>
-              <a:schemeClr val="tx1"/>
-            </a:solidFill>
-          </a:ln>
-        </p:spPr>
-        <p:txBody>
-          <a:bodyPr wrap="none" rtlCol="0">
-            <a:spAutoFit/>
-          </a:bodyPr>
-          <a:lstStyle>
-            <a:defPPr>
-              <a:defRPr lang="en-US"/>
-            </a:defPPr>
-          </a:lstStyle>
-          <a:p>
-            <a:pPr algn="ctr"/>
-            <a:r>
-              <a:rPr lang="en-US" sz="1600" dirty="0"/>
-              <a:t>Statements</a:t>
-            </a:r>
-          </a:p>
-        </p:txBody>
-      </p:sp>
-      <p:cxnSp>
-        <p:nvCxnSpPr>
-          <p:cNvPr id="58" name="Elbow Connector 16">
-            <a:extLst>
-              <a:ext uri="{FF2B5EF4-FFF2-40B4-BE49-F238E27FC236}">
-                <a16:creationId xmlns:a16="http://schemas.microsoft.com/office/drawing/2014/main" id="{85EF203B-FB21-D975-EE8B-8545B77EEEC3}"/>
-              </a:ext>
-            </a:extLst>
-          </p:cNvPr>
-          <p:cNvCxnSpPr>
-            <a:cxnSpLocks/>
-            <a:stCxn id="56" idx="2"/>
-            <a:endCxn id="36" idx="0"/>
-          </p:cNvCxnSpPr>
-          <p:nvPr/>
-        </p:nvCxnSpPr>
-        <p:spPr bwMode="auto">
-          <a:xfrm>
-            <a:off x="1590576" y="2319754"/>
-            <a:ext cx="0" cy="472056"/>
-          </a:xfrm>
-          <a:prstGeom prst="straightConnector1">
-            <a:avLst/>
-          </a:prstGeom>
-          <a:noFill/>
-          <a:ln w="9525" cap="flat" cmpd="sng" algn="ctr">
-            <a:solidFill>
-              <a:schemeClr val="tx1"/>
-            </a:solidFill>
-            <a:prstDash val="solid"/>
-            <a:round/>
-            <a:headEnd type="none" w="med" len="med"/>
-            <a:tailEnd type="triangle"/>
-          </a:ln>
-          <a:effectLst/>
-        </p:spPr>
-      </p:cxnSp>
-      <p:cxnSp>
-        <p:nvCxnSpPr>
-          <p:cNvPr id="59" name="Elbow Connector 16">
-            <a:extLst>
-              <a:ext uri="{FF2B5EF4-FFF2-40B4-BE49-F238E27FC236}">
-                <a16:creationId xmlns:a16="http://schemas.microsoft.com/office/drawing/2014/main" id="{51137EF7-4A1A-A985-89D6-0DDCCB37A22A}"/>
-              </a:ext>
-            </a:extLst>
-          </p:cNvPr>
-          <p:cNvCxnSpPr>
-            <a:cxnSpLocks/>
-            <a:stCxn id="60" idx="2"/>
-            <a:endCxn id="34" idx="0"/>
-          </p:cNvCxnSpPr>
-          <p:nvPr/>
-        </p:nvCxnSpPr>
-        <p:spPr bwMode="auto">
-          <a:xfrm>
-            <a:off x="6126480" y="2319754"/>
-            <a:ext cx="0" cy="241802"/>
-          </a:xfrm>
-          <a:prstGeom prst="straightConnector1">
-            <a:avLst/>
-          </a:prstGeom>
-          <a:noFill/>
-          <a:ln w="9525" cap="flat" cmpd="sng" algn="ctr">
-            <a:solidFill>
-              <a:schemeClr val="tx1"/>
-            </a:solidFill>
-            <a:prstDash val="solid"/>
-            <a:round/>
-            <a:headEnd type="none" w="med" len="med"/>
-            <a:tailEnd type="triangle"/>
-          </a:ln>
-          <a:effectLst/>
-        </p:spPr>
-      </p:cxnSp>
-      <p:sp>
-        <p:nvSpPr>
-          <p:cNvPr id="60" name="TextBox 59">
-            <a:extLst>
-              <a:ext uri="{FF2B5EF4-FFF2-40B4-BE49-F238E27FC236}">
-                <a16:creationId xmlns:a16="http://schemas.microsoft.com/office/drawing/2014/main" id="{D61ABAAD-0AAD-DD24-971D-21D1CBFAB8F6}"/>
-              </a:ext>
-            </a:extLst>
-          </p:cNvPr>
-          <p:cNvSpPr txBox="1"/>
-          <p:nvPr/>
-        </p:nvSpPr>
-        <p:spPr>
-          <a:xfrm>
-            <a:off x="5257800" y="1981200"/>
-            <a:ext cx="1737360" cy="338554"/>
-          </a:xfrm>
-          <a:prstGeom prst="rect">
-            <a:avLst/>
-          </a:prstGeom>
-          <a:noFill/>
-          <a:ln>
-            <a:solidFill>
-              <a:schemeClr val="tx1"/>
-            </a:solidFill>
-          </a:ln>
-        </p:spPr>
-        <p:txBody>
-          <a:bodyPr wrap="none" rtlCol="0">
-            <a:spAutoFit/>
-          </a:bodyPr>
-          <a:lstStyle>
-            <a:defPPr>
-              <a:defRPr lang="en-US"/>
-            </a:defPPr>
-          </a:lstStyle>
-          <a:p>
-            <a:pPr algn="ctr"/>
-            <a:r>
-              <a:rPr lang="en-US" sz="1600" dirty="0" err="1"/>
-              <a:t>SubprogramDecls</a:t>
-            </a:r>
-            <a:endParaRPr lang="en-US" sz="1600" dirty="0"/>
-          </a:p>
-        </p:txBody>
-      </p:sp>
-      <p:cxnSp>
-        <p:nvCxnSpPr>
-          <p:cNvPr id="63" name="Elbow Connector 16">
-            <a:extLst>
-              <a:ext uri="{FF2B5EF4-FFF2-40B4-BE49-F238E27FC236}">
-                <a16:creationId xmlns:a16="http://schemas.microsoft.com/office/drawing/2014/main" id="{3BCC0B0E-3692-9DE2-E7A5-140798E4726F}"/>
-              </a:ext>
-            </a:extLst>
-          </p:cNvPr>
-          <p:cNvCxnSpPr>
-            <a:cxnSpLocks/>
-            <a:stCxn id="34" idx="2"/>
-            <a:endCxn id="57" idx="0"/>
-          </p:cNvCxnSpPr>
-          <p:nvPr/>
-        </p:nvCxnSpPr>
-        <p:spPr bwMode="auto">
-          <a:xfrm rot="16200000" flipH="1">
-            <a:off x="6005580" y="3267230"/>
-            <a:ext cx="241801" cy="1"/>
-          </a:xfrm>
-          <a:prstGeom prst="bentConnector3">
-            <a:avLst>
-              <a:gd name="adj1" fmla="val 50000"/>
-            </a:avLst>
-          </a:prstGeom>
-          <a:noFill/>
-          <a:ln w="9525" cap="flat" cmpd="sng" algn="ctr">
-            <a:solidFill>
-              <a:schemeClr val="tx1"/>
-            </a:solidFill>
-            <a:prstDash val="solid"/>
-            <a:round/>
-            <a:headEnd type="none" w="med" len="med"/>
-            <a:tailEnd type="triangle"/>
-          </a:ln>
-          <a:effectLst/>
-        </p:spPr>
-      </p:cxnSp>
-      <p:sp>
-        <p:nvSpPr>
-          <p:cNvPr id="36" name="TextBox 35">
-            <a:extLst>
-              <a:ext uri="{FF2B5EF4-FFF2-40B4-BE49-F238E27FC236}">
-                <a16:creationId xmlns:a16="http://schemas.microsoft.com/office/drawing/2014/main" id="{282320C6-00EC-EE77-3632-8582B2DD2B83}"/>
-              </a:ext>
-            </a:extLst>
-          </p:cNvPr>
-          <p:cNvSpPr txBox="1"/>
-          <p:nvPr/>
-        </p:nvSpPr>
-        <p:spPr>
-          <a:xfrm>
-            <a:off x="1141991" y="2791810"/>
-            <a:ext cx="897170" cy="338554"/>
-          </a:xfrm>
-          <a:prstGeom prst="rect">
-            <a:avLst/>
-          </a:prstGeom>
-          <a:noFill/>
-          <a:ln>
-            <a:solidFill>
-              <a:schemeClr val="tx1"/>
-            </a:solidFill>
-          </a:ln>
-        </p:spPr>
-        <p:txBody>
-          <a:bodyPr wrap="none" rtlCol="0">
-            <a:spAutoFit/>
-          </a:bodyPr>
-          <a:lstStyle>
-            <a:defPPr>
-              <a:defRPr lang="en-US"/>
-            </a:defPPr>
-          </a:lstStyle>
-          <a:p>
-            <a:pPr algn="ctr"/>
-            <a:r>
-              <a:rPr lang="en-US" sz="1600" dirty="0"/>
-              <a:t>VarDecl</a:t>
-            </a:r>
-          </a:p>
-        </p:txBody>
-      </p:sp>
-      <p:cxnSp>
-        <p:nvCxnSpPr>
-          <p:cNvPr id="5" name="Straight Arrow Connector 4">
-            <a:extLst>
-              <a:ext uri="{FF2B5EF4-FFF2-40B4-BE49-F238E27FC236}">
-                <a16:creationId xmlns:a16="http://schemas.microsoft.com/office/drawing/2014/main" id="{29AD9E0F-A348-CB6F-4EC4-8000B1CCA434}"/>
-              </a:ext>
-            </a:extLst>
-          </p:cNvPr>
-          <p:cNvCxnSpPr>
-            <a:stCxn id="36" idx="2"/>
-            <a:endCxn id="35" idx="0"/>
-          </p:cNvCxnSpPr>
-          <p:nvPr/>
-        </p:nvCxnSpPr>
-        <p:spPr bwMode="auto">
-          <a:xfrm>
-            <a:off x="1590576" y="3130364"/>
-            <a:ext cx="0" cy="472056"/>
-          </a:xfrm>
-          <a:prstGeom prst="straightConnector1">
-            <a:avLst/>
-          </a:prstGeom>
-          <a:noFill/>
-          <a:ln w="9525" cap="flat" cmpd="sng" algn="ctr">
-            <a:solidFill>
-              <a:schemeClr val="tx1"/>
-            </a:solidFill>
-            <a:prstDash val="solid"/>
-            <a:round/>
-            <a:headEnd type="none" w="med" len="med"/>
-            <a:tailEnd type="triangle"/>
-          </a:ln>
-          <a:effectLst/>
-        </p:spPr>
-      </p:cxnSp>
+          <p:cNvSpPr>
+            <a:spLocks noGrp="1"/>
+          </p:cNvSpPr>
+          <p:nvPr>
+            <p:ph type="sldNum" sz="quarter" idx="11"/>
+          </p:nvPr>
+        </p:nvSpPr>
+        <p:spPr/>
+        <p:txBody>
+          <a:bodyPr/>
+          <a:lstStyle/>
+          <a:p>
+            <a:pPr>
+              <a:defRPr/>
+            </a:pPr>
+            <a:r>
+              <a:rPr lang="en-US"/>
+              <a:t>Slide </a:t>
+            </a:r>
+            <a:fld id="{0493F5BC-5863-40DB-9BF6-90302664BBE6}" type="slidenum">
+              <a:rPr lang="en-US" smtClean="0"/>
+              <a:pPr>
+                <a:defRPr/>
+              </a:pPr>
+              <a:t>54</a:t>
+            </a:fld>
+            <a:endParaRPr lang="en-US" dirty="0"/>
+          </a:p>
+        </p:txBody>
+      </p:sp>
     </p:spTree>
     <p:extLst>
       <p:ext uri="{BB962C8B-B14F-4D97-AF65-F5344CB8AC3E}">
-        <p14:creationId xmlns:p14="http://schemas.microsoft.com/office/powerpoint/2010/main" val="758574541"/>
+        <p14:creationId xmlns:p14="http://schemas.microsoft.com/office/powerpoint/2010/main" val="3822319579"/>
       </p:ext>
     </p:extLst>
   </p:cSld>

--- a/PowerPoints/08 - Abstract Syntax Trees.pptx
+++ b/PowerPoints/08 - Abstract Syntax Trees.pptx
@@ -30581,7 +30581,15 @@
           <a:p>
             <a:r>
               <a:rPr lang="en-US" dirty="0"/>
-              <a:t>An exit statement has meaning only when nested inside a loop., and code generation for an exit statement requires knowledge of which loop encloses it.</a:t>
+              <a:t>An exit statement has meaning only when nested inside </a:t>
+            </a:r>
+            <a:r>
+              <a:rPr lang="en-US"/>
+              <a:t>a loop, </a:t>
+            </a:r>
+            <a:r>
+              <a:rPr lang="en-US" dirty="0"/>
+              <a:t>and code generation for an exit statement requires knowledge of which loop encloses it.</a:t>
             </a:r>
           </a:p>
           <a:p>

--- a/PowerPoints/08 - Abstract Syntax Trees.pptx
+++ b/PowerPoints/08 - Abstract Syntax Trees.pptx
@@ -26897,7 +26897,7 @@
     </p:spTree>
     <p:extLst>
       <p:ext uri="{BB962C8B-B14F-4D97-AF65-F5344CB8AC3E}">
-        <p14:creationId xmlns:p14="http://schemas.microsoft.com/office/powerpoint/2010/main" val="3822319579"/>
+        <p14:creationId xmlns:p14="http://schemas.microsoft.com/office/powerpoint/2010/main" val="317958171"/>
       </p:ext>
     </p:extLst>
   </p:cSld>
@@ -30581,15 +30581,7 @@
           <a:p>
             <a:r>
               <a:rPr lang="en-US" dirty="0"/>
-              <a:t>An exit statement has meaning only when nested inside </a:t>
-            </a:r>
-            <a:r>
-              <a:rPr lang="en-US"/>
-              <a:t>a loop, </a:t>
-            </a:r>
-            <a:r>
-              <a:rPr lang="en-US" dirty="0"/>
-              <a:t>and code generation for an exit statement requires knowledge of which loop encloses it.</a:t>
+              <a:t>An exit statement has meaning only when nested inside a loop, and code generation for an exit statement requires knowledge of which loop encloses it.</a:t>
             </a:r>
           </a:p>
           <a:p>

--- a/PowerPoints/08 - Abstract Syntax Trees.pptx
+++ b/PowerPoints/08 - Abstract Syntax Trees.pptx
@@ -5,10 +5,10 @@
     <p:sldMasterId id="2147483651" r:id="rId1"/>
   </p:sldMasterIdLst>
   <p:notesMasterIdLst>
-    <p:notesMasterId r:id="rId72"/>
+    <p:notesMasterId r:id="rId75"/>
   </p:notesMasterIdLst>
   <p:handoutMasterIdLst>
-    <p:handoutMasterId r:id="rId73"/>
+    <p:handoutMasterId r:id="rId76"/>
   </p:handoutMasterIdLst>
   <p:sldIdLst>
     <p:sldId id="256" r:id="rId2"/>
@@ -81,6 +81,9 @@
     <p:sldId id="291" r:id="rId69"/>
     <p:sldId id="370" r:id="rId70"/>
     <p:sldId id="295" r:id="rId71"/>
+    <p:sldId id="380" r:id="rId72"/>
+    <p:sldId id="381" r:id="rId73"/>
+    <p:sldId id="382" r:id="rId74"/>
   </p:sldIdLst>
   <p:sldSz cx="9144000" cy="6858000" type="screen4x3"/>
   <p:notesSz cx="7315200" cy="9601200"/>
@@ -32981,6 +32984,5424 @@
 </p:sld>
 </file>
 
+<file path=ppt/slides/slide71.xml><?xml version="1.0" encoding="utf-8"?>
+<p:sld xmlns:a="http://schemas.openxmlformats.org/drawingml/2006/main" xmlns:r="http://schemas.openxmlformats.org/officeDocument/2006/relationships" xmlns:p="http://schemas.openxmlformats.org/presentationml/2006/main">
+  <p:cSld>
+    <p:spTree>
+      <p:nvGrpSpPr>
+        <p:cNvPr id="1" name=""/>
+        <p:cNvGrpSpPr/>
+        <p:nvPr/>
+      </p:nvGrpSpPr>
+      <p:grpSpPr>
+        <a:xfrm>
+          <a:off x="0" y="0"/>
+          <a:ext cx="0" cy="0"/>
+          <a:chOff x="0" y="0"/>
+          <a:chExt cx="0" cy="0"/>
+        </a:xfrm>
+      </p:grpSpPr>
+      <p:sp>
+        <p:nvSpPr>
+          <p:cNvPr id="10" name="Title 9">
+            <a:extLst>
+              <a:ext uri="{FF2B5EF4-FFF2-40B4-BE49-F238E27FC236}">
+                <a16:creationId xmlns:a16="http://schemas.microsoft.com/office/drawing/2014/main" id="{92FF69C2-CE04-1B78-61DB-C7CAB7DB49BC}"/>
+              </a:ext>
+            </a:extLst>
+          </p:cNvPr>
+          <p:cNvSpPr>
+            <a:spLocks noGrp="1"/>
+          </p:cNvSpPr>
+          <p:nvPr>
+            <p:ph type="title"/>
+          </p:nvPr>
+        </p:nvSpPr>
+        <p:spPr/>
+        <p:txBody>
+          <a:bodyPr/>
+          <a:lstStyle/>
+          <a:p>
+            <a:r>
+              <a:rPr lang="en-US" dirty="0"/>
+              <a:t>Inheritance Hierarchy for Declarations</a:t>
+            </a:r>
+          </a:p>
+        </p:txBody>
+      </p:sp>
+      <p:sp>
+        <p:nvSpPr>
+          <p:cNvPr id="4" name="Footer Placeholder 3">
+            <a:extLst>
+              <a:ext uri="{FF2B5EF4-FFF2-40B4-BE49-F238E27FC236}">
+                <a16:creationId xmlns:a16="http://schemas.microsoft.com/office/drawing/2014/main" id="{711A1CD8-EC40-8C8B-29EF-AB9441D2848F}"/>
+              </a:ext>
+            </a:extLst>
+          </p:cNvPr>
+          <p:cNvSpPr>
+            <a:spLocks noGrp="1"/>
+          </p:cNvSpPr>
+          <p:nvPr>
+            <p:ph type="ftr" sz="quarter" idx="10"/>
+          </p:nvPr>
+        </p:nvSpPr>
+        <p:spPr/>
+        <p:txBody>
+          <a:bodyPr/>
+          <a:lstStyle/>
+          <a:p>
+            <a:r>
+              <a:rPr lang="en-US"/>
+              <a:t>©SoftMoore Consulting</a:t>
+            </a:r>
+            <a:endParaRPr lang="en-US" dirty="0"/>
+          </a:p>
+        </p:txBody>
+      </p:sp>
+      <p:sp>
+        <p:nvSpPr>
+          <p:cNvPr id="5" name="Slide Number Placeholder 4">
+            <a:extLst>
+              <a:ext uri="{FF2B5EF4-FFF2-40B4-BE49-F238E27FC236}">
+                <a16:creationId xmlns:a16="http://schemas.microsoft.com/office/drawing/2014/main" id="{510EF906-6DF4-ACC5-DAA5-AC03D7531BB9}"/>
+              </a:ext>
+            </a:extLst>
+          </p:cNvPr>
+          <p:cNvSpPr>
+            <a:spLocks noGrp="1"/>
+          </p:cNvSpPr>
+          <p:nvPr>
+            <p:ph type="sldNum" sz="quarter" idx="11"/>
+          </p:nvPr>
+        </p:nvSpPr>
+        <p:spPr/>
+        <p:txBody>
+          <a:bodyPr/>
+          <a:lstStyle/>
+          <a:p>
+            <a:r>
+              <a:rPr lang="en-US"/>
+              <a:t>Slide </a:t>
+            </a:r>
+            <a:fld id="{A413A2F6-7BFD-463C-B63A-922040FAF32C}" type="slidenum">
+              <a:rPr lang="en-US" smtClean="0"/>
+              <a:pPr/>
+              <a:t>71</a:t>
+            </a:fld>
+            <a:endParaRPr lang="en-US" dirty="0"/>
+          </a:p>
+        </p:txBody>
+      </p:sp>
+      <p:grpSp>
+        <p:nvGrpSpPr>
+          <p:cNvPr id="11" name="Group 10">
+            <a:extLst>
+              <a:ext uri="{FF2B5EF4-FFF2-40B4-BE49-F238E27FC236}">
+                <a16:creationId xmlns:a16="http://schemas.microsoft.com/office/drawing/2014/main" id="{A1D9528F-722C-184E-5B09-C94B68DF9735}"/>
+              </a:ext>
+            </a:extLst>
+          </p:cNvPr>
+          <p:cNvGrpSpPr/>
+          <p:nvPr/>
+        </p:nvGrpSpPr>
+        <p:grpSpPr>
+          <a:xfrm>
+            <a:off x="137160" y="1896266"/>
+            <a:ext cx="8869680" cy="3065469"/>
+            <a:chOff x="1527968" y="1896266"/>
+            <a:chExt cx="9136065" cy="3065469"/>
+          </a:xfrm>
+        </p:grpSpPr>
+        <p:sp>
+          <p:nvSpPr>
+            <p:cNvPr id="12" name="Rectangle 6">
+              <a:extLst>
+                <a:ext uri="{FF2B5EF4-FFF2-40B4-BE49-F238E27FC236}">
+                  <a16:creationId xmlns:a16="http://schemas.microsoft.com/office/drawing/2014/main" id="{21C1CC7D-8DAA-CD57-301C-89554D93A8B5}"/>
+                </a:ext>
+              </a:extLst>
+            </p:cNvPr>
+            <p:cNvSpPr>
+              <a:spLocks noChangeArrowheads="1"/>
+            </p:cNvSpPr>
+            <p:nvPr/>
+          </p:nvSpPr>
+          <p:spPr bwMode="auto">
+            <a:xfrm>
+              <a:off x="5083574" y="1896266"/>
+              <a:ext cx="1221489" cy="339196"/>
+            </a:xfrm>
+            <a:prstGeom prst="rect">
+              <a:avLst/>
+            </a:prstGeom>
+            <a:noFill/>
+            <a:ln w="9525">
+              <a:solidFill>
+                <a:schemeClr val="tx1"/>
+              </a:solidFill>
+              <a:miter lim="800000"/>
+              <a:headEnd/>
+              <a:tailEnd/>
+            </a:ln>
+          </p:spPr>
+          <p:txBody>
+            <a:bodyPr wrap="none" lIns="92075" tIns="46038" rIns="92075" bIns="46038" anchor="ctr">
+              <a:spAutoFit/>
+            </a:bodyPr>
+            <a:lstStyle/>
+            <a:p>
+              <a:pPr marL="0" marR="0" lvl="0" indent="0" algn="ctr" defTabSz="914400" eaLnBrk="0" fontAlgn="base" latinLnBrk="0" hangingPunct="0">
+                <a:lnSpc>
+                  <a:spcPct val="100000"/>
+                </a:lnSpc>
+                <a:spcBef>
+                  <a:spcPct val="0"/>
+                </a:spcBef>
+                <a:spcAft>
+                  <a:spcPct val="0"/>
+                </a:spcAft>
+                <a:buClrTx/>
+                <a:buSzTx/>
+                <a:buFontTx/>
+                <a:buNone/>
+                <a:tabLst/>
+                <a:defRPr/>
+              </a:pPr>
+              <a:r>
+                <a:rPr kumimoji="0" lang="en-US" sz="1600" b="0" i="1" u="none" strike="noStrike" kern="0" cap="none" spc="0" normalizeH="0" baseline="0" noProof="0" dirty="0">
+                  <a:ln>
+                    <a:noFill/>
+                  </a:ln>
+                  <a:effectLst/>
+                  <a:uLnTx/>
+                  <a:uFillTx/>
+                  <a:latin typeface="Arial"/>
+                </a:rPr>
+                <a:t>Declaration</a:t>
+              </a:r>
+            </a:p>
+          </p:txBody>
+        </p:sp>
+        <p:sp>
+          <p:nvSpPr>
+            <p:cNvPr id="13" name="Text Box 9">
+              <a:extLst>
+                <a:ext uri="{FF2B5EF4-FFF2-40B4-BE49-F238E27FC236}">
+                  <a16:creationId xmlns:a16="http://schemas.microsoft.com/office/drawing/2014/main" id="{814DCC7E-727B-5AA4-EC27-CF09CBCC5505}"/>
+                </a:ext>
+              </a:extLst>
+            </p:cNvPr>
+            <p:cNvSpPr txBox="1">
+              <a:spLocks noChangeArrowheads="1"/>
+            </p:cNvSpPr>
+            <p:nvPr/>
+          </p:nvSpPr>
+          <p:spPr bwMode="auto">
+            <a:xfrm>
+              <a:off x="1527968" y="3866184"/>
+              <a:ext cx="1130118" cy="339196"/>
+            </a:xfrm>
+            <a:prstGeom prst="rect">
+              <a:avLst/>
+            </a:prstGeom>
+            <a:noFill/>
+            <a:ln w="12700">
+              <a:solidFill>
+                <a:schemeClr val="tx1"/>
+              </a:solidFill>
+              <a:miter lim="800000"/>
+              <a:headEnd/>
+              <a:tailEnd/>
+            </a:ln>
+          </p:spPr>
+          <p:txBody>
+            <a:bodyPr wrap="none" lIns="92075" tIns="46038" rIns="92075" bIns="46038" anchor="ctr">
+              <a:spAutoFit/>
+            </a:bodyPr>
+            <a:lstStyle/>
+            <a:p>
+              <a:pPr marL="0" marR="0" lvl="0" indent="0" algn="ctr" defTabSz="914400" eaLnBrk="0" fontAlgn="base" latinLnBrk="0" hangingPunct="0">
+                <a:lnSpc>
+                  <a:spcPct val="100000"/>
+                </a:lnSpc>
+                <a:spcBef>
+                  <a:spcPct val="50000"/>
+                </a:spcBef>
+                <a:spcAft>
+                  <a:spcPct val="0"/>
+                </a:spcAft>
+                <a:buClrTx/>
+                <a:buSzTx/>
+                <a:buFontTx/>
+                <a:buNone/>
+                <a:tabLst/>
+                <a:defRPr/>
+              </a:pPr>
+              <a:r>
+                <a:rPr kumimoji="0" lang="en-US" sz="1600" b="0" i="0" u="none" strike="noStrike" kern="0" cap="none" spc="0" normalizeH="0" baseline="0" noProof="0" dirty="0" err="1">
+                  <a:ln>
+                    <a:noFill/>
+                  </a:ln>
+                  <a:effectLst/>
+                  <a:uLnTx/>
+                  <a:uFillTx/>
+                  <a:latin typeface="Arial"/>
+                </a:rPr>
+                <a:t>ConstDecl</a:t>
+              </a:r>
+              <a:endParaRPr kumimoji="0" lang="en-US" sz="1600" b="0" i="0" u="none" strike="noStrike" kern="0" cap="none" spc="0" normalizeH="0" baseline="0" noProof="0" dirty="0">
+                <a:ln>
+                  <a:noFill/>
+                </a:ln>
+                <a:effectLst/>
+                <a:uLnTx/>
+                <a:uFillTx/>
+                <a:latin typeface="Arial"/>
+              </a:endParaRPr>
+            </a:p>
+          </p:txBody>
+        </p:sp>
+        <p:sp>
+          <p:nvSpPr>
+            <p:cNvPr id="14" name="Text Box 10">
+              <a:extLst>
+                <a:ext uri="{FF2B5EF4-FFF2-40B4-BE49-F238E27FC236}">
+                  <a16:creationId xmlns:a16="http://schemas.microsoft.com/office/drawing/2014/main" id="{CD62702D-1761-CCDD-29A9-5A7839E7F228}"/>
+                </a:ext>
+              </a:extLst>
+            </p:cNvPr>
+            <p:cNvSpPr txBox="1">
+              <a:spLocks noChangeArrowheads="1"/>
+            </p:cNvSpPr>
+            <p:nvPr/>
+          </p:nvSpPr>
+          <p:spPr bwMode="auto">
+            <a:xfrm>
+              <a:off x="6485874" y="3866184"/>
+              <a:ext cx="913712" cy="339196"/>
+            </a:xfrm>
+            <a:prstGeom prst="rect">
+              <a:avLst/>
+            </a:prstGeom>
+            <a:noFill/>
+            <a:ln w="9525">
+              <a:solidFill>
+                <a:schemeClr val="tx1"/>
+              </a:solidFill>
+              <a:miter lim="800000"/>
+              <a:headEnd/>
+              <a:tailEnd/>
+            </a:ln>
+          </p:spPr>
+          <p:txBody>
+            <a:bodyPr wrap="none" lIns="92075" tIns="46038" rIns="92075" bIns="46038" anchor="ctr">
+              <a:spAutoFit/>
+            </a:bodyPr>
+            <a:lstStyle/>
+            <a:p>
+              <a:pPr marL="0" marR="0" lvl="0" indent="0" algn="ctr" defTabSz="914400" eaLnBrk="0" fontAlgn="base" latinLnBrk="0" hangingPunct="0">
+                <a:lnSpc>
+                  <a:spcPct val="100000"/>
+                </a:lnSpc>
+                <a:spcBef>
+                  <a:spcPct val="50000"/>
+                </a:spcBef>
+                <a:spcAft>
+                  <a:spcPct val="0"/>
+                </a:spcAft>
+                <a:buClrTx/>
+                <a:buSzTx/>
+                <a:buFontTx/>
+                <a:buNone/>
+                <a:tabLst/>
+                <a:defRPr/>
+              </a:pPr>
+              <a:r>
+                <a:rPr kumimoji="0" lang="en-US" sz="1600" b="0" i="0" u="none" strike="noStrike" kern="0" cap="none" spc="0" normalizeH="0" baseline="0" noProof="0" dirty="0" err="1">
+                  <a:ln>
+                    <a:noFill/>
+                  </a:ln>
+                  <a:effectLst/>
+                  <a:uLnTx/>
+                  <a:uFillTx/>
+                  <a:latin typeface="Arial"/>
+                </a:rPr>
+                <a:t>VarDecl</a:t>
+              </a:r>
+              <a:endParaRPr kumimoji="0" lang="en-US" sz="1600" b="0" i="0" u="none" strike="noStrike" kern="0" cap="none" spc="0" normalizeH="0" baseline="0" noProof="0" dirty="0">
+                <a:ln>
+                  <a:noFill/>
+                </a:ln>
+                <a:effectLst/>
+                <a:uLnTx/>
+                <a:uFillTx/>
+                <a:latin typeface="Arial"/>
+              </a:endParaRPr>
+            </a:p>
+          </p:txBody>
+        </p:sp>
+        <p:cxnSp>
+          <p:nvCxnSpPr>
+            <p:cNvPr id="15" name="AutoShape 22">
+              <a:extLst>
+                <a:ext uri="{FF2B5EF4-FFF2-40B4-BE49-F238E27FC236}">
+                  <a16:creationId xmlns:a16="http://schemas.microsoft.com/office/drawing/2014/main" id="{79F10B0D-A5FF-A8D7-21E8-EF940A723F99}"/>
+                </a:ext>
+              </a:extLst>
+            </p:cNvPr>
+            <p:cNvCxnSpPr>
+              <a:cxnSpLocks noChangeShapeType="1"/>
+              <a:stCxn id="22" idx="0"/>
+              <a:endCxn id="25" idx="3"/>
+            </p:cNvCxnSpPr>
+            <p:nvPr/>
+          </p:nvCxnSpPr>
+          <p:spPr bwMode="auto">
+            <a:xfrm rot="5400000" flipH="1" flipV="1">
+              <a:off x="4814190" y="2001097"/>
+              <a:ext cx="472678" cy="1287578"/>
+            </a:xfrm>
+            <a:prstGeom prst="bentConnector3">
+              <a:avLst>
+                <a:gd name="adj1" fmla="val 50000"/>
+              </a:avLst>
+            </a:prstGeom>
+            <a:noFill/>
+            <a:ln w="9525">
+              <a:solidFill>
+                <a:schemeClr val="tx1"/>
+              </a:solidFill>
+              <a:miter lim="800000"/>
+              <a:headEnd/>
+              <a:tailEnd type="none" w="lg" len="lg"/>
+            </a:ln>
+          </p:spPr>
+        </p:cxnSp>
+        <p:sp>
+          <p:nvSpPr>
+            <p:cNvPr id="16" name="Text Box 9">
+              <a:extLst>
+                <a:ext uri="{FF2B5EF4-FFF2-40B4-BE49-F238E27FC236}">
+                  <a16:creationId xmlns:a16="http://schemas.microsoft.com/office/drawing/2014/main" id="{BB1A376D-D310-6371-ECB2-9469689F2ADF}"/>
+                </a:ext>
+              </a:extLst>
+            </p:cNvPr>
+            <p:cNvSpPr txBox="1">
+              <a:spLocks noChangeArrowheads="1"/>
+            </p:cNvSpPr>
+            <p:nvPr/>
+          </p:nvSpPr>
+          <p:spPr bwMode="auto">
+            <a:xfrm>
+              <a:off x="8229825" y="2881225"/>
+              <a:ext cx="1723229" cy="339196"/>
+            </a:xfrm>
+            <a:prstGeom prst="rect">
+              <a:avLst/>
+            </a:prstGeom>
+            <a:noFill/>
+            <a:ln w="9525">
+              <a:solidFill>
+                <a:schemeClr val="tx1"/>
+              </a:solidFill>
+              <a:miter lim="800000"/>
+              <a:headEnd/>
+              <a:tailEnd/>
+            </a:ln>
+          </p:spPr>
+          <p:txBody>
+            <a:bodyPr wrap="none" lIns="92075" tIns="46038" rIns="92075" bIns="46038" anchor="ctr">
+              <a:spAutoFit/>
+            </a:bodyPr>
+            <a:lstStyle/>
+            <a:p>
+              <a:pPr marL="0" marR="0" lvl="0" indent="0" algn="ctr" defTabSz="914400" eaLnBrk="0" fontAlgn="base" latinLnBrk="0" hangingPunct="0">
+                <a:lnSpc>
+                  <a:spcPct val="100000"/>
+                </a:lnSpc>
+                <a:spcBef>
+                  <a:spcPct val="50000"/>
+                </a:spcBef>
+                <a:spcAft>
+                  <a:spcPct val="0"/>
+                </a:spcAft>
+                <a:buClrTx/>
+                <a:buSzTx/>
+                <a:buFontTx/>
+                <a:buNone/>
+                <a:tabLst/>
+                <a:defRPr/>
+              </a:pPr>
+              <a:r>
+                <a:rPr kumimoji="0" lang="en-US" sz="1600" b="0" i="1" u="none" strike="noStrike" kern="0" cap="none" spc="0" normalizeH="0" baseline="0" noProof="0" dirty="0" err="1">
+                  <a:ln>
+                    <a:noFill/>
+                  </a:ln>
+                  <a:effectLst/>
+                  <a:uLnTx/>
+                  <a:uFillTx/>
+                  <a:latin typeface="Arial"/>
+                </a:rPr>
+                <a:t>SubprogramDecl</a:t>
+              </a:r>
+              <a:endParaRPr kumimoji="0" lang="en-US" sz="1600" b="0" i="1" u="none" strike="noStrike" kern="0" cap="none" spc="0" normalizeH="0" baseline="0" noProof="0" dirty="0">
+                <a:ln>
+                  <a:noFill/>
+                </a:ln>
+                <a:effectLst/>
+                <a:uLnTx/>
+                <a:uFillTx/>
+                <a:latin typeface="Arial"/>
+              </a:endParaRPr>
+            </a:p>
+          </p:txBody>
+        </p:sp>
+        <p:cxnSp>
+          <p:nvCxnSpPr>
+            <p:cNvPr id="17" name="Elbow Connector 31">
+              <a:extLst>
+                <a:ext uri="{FF2B5EF4-FFF2-40B4-BE49-F238E27FC236}">
+                  <a16:creationId xmlns:a16="http://schemas.microsoft.com/office/drawing/2014/main" id="{E5623608-F127-1787-8CD2-64CA19A8B3EC}"/>
+                </a:ext>
+              </a:extLst>
+            </p:cNvPr>
+            <p:cNvCxnSpPr>
+              <a:stCxn id="16" idx="0"/>
+              <a:endCxn id="25" idx="3"/>
+            </p:cNvCxnSpPr>
+            <p:nvPr/>
+          </p:nvCxnSpPr>
+          <p:spPr bwMode="auto">
+            <a:xfrm rot="16200000" flipV="1">
+              <a:off x="7156540" y="946325"/>
+              <a:ext cx="472678" cy="3397122"/>
+            </a:xfrm>
+            <a:prstGeom prst="bentConnector3">
+              <a:avLst>
+                <a:gd name="adj1" fmla="val 50000"/>
+              </a:avLst>
+            </a:prstGeom>
+            <a:noFill/>
+            <a:ln w="9525">
+              <a:solidFill>
+                <a:schemeClr val="tx1"/>
+              </a:solidFill>
+              <a:miter lim="800000"/>
+              <a:headEnd/>
+              <a:tailEnd type="none" w="lg" len="lg"/>
+            </a:ln>
+          </p:spPr>
+        </p:cxnSp>
+        <p:sp>
+          <p:nvSpPr>
+            <p:cNvPr id="18" name="Text Box 9">
+              <a:extLst>
+                <a:ext uri="{FF2B5EF4-FFF2-40B4-BE49-F238E27FC236}">
+                  <a16:creationId xmlns:a16="http://schemas.microsoft.com/office/drawing/2014/main" id="{A4E4BC3F-8387-AB19-06B0-B0408ACD9C97}"/>
+                </a:ext>
+              </a:extLst>
+            </p:cNvPr>
+            <p:cNvSpPr txBox="1">
+              <a:spLocks noChangeArrowheads="1"/>
+            </p:cNvSpPr>
+            <p:nvPr/>
+          </p:nvSpPr>
+          <p:spPr bwMode="auto">
+            <a:xfrm>
+              <a:off x="7644906" y="3866184"/>
+              <a:ext cx="1380186" cy="339196"/>
+            </a:xfrm>
+            <a:prstGeom prst="rect">
+              <a:avLst/>
+            </a:prstGeom>
+            <a:noFill/>
+            <a:ln w="9525">
+              <a:solidFill>
+                <a:schemeClr val="tx1"/>
+              </a:solidFill>
+              <a:miter lim="800000"/>
+              <a:headEnd/>
+              <a:tailEnd/>
+            </a:ln>
+          </p:spPr>
+          <p:txBody>
+            <a:bodyPr wrap="none" lIns="92075" tIns="46038" rIns="92075" bIns="46038" anchor="ctr">
+              <a:spAutoFit/>
+            </a:bodyPr>
+            <a:lstStyle/>
+            <a:p>
+              <a:pPr marL="0" marR="0" lvl="0" indent="0" algn="ctr" defTabSz="914400" eaLnBrk="0" fontAlgn="base" latinLnBrk="0" hangingPunct="0">
+                <a:lnSpc>
+                  <a:spcPct val="100000"/>
+                </a:lnSpc>
+                <a:spcBef>
+                  <a:spcPct val="50000"/>
+                </a:spcBef>
+                <a:spcAft>
+                  <a:spcPct val="0"/>
+                </a:spcAft>
+                <a:buClrTx/>
+                <a:buSzTx/>
+                <a:buFontTx/>
+                <a:buNone/>
+                <a:tabLst/>
+                <a:defRPr/>
+              </a:pPr>
+              <a:r>
+                <a:rPr kumimoji="0" lang="en-US" sz="1600" b="0" i="0" u="none" strike="noStrike" kern="0" cap="none" spc="0" normalizeH="0" baseline="0" noProof="0" dirty="0" err="1">
+                  <a:ln>
+                    <a:noFill/>
+                  </a:ln>
+                  <a:effectLst/>
+                  <a:uLnTx/>
+                  <a:uFillTx/>
+                  <a:latin typeface="Arial"/>
+                </a:rPr>
+                <a:t>FunctionDecl</a:t>
+              </a:r>
+              <a:endParaRPr kumimoji="0" lang="en-US" sz="1600" b="0" i="0" u="none" strike="noStrike" kern="0" cap="none" spc="0" normalizeH="0" baseline="0" noProof="0" dirty="0">
+                <a:ln>
+                  <a:noFill/>
+                </a:ln>
+                <a:effectLst/>
+                <a:uLnTx/>
+                <a:uFillTx/>
+                <a:latin typeface="Arial"/>
+              </a:endParaRPr>
+            </a:p>
+          </p:txBody>
+        </p:sp>
+        <p:sp>
+          <p:nvSpPr>
+            <p:cNvPr id="19" name="Text Box 9">
+              <a:extLst>
+                <a:ext uri="{FF2B5EF4-FFF2-40B4-BE49-F238E27FC236}">
+                  <a16:creationId xmlns:a16="http://schemas.microsoft.com/office/drawing/2014/main" id="{54866C32-40A9-4A64-5C52-38C0C7FA692D}"/>
+                </a:ext>
+              </a:extLst>
+            </p:cNvPr>
+            <p:cNvSpPr txBox="1">
+              <a:spLocks noChangeArrowheads="1"/>
+            </p:cNvSpPr>
+            <p:nvPr/>
+          </p:nvSpPr>
+          <p:spPr bwMode="auto">
+            <a:xfrm>
+              <a:off x="9123547" y="3866184"/>
+              <a:ext cx="1540486" cy="339196"/>
+            </a:xfrm>
+            <a:prstGeom prst="rect">
+              <a:avLst/>
+            </a:prstGeom>
+            <a:noFill/>
+            <a:ln w="9525">
+              <a:solidFill>
+                <a:schemeClr val="tx1"/>
+              </a:solidFill>
+              <a:miter lim="800000"/>
+              <a:headEnd/>
+              <a:tailEnd/>
+            </a:ln>
+          </p:spPr>
+          <p:txBody>
+            <a:bodyPr wrap="none" lIns="92075" tIns="46038" rIns="92075" bIns="46038" anchor="ctr">
+              <a:spAutoFit/>
+            </a:bodyPr>
+            <a:lstStyle/>
+            <a:p>
+              <a:pPr marL="0" marR="0" lvl="0" indent="0" algn="ctr" defTabSz="914400" eaLnBrk="0" fontAlgn="base" latinLnBrk="0" hangingPunct="0">
+                <a:lnSpc>
+                  <a:spcPct val="100000"/>
+                </a:lnSpc>
+                <a:spcBef>
+                  <a:spcPct val="50000"/>
+                </a:spcBef>
+                <a:spcAft>
+                  <a:spcPct val="0"/>
+                </a:spcAft>
+                <a:buClrTx/>
+                <a:buSzTx/>
+                <a:buFontTx/>
+                <a:buNone/>
+                <a:tabLst/>
+                <a:defRPr/>
+              </a:pPr>
+              <a:r>
+                <a:rPr kumimoji="0" lang="en-US" sz="1600" b="0" i="0" u="none" strike="noStrike" kern="0" cap="none" spc="0" normalizeH="0" baseline="0" noProof="0" dirty="0" err="1">
+                  <a:ln>
+                    <a:noFill/>
+                  </a:ln>
+                  <a:effectLst/>
+                  <a:uLnTx/>
+                  <a:uFillTx/>
+                  <a:latin typeface="Arial"/>
+                </a:rPr>
+                <a:t>ProcedureDecl</a:t>
+              </a:r>
+              <a:endParaRPr kumimoji="0" lang="en-US" sz="1600" b="0" i="0" u="none" strike="noStrike" kern="0" cap="none" spc="0" normalizeH="0" baseline="0" noProof="0" dirty="0">
+                <a:ln>
+                  <a:noFill/>
+                </a:ln>
+                <a:effectLst/>
+                <a:uLnTx/>
+                <a:uFillTx/>
+                <a:latin typeface="Arial"/>
+              </a:endParaRPr>
+            </a:p>
+          </p:txBody>
+        </p:sp>
+        <p:cxnSp>
+          <p:nvCxnSpPr>
+            <p:cNvPr id="20" name="Elbow Connector 35">
+              <a:extLst>
+                <a:ext uri="{FF2B5EF4-FFF2-40B4-BE49-F238E27FC236}">
+                  <a16:creationId xmlns:a16="http://schemas.microsoft.com/office/drawing/2014/main" id="{29D0C17A-4CEA-D776-F4A1-5FB8A154101B}"/>
+                </a:ext>
+              </a:extLst>
+            </p:cNvPr>
+            <p:cNvCxnSpPr>
+              <a:stCxn id="18" idx="0"/>
+              <a:endCxn id="26" idx="3"/>
+            </p:cNvCxnSpPr>
+            <p:nvPr/>
+          </p:nvCxnSpPr>
+          <p:spPr bwMode="auto">
+            <a:xfrm rot="5400000" flipH="1" flipV="1">
+              <a:off x="8477715" y="3252460"/>
+              <a:ext cx="471008" cy="756440"/>
+            </a:xfrm>
+            <a:prstGeom prst="bentConnector3">
+              <a:avLst>
+                <a:gd name="adj1" fmla="val 50000"/>
+              </a:avLst>
+            </a:prstGeom>
+            <a:noFill/>
+            <a:ln w="9525">
+              <a:solidFill>
+                <a:schemeClr val="tx1"/>
+              </a:solidFill>
+              <a:miter lim="800000"/>
+              <a:headEnd/>
+              <a:tailEnd type="none" w="lg" len="lg"/>
+            </a:ln>
+          </p:spPr>
+        </p:cxnSp>
+        <p:cxnSp>
+          <p:nvCxnSpPr>
+            <p:cNvPr id="21" name="Elbow Connector 37">
+              <a:extLst>
+                <a:ext uri="{FF2B5EF4-FFF2-40B4-BE49-F238E27FC236}">
+                  <a16:creationId xmlns:a16="http://schemas.microsoft.com/office/drawing/2014/main" id="{DCF25C29-7B59-329E-11F5-86EBBC8A4E27}"/>
+                </a:ext>
+              </a:extLst>
+            </p:cNvPr>
+            <p:cNvCxnSpPr>
+              <a:stCxn id="19" idx="0"/>
+              <a:endCxn id="26" idx="3"/>
+            </p:cNvCxnSpPr>
+            <p:nvPr/>
+          </p:nvCxnSpPr>
+          <p:spPr bwMode="auto">
+            <a:xfrm rot="16200000" flipV="1">
+              <a:off x="9257111" y="3229504"/>
+              <a:ext cx="471008" cy="802351"/>
+            </a:xfrm>
+            <a:prstGeom prst="bentConnector3">
+              <a:avLst>
+                <a:gd name="adj1" fmla="val 50000"/>
+              </a:avLst>
+            </a:prstGeom>
+            <a:noFill/>
+            <a:ln w="9525">
+              <a:solidFill>
+                <a:schemeClr val="tx1"/>
+              </a:solidFill>
+              <a:miter lim="800000"/>
+              <a:headEnd/>
+              <a:tailEnd type="none" w="lg" len="lg"/>
+            </a:ln>
+          </p:spPr>
+        </p:cxnSp>
+        <p:sp>
+          <p:nvSpPr>
+            <p:cNvPr id="22" name="Text Box 9">
+              <a:extLst>
+                <a:ext uri="{FF2B5EF4-FFF2-40B4-BE49-F238E27FC236}">
+                  <a16:creationId xmlns:a16="http://schemas.microsoft.com/office/drawing/2014/main" id="{0899C122-1EB4-A244-8602-C4C7803DFE94}"/>
+                </a:ext>
+              </a:extLst>
+            </p:cNvPr>
+            <p:cNvSpPr txBox="1">
+              <a:spLocks noChangeArrowheads="1"/>
+            </p:cNvSpPr>
+            <p:nvPr/>
+          </p:nvSpPr>
+          <p:spPr bwMode="auto">
+            <a:xfrm>
+              <a:off x="3870535" y="2881225"/>
+              <a:ext cx="1072409" cy="339196"/>
+            </a:xfrm>
+            <a:prstGeom prst="rect">
+              <a:avLst/>
+            </a:prstGeom>
+            <a:noFill/>
+            <a:ln w="9525">
+              <a:solidFill>
+                <a:schemeClr val="tx1"/>
+              </a:solidFill>
+              <a:miter lim="800000"/>
+              <a:headEnd/>
+              <a:tailEnd/>
+            </a:ln>
+          </p:spPr>
+          <p:txBody>
+            <a:bodyPr wrap="none" lIns="92075" tIns="46038" rIns="92075" bIns="46038" anchor="ctr">
+              <a:spAutoFit/>
+            </a:bodyPr>
+            <a:lstStyle/>
+            <a:p>
+              <a:pPr marL="0" marR="0" lvl="0" indent="0" algn="ctr" defTabSz="914400" eaLnBrk="0" fontAlgn="base" latinLnBrk="0" hangingPunct="0">
+                <a:lnSpc>
+                  <a:spcPct val="100000"/>
+                </a:lnSpc>
+                <a:spcBef>
+                  <a:spcPct val="50000"/>
+                </a:spcBef>
+                <a:spcAft>
+                  <a:spcPct val="0"/>
+                </a:spcAft>
+                <a:buClrTx/>
+                <a:buSzTx/>
+                <a:buFontTx/>
+                <a:buNone/>
+                <a:tabLst/>
+                <a:defRPr/>
+              </a:pPr>
+              <a:r>
+                <a:rPr kumimoji="0" lang="en-US" sz="1600" b="0" i="1" u="none" strike="noStrike" kern="0" cap="none" spc="0" normalizeH="0" baseline="0" noProof="0" dirty="0" err="1">
+                  <a:ln>
+                    <a:noFill/>
+                  </a:ln>
+                  <a:effectLst/>
+                  <a:uLnTx/>
+                  <a:uFillTx/>
+                  <a:latin typeface="Arial"/>
+                </a:rPr>
+                <a:t>InitialDecl</a:t>
+              </a:r>
+              <a:endParaRPr kumimoji="0" lang="en-US" sz="1600" b="0" i="1" u="none" strike="noStrike" kern="0" cap="none" spc="0" normalizeH="0" baseline="0" noProof="0" dirty="0">
+                <a:ln>
+                  <a:noFill/>
+                </a:ln>
+                <a:effectLst/>
+                <a:uLnTx/>
+                <a:uFillTx/>
+                <a:latin typeface="Arial"/>
+              </a:endParaRPr>
+            </a:p>
+          </p:txBody>
+        </p:sp>
+        <p:cxnSp>
+          <p:nvCxnSpPr>
+            <p:cNvPr id="23" name="Elbow Connector 42">
+              <a:extLst>
+                <a:ext uri="{FF2B5EF4-FFF2-40B4-BE49-F238E27FC236}">
+                  <a16:creationId xmlns:a16="http://schemas.microsoft.com/office/drawing/2014/main" id="{6C595EA7-65CF-C542-25C3-8538892D797D}"/>
+                </a:ext>
+              </a:extLst>
+            </p:cNvPr>
+            <p:cNvCxnSpPr>
+              <a:stCxn id="13" idx="0"/>
+              <a:endCxn id="27" idx="3"/>
+            </p:cNvCxnSpPr>
+            <p:nvPr/>
+          </p:nvCxnSpPr>
+          <p:spPr bwMode="auto">
+            <a:xfrm rot="5400000" flipH="1" flipV="1">
+              <a:off x="3011846" y="2471291"/>
+              <a:ext cx="476074" cy="2313712"/>
+            </a:xfrm>
+            <a:prstGeom prst="bentConnector3">
+              <a:avLst>
+                <a:gd name="adj1" fmla="val 50000"/>
+              </a:avLst>
+            </a:prstGeom>
+            <a:noFill/>
+            <a:ln w="9525">
+              <a:solidFill>
+                <a:schemeClr val="tx1"/>
+              </a:solidFill>
+              <a:miter lim="800000"/>
+              <a:headEnd/>
+              <a:tailEnd type="none" w="lg" len="lg"/>
+            </a:ln>
+          </p:spPr>
+        </p:cxnSp>
+        <p:cxnSp>
+          <p:nvCxnSpPr>
+            <p:cNvPr id="24" name="Elbow Connector 44">
+              <a:extLst>
+                <a:ext uri="{FF2B5EF4-FFF2-40B4-BE49-F238E27FC236}">
+                  <a16:creationId xmlns:a16="http://schemas.microsoft.com/office/drawing/2014/main" id="{7FA2B59B-0ECB-80AC-FC54-3398F9810FA0}"/>
+                </a:ext>
+              </a:extLst>
+            </p:cNvPr>
+            <p:cNvCxnSpPr>
+              <a:stCxn id="14" idx="0"/>
+              <a:endCxn id="27" idx="3"/>
+            </p:cNvCxnSpPr>
+            <p:nvPr/>
+          </p:nvCxnSpPr>
+          <p:spPr bwMode="auto">
+            <a:xfrm rot="16200000" flipV="1">
+              <a:off x="5436698" y="2360151"/>
+              <a:ext cx="476074" cy="2535991"/>
+            </a:xfrm>
+            <a:prstGeom prst="bentConnector3">
+              <a:avLst>
+                <a:gd name="adj1" fmla="val 50000"/>
+              </a:avLst>
+            </a:prstGeom>
+            <a:noFill/>
+            <a:ln w="9525">
+              <a:solidFill>
+                <a:schemeClr val="tx1"/>
+              </a:solidFill>
+              <a:miter lim="800000"/>
+              <a:headEnd/>
+              <a:tailEnd type="none" w="lg" len="lg"/>
+            </a:ln>
+          </p:spPr>
+        </p:cxnSp>
+        <p:sp>
+          <p:nvSpPr>
+            <p:cNvPr id="25" name="Isosceles Triangle 24">
+              <a:extLst>
+                <a:ext uri="{FF2B5EF4-FFF2-40B4-BE49-F238E27FC236}">
+                  <a16:creationId xmlns:a16="http://schemas.microsoft.com/office/drawing/2014/main" id="{54F51A05-4DF7-DCC3-2667-FF0475436345}"/>
+                </a:ext>
+              </a:extLst>
+            </p:cNvPr>
+            <p:cNvSpPr/>
+            <p:nvPr/>
+          </p:nvSpPr>
+          <p:spPr bwMode="auto">
+            <a:xfrm>
+              <a:off x="5612022" y="2243955"/>
+              <a:ext cx="164592" cy="164592"/>
+            </a:xfrm>
+            <a:prstGeom prst="triangle">
+              <a:avLst/>
+            </a:prstGeom>
+            <a:noFill/>
+            <a:ln w="9525" cap="flat" cmpd="sng" algn="ctr">
+              <a:solidFill>
+                <a:schemeClr val="tx1"/>
+              </a:solidFill>
+              <a:prstDash val="solid"/>
+              <a:round/>
+              <a:headEnd type="none" w="med" len="med"/>
+              <a:tailEnd type="none" w="med" len="med"/>
+            </a:ln>
+            <a:effectLst/>
+          </p:spPr>
+          <p:txBody>
+            <a:bodyPr vert="horz" wrap="none" lIns="92075" tIns="46038" rIns="92075" bIns="46038" numCol="1" rtlCol="0" anchor="ctr" anchorCtr="0" compatLnSpc="1">
+              <a:prstTxWarp prst="textNoShape">
+                <a:avLst/>
+              </a:prstTxWarp>
+            </a:bodyPr>
+            <a:lstStyle/>
+            <a:p>
+              <a:pPr marL="0" marR="0" lvl="0" indent="0" algn="ctr" defTabSz="914400" eaLnBrk="0" fontAlgn="base" latinLnBrk="0" hangingPunct="0">
+                <a:lnSpc>
+                  <a:spcPct val="100000"/>
+                </a:lnSpc>
+                <a:spcBef>
+                  <a:spcPct val="0"/>
+                </a:spcBef>
+                <a:spcAft>
+                  <a:spcPct val="0"/>
+                </a:spcAft>
+                <a:buClrTx/>
+                <a:buSzTx/>
+                <a:buFontTx/>
+                <a:buNone/>
+                <a:tabLst/>
+                <a:defRPr/>
+              </a:pPr>
+              <a:endParaRPr kumimoji="0" lang="en-US" sz="2400" b="0" i="0" u="none" strike="noStrike" kern="0" cap="none" spc="0" normalizeH="0" baseline="0" noProof="0">
+                <a:ln>
+                  <a:noFill/>
+                </a:ln>
+                <a:effectLst/>
+                <a:uLnTx/>
+                <a:uFillTx/>
+                <a:latin typeface="Arial" charset="0"/>
+              </a:endParaRPr>
+            </a:p>
+          </p:txBody>
+        </p:sp>
+        <p:sp>
+          <p:nvSpPr>
+            <p:cNvPr id="26" name="Isosceles Triangle 25">
+              <a:extLst>
+                <a:ext uri="{FF2B5EF4-FFF2-40B4-BE49-F238E27FC236}">
+                  <a16:creationId xmlns:a16="http://schemas.microsoft.com/office/drawing/2014/main" id="{B673396B-06BA-6793-78E9-295EA641A299}"/>
+                </a:ext>
+              </a:extLst>
+            </p:cNvPr>
+            <p:cNvSpPr/>
+            <p:nvPr/>
+          </p:nvSpPr>
+          <p:spPr bwMode="auto">
+            <a:xfrm>
+              <a:off x="9009143" y="3230584"/>
+              <a:ext cx="164592" cy="164592"/>
+            </a:xfrm>
+            <a:prstGeom prst="triangle">
+              <a:avLst/>
+            </a:prstGeom>
+            <a:noFill/>
+            <a:ln w="9525" cap="flat" cmpd="sng" algn="ctr">
+              <a:solidFill>
+                <a:schemeClr val="tx1"/>
+              </a:solidFill>
+              <a:prstDash val="solid"/>
+              <a:round/>
+              <a:headEnd type="none" w="med" len="med"/>
+              <a:tailEnd type="none" w="med" len="med"/>
+            </a:ln>
+            <a:effectLst/>
+          </p:spPr>
+          <p:txBody>
+            <a:bodyPr vert="horz" wrap="none" lIns="92075" tIns="46038" rIns="92075" bIns="46038" numCol="1" rtlCol="0" anchor="ctr" anchorCtr="0" compatLnSpc="1">
+              <a:prstTxWarp prst="textNoShape">
+                <a:avLst/>
+              </a:prstTxWarp>
+            </a:bodyPr>
+            <a:lstStyle/>
+            <a:p>
+              <a:pPr marL="0" marR="0" lvl="0" indent="0" algn="ctr" defTabSz="914400" eaLnBrk="0" fontAlgn="base" latinLnBrk="0" hangingPunct="0">
+                <a:lnSpc>
+                  <a:spcPct val="100000"/>
+                </a:lnSpc>
+                <a:spcBef>
+                  <a:spcPct val="0"/>
+                </a:spcBef>
+                <a:spcAft>
+                  <a:spcPct val="0"/>
+                </a:spcAft>
+                <a:buClrTx/>
+                <a:buSzTx/>
+                <a:buFontTx/>
+                <a:buNone/>
+                <a:tabLst/>
+                <a:defRPr/>
+              </a:pPr>
+              <a:endParaRPr kumimoji="0" lang="en-US" sz="2400" b="0" i="0" u="none" strike="noStrike" kern="0" cap="none" spc="0" normalizeH="0" baseline="0" noProof="0">
+                <a:ln>
+                  <a:noFill/>
+                </a:ln>
+                <a:effectLst/>
+                <a:uLnTx/>
+                <a:uFillTx/>
+                <a:latin typeface="Arial" charset="0"/>
+              </a:endParaRPr>
+            </a:p>
+          </p:txBody>
+        </p:sp>
+        <p:sp>
+          <p:nvSpPr>
+            <p:cNvPr id="27" name="Isosceles Triangle 26">
+              <a:extLst>
+                <a:ext uri="{FF2B5EF4-FFF2-40B4-BE49-F238E27FC236}">
+                  <a16:creationId xmlns:a16="http://schemas.microsoft.com/office/drawing/2014/main" id="{B3A64715-2D1E-BD73-821D-9B88056E0DE3}"/>
+                </a:ext>
+              </a:extLst>
+            </p:cNvPr>
+            <p:cNvSpPr/>
+            <p:nvPr/>
+          </p:nvSpPr>
+          <p:spPr bwMode="auto">
+            <a:xfrm>
+              <a:off x="4324443" y="3225518"/>
+              <a:ext cx="164592" cy="164592"/>
+            </a:xfrm>
+            <a:prstGeom prst="triangle">
+              <a:avLst/>
+            </a:prstGeom>
+            <a:noFill/>
+            <a:ln w="9525" cap="flat" cmpd="sng" algn="ctr">
+              <a:solidFill>
+                <a:schemeClr val="tx1"/>
+              </a:solidFill>
+              <a:prstDash val="solid"/>
+              <a:round/>
+              <a:headEnd type="none" w="med" len="med"/>
+              <a:tailEnd type="none" w="med" len="med"/>
+            </a:ln>
+            <a:effectLst/>
+          </p:spPr>
+          <p:txBody>
+            <a:bodyPr vert="horz" wrap="none" lIns="92075" tIns="46038" rIns="92075" bIns="46038" numCol="1" rtlCol="0" anchor="ctr" anchorCtr="0" compatLnSpc="1">
+              <a:prstTxWarp prst="textNoShape">
+                <a:avLst/>
+              </a:prstTxWarp>
+            </a:bodyPr>
+            <a:lstStyle/>
+            <a:p>
+              <a:pPr marL="0" marR="0" lvl="0" indent="0" algn="ctr" defTabSz="914400" eaLnBrk="0" fontAlgn="base" latinLnBrk="0" hangingPunct="0">
+                <a:lnSpc>
+                  <a:spcPct val="100000"/>
+                </a:lnSpc>
+                <a:spcBef>
+                  <a:spcPct val="0"/>
+                </a:spcBef>
+                <a:spcAft>
+                  <a:spcPct val="0"/>
+                </a:spcAft>
+                <a:buClrTx/>
+                <a:buSzTx/>
+                <a:buFontTx/>
+                <a:buNone/>
+                <a:tabLst/>
+                <a:defRPr/>
+              </a:pPr>
+              <a:endParaRPr kumimoji="0" lang="en-US" sz="2400" b="0" i="0" u="none" strike="noStrike" kern="0" cap="none" spc="0" normalizeH="0" baseline="0" noProof="0">
+                <a:ln>
+                  <a:noFill/>
+                </a:ln>
+                <a:effectLst/>
+                <a:uLnTx/>
+                <a:uFillTx/>
+                <a:latin typeface="Arial" charset="0"/>
+              </a:endParaRPr>
+            </a:p>
+          </p:txBody>
+        </p:sp>
+        <p:sp>
+          <p:nvSpPr>
+            <p:cNvPr id="28" name="Text Box 9">
+              <a:extLst>
+                <a:ext uri="{FF2B5EF4-FFF2-40B4-BE49-F238E27FC236}">
+                  <a16:creationId xmlns:a16="http://schemas.microsoft.com/office/drawing/2014/main" id="{4C73CD7A-6A33-D0EB-47FE-BC89446AB5AE}"/>
+                </a:ext>
+              </a:extLst>
+            </p:cNvPr>
+            <p:cNvSpPr txBox="1">
+              <a:spLocks noChangeArrowheads="1"/>
+            </p:cNvSpPr>
+            <p:nvPr/>
+          </p:nvSpPr>
+          <p:spPr bwMode="auto">
+            <a:xfrm>
+              <a:off x="1966607" y="2881225"/>
+              <a:ext cx="1037143" cy="339196"/>
+            </a:xfrm>
+            <a:prstGeom prst="rect">
+              <a:avLst/>
+            </a:prstGeom>
+            <a:noFill/>
+            <a:ln w="9525">
+              <a:solidFill>
+                <a:schemeClr val="tx1"/>
+              </a:solidFill>
+              <a:miter lim="800000"/>
+              <a:headEnd/>
+              <a:tailEnd/>
+            </a:ln>
+          </p:spPr>
+          <p:txBody>
+            <a:bodyPr wrap="none" lIns="92075" tIns="46038" rIns="92075" bIns="46038" anchor="ctr">
+              <a:spAutoFit/>
+            </a:bodyPr>
+            <a:lstStyle/>
+            <a:p>
+              <a:pPr marL="0" marR="0" lvl="0" indent="0" algn="ctr" defTabSz="914400" eaLnBrk="0" fontAlgn="base" latinLnBrk="0" hangingPunct="0">
+                <a:lnSpc>
+                  <a:spcPct val="100000"/>
+                </a:lnSpc>
+                <a:spcBef>
+                  <a:spcPct val="50000"/>
+                </a:spcBef>
+                <a:spcAft>
+                  <a:spcPct val="0"/>
+                </a:spcAft>
+                <a:buClrTx/>
+                <a:buSzTx/>
+                <a:buFontTx/>
+                <a:buNone/>
+                <a:tabLst/>
+                <a:defRPr/>
+              </a:pPr>
+              <a:r>
+                <a:rPr lang="en-US" sz="1600" kern="0" dirty="0">
+                  <a:latin typeface="Arial"/>
+                </a:rPr>
+                <a:t>Field</a:t>
+              </a:r>
+              <a:r>
+                <a:rPr kumimoji="0" lang="en-US" sz="1600" b="0" u="none" strike="noStrike" kern="0" cap="none" spc="0" normalizeH="0" baseline="0" noProof="0" dirty="0" err="1">
+                  <a:ln>
+                    <a:noFill/>
+                  </a:ln>
+                  <a:effectLst/>
+                  <a:uLnTx/>
+                  <a:uFillTx/>
+                  <a:latin typeface="Arial"/>
+                </a:rPr>
+                <a:t>Decl</a:t>
+              </a:r>
+              <a:endParaRPr kumimoji="0" lang="en-US" sz="1600" b="0" u="none" strike="noStrike" kern="0" cap="none" spc="0" normalizeH="0" baseline="0" noProof="0" dirty="0">
+                <a:ln>
+                  <a:noFill/>
+                </a:ln>
+                <a:effectLst/>
+                <a:uLnTx/>
+                <a:uFillTx/>
+                <a:latin typeface="Arial"/>
+              </a:endParaRPr>
+            </a:p>
+          </p:txBody>
+        </p:sp>
+        <p:sp>
+          <p:nvSpPr>
+            <p:cNvPr id="29" name="Text Box 9">
+              <a:extLst>
+                <a:ext uri="{FF2B5EF4-FFF2-40B4-BE49-F238E27FC236}">
+                  <a16:creationId xmlns:a16="http://schemas.microsoft.com/office/drawing/2014/main" id="{98DC8700-AAD8-CA1D-2AAD-B9E30A108E31}"/>
+                </a:ext>
+              </a:extLst>
+            </p:cNvPr>
+            <p:cNvSpPr txBox="1">
+              <a:spLocks noChangeArrowheads="1"/>
+            </p:cNvSpPr>
+            <p:nvPr/>
+          </p:nvSpPr>
+          <p:spPr bwMode="auto">
+            <a:xfrm>
+              <a:off x="5719789" y="2881225"/>
+              <a:ext cx="1553310" cy="339196"/>
+            </a:xfrm>
+            <a:prstGeom prst="rect">
+              <a:avLst/>
+            </a:prstGeom>
+            <a:noFill/>
+            <a:ln w="9525">
+              <a:solidFill>
+                <a:schemeClr val="tx1"/>
+              </a:solidFill>
+              <a:miter lim="800000"/>
+              <a:headEnd/>
+              <a:tailEnd/>
+            </a:ln>
+          </p:spPr>
+          <p:txBody>
+            <a:bodyPr wrap="none" lIns="92075" tIns="46038" rIns="92075" bIns="46038" anchor="ctr">
+              <a:spAutoFit/>
+            </a:bodyPr>
+            <a:lstStyle/>
+            <a:p>
+              <a:pPr marL="0" marR="0" lvl="0" indent="0" algn="ctr" defTabSz="914400" eaLnBrk="0" fontAlgn="base" latinLnBrk="0" hangingPunct="0">
+                <a:lnSpc>
+                  <a:spcPct val="100000"/>
+                </a:lnSpc>
+                <a:spcBef>
+                  <a:spcPct val="50000"/>
+                </a:spcBef>
+                <a:spcAft>
+                  <a:spcPct val="0"/>
+                </a:spcAft>
+                <a:buClrTx/>
+                <a:buSzTx/>
+                <a:buFontTx/>
+                <a:buNone/>
+                <a:tabLst/>
+                <a:defRPr/>
+              </a:pPr>
+              <a:r>
+                <a:rPr kumimoji="0" lang="en-US" sz="1600" b="0" u="none" strike="noStrike" kern="0" cap="none" spc="0" normalizeH="0" baseline="0" noProof="0" dirty="0" err="1">
+                  <a:ln>
+                    <a:noFill/>
+                  </a:ln>
+                  <a:effectLst/>
+                  <a:uLnTx/>
+                  <a:uFillTx/>
+                  <a:latin typeface="Arial"/>
+                </a:rPr>
+                <a:t>Paramet</a:t>
+              </a:r>
+              <a:r>
+                <a:rPr lang="en-US" sz="1600" kern="0" dirty="0">
+                  <a:latin typeface="Arial"/>
+                </a:rPr>
+                <a:t>er</a:t>
+              </a:r>
+              <a:r>
+                <a:rPr kumimoji="0" lang="en-US" sz="1600" b="0" u="none" strike="noStrike" kern="0" cap="none" spc="0" normalizeH="0" baseline="0" noProof="0" dirty="0" err="1">
+                  <a:ln>
+                    <a:noFill/>
+                  </a:ln>
+                  <a:effectLst/>
+                  <a:uLnTx/>
+                  <a:uFillTx/>
+                  <a:latin typeface="Arial"/>
+                </a:rPr>
+                <a:t>Decl</a:t>
+              </a:r>
+              <a:endParaRPr kumimoji="0" lang="en-US" sz="1600" b="0" u="none" strike="noStrike" kern="0" cap="none" spc="0" normalizeH="0" baseline="0" noProof="0" dirty="0">
+                <a:ln>
+                  <a:noFill/>
+                </a:ln>
+                <a:effectLst/>
+                <a:uLnTx/>
+                <a:uFillTx/>
+                <a:latin typeface="Arial"/>
+              </a:endParaRPr>
+            </a:p>
+          </p:txBody>
+        </p:sp>
+        <p:sp>
+          <p:nvSpPr>
+            <p:cNvPr id="30" name="Text Box 10">
+              <a:extLst>
+                <a:ext uri="{FF2B5EF4-FFF2-40B4-BE49-F238E27FC236}">
+                  <a16:creationId xmlns:a16="http://schemas.microsoft.com/office/drawing/2014/main" id="{51AA75BE-7869-3D40-62A2-239027E2E1C4}"/>
+                </a:ext>
+              </a:extLst>
+            </p:cNvPr>
+            <p:cNvSpPr txBox="1">
+              <a:spLocks noChangeArrowheads="1"/>
+            </p:cNvSpPr>
+            <p:nvPr/>
+          </p:nvSpPr>
+          <p:spPr bwMode="auto">
+            <a:xfrm>
+              <a:off x="1988974" y="4611937"/>
+              <a:ext cx="1540486" cy="339196"/>
+            </a:xfrm>
+            <a:prstGeom prst="rect">
+              <a:avLst/>
+            </a:prstGeom>
+            <a:noFill/>
+            <a:ln w="9525">
+              <a:solidFill>
+                <a:schemeClr val="tx1"/>
+              </a:solidFill>
+              <a:miter lim="800000"/>
+              <a:headEnd/>
+              <a:tailEnd/>
+            </a:ln>
+          </p:spPr>
+          <p:txBody>
+            <a:bodyPr wrap="none" lIns="92075" tIns="46038" rIns="92075" bIns="46038" anchor="ctr">
+              <a:spAutoFit/>
+            </a:bodyPr>
+            <a:lstStyle/>
+            <a:p>
+              <a:pPr marL="0" marR="0" lvl="0" indent="0" algn="ctr" defTabSz="914400" eaLnBrk="0" fontAlgn="base" latinLnBrk="0" hangingPunct="0">
+                <a:lnSpc>
+                  <a:spcPct val="100000"/>
+                </a:lnSpc>
+                <a:spcBef>
+                  <a:spcPct val="50000"/>
+                </a:spcBef>
+                <a:spcAft>
+                  <a:spcPct val="0"/>
+                </a:spcAft>
+                <a:buClrTx/>
+                <a:buSzTx/>
+                <a:buFontTx/>
+                <a:buNone/>
+                <a:tabLst/>
+                <a:defRPr/>
+              </a:pPr>
+              <a:r>
+                <a:rPr kumimoji="0" lang="en-US" sz="1600" b="0" i="0" u="none" strike="noStrike" kern="0" cap="none" spc="0" normalizeH="0" baseline="0" noProof="0" dirty="0" err="1">
+                  <a:ln>
+                    <a:noFill/>
+                  </a:ln>
+                  <a:effectLst/>
+                  <a:uLnTx/>
+                  <a:uFillTx/>
+                  <a:latin typeface="Arial"/>
+                </a:rPr>
+                <a:t>ArrayTypeDecl</a:t>
+              </a:r>
+              <a:endParaRPr kumimoji="0" lang="en-US" sz="1600" b="0" i="0" u="none" strike="noStrike" kern="0" cap="none" spc="0" normalizeH="0" baseline="0" noProof="0" dirty="0">
+                <a:ln>
+                  <a:noFill/>
+                </a:ln>
+                <a:effectLst/>
+                <a:uLnTx/>
+                <a:uFillTx/>
+                <a:latin typeface="Arial"/>
+              </a:endParaRPr>
+            </a:p>
+          </p:txBody>
+        </p:sp>
+        <p:sp>
+          <p:nvSpPr>
+            <p:cNvPr id="31" name="Text Box 10">
+              <a:extLst>
+                <a:ext uri="{FF2B5EF4-FFF2-40B4-BE49-F238E27FC236}">
+                  <a16:creationId xmlns:a16="http://schemas.microsoft.com/office/drawing/2014/main" id="{E05A73BA-F2DB-58E7-1569-9DED664EDD00}"/>
+                </a:ext>
+              </a:extLst>
+            </p:cNvPr>
+            <p:cNvSpPr txBox="1">
+              <a:spLocks noChangeArrowheads="1"/>
+            </p:cNvSpPr>
+            <p:nvPr/>
+          </p:nvSpPr>
+          <p:spPr bwMode="auto">
+            <a:xfrm>
+              <a:off x="4792629" y="3866184"/>
+              <a:ext cx="1481176" cy="339196"/>
+            </a:xfrm>
+            <a:prstGeom prst="rect">
+              <a:avLst/>
+            </a:prstGeom>
+            <a:noFill/>
+            <a:ln w="9525">
+              <a:solidFill>
+                <a:schemeClr val="tx1"/>
+              </a:solidFill>
+              <a:miter lim="800000"/>
+              <a:headEnd/>
+              <a:tailEnd/>
+            </a:ln>
+          </p:spPr>
+          <p:txBody>
+            <a:bodyPr wrap="none" lIns="92075" tIns="46038" rIns="92075" bIns="46038" anchor="ctr">
+              <a:spAutoFit/>
+            </a:bodyPr>
+            <a:lstStyle/>
+            <a:p>
+              <a:pPr marL="0" marR="0" lvl="0" indent="0" algn="ctr" defTabSz="914400" eaLnBrk="0" fontAlgn="base" latinLnBrk="0" hangingPunct="0">
+                <a:lnSpc>
+                  <a:spcPct val="100000"/>
+                </a:lnSpc>
+                <a:spcBef>
+                  <a:spcPct val="50000"/>
+                </a:spcBef>
+                <a:spcAft>
+                  <a:spcPct val="0"/>
+                </a:spcAft>
+                <a:buClrTx/>
+                <a:buSzTx/>
+                <a:buFontTx/>
+                <a:buNone/>
+                <a:tabLst/>
+                <a:defRPr/>
+              </a:pPr>
+              <a:r>
+                <a:rPr kumimoji="0" lang="en-US" sz="1600" b="0" i="0" u="none" strike="noStrike" kern="0" cap="none" spc="0" normalizeH="0" baseline="0" noProof="0" dirty="0" err="1">
+                  <a:ln>
+                    <a:noFill/>
+                  </a:ln>
+                  <a:effectLst/>
+                  <a:uLnTx/>
+                  <a:uFillTx/>
+                  <a:latin typeface="Arial"/>
+                </a:rPr>
+                <a:t>SingleVarDecl</a:t>
+              </a:r>
+              <a:endParaRPr kumimoji="0" lang="en-US" sz="1600" b="0" i="0" u="none" strike="noStrike" kern="0" cap="none" spc="0" normalizeH="0" baseline="0" noProof="0" dirty="0">
+                <a:ln>
+                  <a:noFill/>
+                </a:ln>
+                <a:effectLst/>
+                <a:uLnTx/>
+                <a:uFillTx/>
+                <a:latin typeface="Arial"/>
+              </a:endParaRPr>
+            </a:p>
+          </p:txBody>
+        </p:sp>
+        <p:sp>
+          <p:nvSpPr>
+            <p:cNvPr id="32" name="Text Box 10">
+              <a:extLst>
+                <a:ext uri="{FF2B5EF4-FFF2-40B4-BE49-F238E27FC236}">
+                  <a16:creationId xmlns:a16="http://schemas.microsoft.com/office/drawing/2014/main" id="{EC76C1E5-A443-E5CD-E3B4-2DA73DBD0CF0}"/>
+                </a:ext>
+              </a:extLst>
+            </p:cNvPr>
+            <p:cNvSpPr txBox="1">
+              <a:spLocks noChangeArrowheads="1"/>
+            </p:cNvSpPr>
+            <p:nvPr/>
+          </p:nvSpPr>
+          <p:spPr bwMode="auto">
+            <a:xfrm>
+              <a:off x="2870155" y="3866184"/>
+              <a:ext cx="1710405" cy="339196"/>
+            </a:xfrm>
+            <a:prstGeom prst="rect">
+              <a:avLst/>
+            </a:prstGeom>
+            <a:noFill/>
+            <a:ln w="9525">
+              <a:solidFill>
+                <a:schemeClr val="tx1"/>
+              </a:solidFill>
+              <a:miter lim="800000"/>
+              <a:headEnd/>
+              <a:tailEnd/>
+            </a:ln>
+          </p:spPr>
+          <p:txBody>
+            <a:bodyPr wrap="none" lIns="92075" tIns="46038" rIns="92075" bIns="46038" anchor="ctr">
+              <a:spAutoFit/>
+            </a:bodyPr>
+            <a:lstStyle/>
+            <a:p>
+              <a:pPr marL="0" marR="0" lvl="0" indent="0" algn="ctr" defTabSz="914400" eaLnBrk="0" fontAlgn="base" latinLnBrk="0" hangingPunct="0">
+                <a:lnSpc>
+                  <a:spcPct val="100000"/>
+                </a:lnSpc>
+                <a:spcBef>
+                  <a:spcPct val="50000"/>
+                </a:spcBef>
+                <a:spcAft>
+                  <a:spcPct val="0"/>
+                </a:spcAft>
+                <a:buClrTx/>
+                <a:buSzTx/>
+                <a:buFontTx/>
+                <a:buNone/>
+                <a:tabLst/>
+                <a:defRPr/>
+              </a:pPr>
+              <a:r>
+                <a:rPr kumimoji="0" lang="en-US" sz="1600" b="0" i="0" u="none" strike="noStrike" kern="0" cap="none" spc="0" normalizeH="0" baseline="0" noProof="0" dirty="0" err="1">
+                  <a:ln>
+                    <a:noFill/>
+                  </a:ln>
+                  <a:effectLst/>
+                  <a:uLnTx/>
+                  <a:uFillTx/>
+                  <a:latin typeface="Arial"/>
+                </a:rPr>
+                <a:t>RecordTypeDecl</a:t>
+              </a:r>
+              <a:endParaRPr kumimoji="0" lang="en-US" sz="1600" b="0" i="0" u="none" strike="noStrike" kern="0" cap="none" spc="0" normalizeH="0" baseline="0" noProof="0" dirty="0">
+                <a:ln>
+                  <a:noFill/>
+                </a:ln>
+                <a:effectLst/>
+                <a:uLnTx/>
+                <a:uFillTx/>
+                <a:latin typeface="Arial"/>
+              </a:endParaRPr>
+            </a:p>
+          </p:txBody>
+        </p:sp>
+        <p:sp>
+          <p:nvSpPr>
+            <p:cNvPr id="33" name="Text Box 10">
+              <a:extLst>
+                <a:ext uri="{FF2B5EF4-FFF2-40B4-BE49-F238E27FC236}">
+                  <a16:creationId xmlns:a16="http://schemas.microsoft.com/office/drawing/2014/main" id="{71F06213-324A-0E8C-B998-B692028C3F8E}"/>
+                </a:ext>
+              </a:extLst>
+            </p:cNvPr>
+            <p:cNvSpPr txBox="1">
+              <a:spLocks noChangeArrowheads="1"/>
+            </p:cNvSpPr>
+            <p:nvPr/>
+          </p:nvSpPr>
+          <p:spPr bwMode="auto">
+            <a:xfrm>
+              <a:off x="5587938" y="4622539"/>
+              <a:ext cx="1585370" cy="339196"/>
+            </a:xfrm>
+            <a:prstGeom prst="rect">
+              <a:avLst/>
+            </a:prstGeom>
+            <a:noFill/>
+            <a:ln w="9525">
+              <a:solidFill>
+                <a:schemeClr val="tx1"/>
+              </a:solidFill>
+              <a:miter lim="800000"/>
+              <a:headEnd/>
+              <a:tailEnd/>
+            </a:ln>
+          </p:spPr>
+          <p:txBody>
+            <a:bodyPr wrap="none" lIns="92075" tIns="46038" rIns="92075" bIns="46038" anchor="ctr">
+              <a:spAutoFit/>
+            </a:bodyPr>
+            <a:lstStyle/>
+            <a:p>
+              <a:pPr marL="0" marR="0" lvl="0" indent="0" algn="ctr" defTabSz="914400" eaLnBrk="0" fontAlgn="base" latinLnBrk="0" hangingPunct="0">
+                <a:lnSpc>
+                  <a:spcPct val="100000"/>
+                </a:lnSpc>
+                <a:spcBef>
+                  <a:spcPct val="50000"/>
+                </a:spcBef>
+                <a:spcAft>
+                  <a:spcPct val="0"/>
+                </a:spcAft>
+                <a:buClrTx/>
+                <a:buSzTx/>
+                <a:buFontTx/>
+                <a:buNone/>
+                <a:tabLst/>
+                <a:defRPr/>
+              </a:pPr>
+              <a:r>
+                <a:rPr lang="en-US" sz="1600" kern="0" dirty="0" err="1">
+                  <a:latin typeface="Arial"/>
+                </a:rPr>
+                <a:t>StringType</a:t>
+              </a:r>
+              <a:r>
+                <a:rPr kumimoji="0" lang="en-US" sz="1600" b="0" i="0" u="none" strike="noStrike" kern="0" cap="none" spc="0" normalizeH="0" baseline="0" noProof="0" dirty="0" err="1">
+                  <a:ln>
+                    <a:noFill/>
+                  </a:ln>
+                  <a:effectLst/>
+                  <a:uLnTx/>
+                  <a:uFillTx/>
+                  <a:latin typeface="Arial"/>
+                </a:rPr>
+                <a:t>Decl</a:t>
+              </a:r>
+              <a:endParaRPr kumimoji="0" lang="en-US" sz="1600" b="0" i="0" u="none" strike="noStrike" kern="0" cap="none" spc="0" normalizeH="0" baseline="0" noProof="0" dirty="0">
+                <a:ln>
+                  <a:noFill/>
+                </a:ln>
+                <a:effectLst/>
+                <a:uLnTx/>
+                <a:uFillTx/>
+                <a:latin typeface="Arial"/>
+              </a:endParaRPr>
+            </a:p>
+          </p:txBody>
+        </p:sp>
+        <p:cxnSp>
+          <p:nvCxnSpPr>
+            <p:cNvPr id="34" name="Connector: Elbow 51">
+              <a:extLst>
+                <a:ext uri="{FF2B5EF4-FFF2-40B4-BE49-F238E27FC236}">
+                  <a16:creationId xmlns:a16="http://schemas.microsoft.com/office/drawing/2014/main" id="{68211C87-7822-9858-EBF3-F7666F4754F8}"/>
+                </a:ext>
+              </a:extLst>
+            </p:cNvPr>
+            <p:cNvCxnSpPr>
+              <a:cxnSpLocks/>
+              <a:stCxn id="37" idx="2"/>
+              <a:endCxn id="30" idx="0"/>
+            </p:cNvCxnSpPr>
+            <p:nvPr/>
+          </p:nvCxnSpPr>
+          <p:spPr>
+            <a:xfrm>
+              <a:off x="2754735" y="3623264"/>
+              <a:ext cx="4482" cy="988673"/>
+            </a:xfrm>
+            <a:prstGeom prst="straightConnector1">
+              <a:avLst/>
+            </a:prstGeom>
+            <a:noFill/>
+            <a:ln w="9525">
+              <a:solidFill>
+                <a:schemeClr val="tx1"/>
+              </a:solidFill>
+              <a:miter lim="800000"/>
+              <a:headEnd/>
+              <a:tailEnd type="none" w="lg" len="lg"/>
+            </a:ln>
+          </p:spPr>
+        </p:cxnSp>
+        <p:cxnSp>
+          <p:nvCxnSpPr>
+            <p:cNvPr id="35" name="Connector: Elbow 34">
+              <a:extLst>
+                <a:ext uri="{FF2B5EF4-FFF2-40B4-BE49-F238E27FC236}">
+                  <a16:creationId xmlns:a16="http://schemas.microsoft.com/office/drawing/2014/main" id="{9A618668-AA86-1E84-9BE9-573ED6514F05}"/>
+                </a:ext>
+              </a:extLst>
+            </p:cNvPr>
+            <p:cNvCxnSpPr>
+              <a:stCxn id="25" idx="3"/>
+              <a:endCxn id="28" idx="0"/>
+            </p:cNvCxnSpPr>
+            <p:nvPr/>
+          </p:nvCxnSpPr>
+          <p:spPr>
+            <a:xfrm rot="5400000">
+              <a:off x="3853410" y="1040317"/>
+              <a:ext cx="472678" cy="3209139"/>
+            </a:xfrm>
+            <a:prstGeom prst="bentConnector3">
+              <a:avLst/>
+            </a:prstGeom>
+            <a:ln w="9525">
+              <a:solidFill>
+                <a:schemeClr val="tx1"/>
+              </a:solidFill>
+            </a:ln>
+          </p:spPr>
+          <p:style>
+            <a:lnRef idx="1">
+              <a:schemeClr val="accent1"/>
+            </a:lnRef>
+            <a:fillRef idx="0">
+              <a:schemeClr val="accent1"/>
+            </a:fillRef>
+            <a:effectRef idx="0">
+              <a:schemeClr val="accent1"/>
+            </a:effectRef>
+            <a:fontRef idx="minor">
+              <a:schemeClr val="tx1"/>
+            </a:fontRef>
+          </p:style>
+        </p:cxnSp>
+        <p:cxnSp>
+          <p:nvCxnSpPr>
+            <p:cNvPr id="36" name="Connector: Elbow 35">
+              <a:extLst>
+                <a:ext uri="{FF2B5EF4-FFF2-40B4-BE49-F238E27FC236}">
+                  <a16:creationId xmlns:a16="http://schemas.microsoft.com/office/drawing/2014/main" id="{833720D2-7004-01DF-93C1-D6FE47BA725F}"/>
+                </a:ext>
+              </a:extLst>
+            </p:cNvPr>
+            <p:cNvCxnSpPr>
+              <a:cxnSpLocks/>
+              <a:stCxn id="25" idx="3"/>
+              <a:endCxn id="29" idx="0"/>
+            </p:cNvCxnSpPr>
+            <p:nvPr/>
+          </p:nvCxnSpPr>
+          <p:spPr>
+            <a:xfrm rot="16200000" flipH="1">
+              <a:off x="5859042" y="2243823"/>
+              <a:ext cx="472678" cy="802126"/>
+            </a:xfrm>
+            <a:prstGeom prst="bentConnector3">
+              <a:avLst>
+                <a:gd name="adj1" fmla="val 50000"/>
+              </a:avLst>
+            </a:prstGeom>
+            <a:noFill/>
+            <a:ln w="9525">
+              <a:solidFill>
+                <a:schemeClr val="tx1"/>
+              </a:solidFill>
+              <a:miter lim="800000"/>
+              <a:headEnd/>
+              <a:tailEnd type="none" w="lg" len="lg"/>
+            </a:ln>
+          </p:spPr>
+        </p:cxnSp>
+        <p:sp>
+          <p:nvSpPr>
+            <p:cNvPr id="37" name="Diamond 36">
+              <a:extLst>
+                <a:ext uri="{FF2B5EF4-FFF2-40B4-BE49-F238E27FC236}">
+                  <a16:creationId xmlns:a16="http://schemas.microsoft.com/office/drawing/2014/main" id="{B6A15396-F1D2-93E0-0A62-73F90AFA0D44}"/>
+                </a:ext>
+              </a:extLst>
+            </p:cNvPr>
+            <p:cNvSpPr/>
+            <p:nvPr/>
+          </p:nvSpPr>
+          <p:spPr>
+            <a:xfrm>
+              <a:off x="2663295" y="3440384"/>
+              <a:ext cx="182880" cy="182880"/>
+            </a:xfrm>
+            <a:prstGeom prst="diamond">
+              <a:avLst/>
+            </a:prstGeom>
+            <a:noFill/>
+            <a:ln>
+              <a:noFill/>
+            </a:ln>
+          </p:spPr>
+          <p:style>
+            <a:lnRef idx="2">
+              <a:schemeClr val="accent1">
+                <a:shade val="15000"/>
+              </a:schemeClr>
+            </a:lnRef>
+            <a:fillRef idx="1">
+              <a:schemeClr val="accent1"/>
+            </a:fillRef>
+            <a:effectRef idx="0">
+              <a:schemeClr val="accent1"/>
+            </a:effectRef>
+            <a:fontRef idx="minor">
+              <a:schemeClr val="lt1"/>
+            </a:fontRef>
+          </p:style>
+          <p:txBody>
+            <a:bodyPr rtlCol="0" anchor="ctr"/>
+            <a:lstStyle/>
+            <a:p>
+              <a:pPr algn="ctr"/>
+              <a:endParaRPr lang="en-US"/>
+            </a:p>
+          </p:txBody>
+        </p:sp>
+        <p:cxnSp>
+          <p:nvCxnSpPr>
+            <p:cNvPr id="38" name="Connector: Elbow 51">
+              <a:extLst>
+                <a:ext uri="{FF2B5EF4-FFF2-40B4-BE49-F238E27FC236}">
+                  <a16:creationId xmlns:a16="http://schemas.microsoft.com/office/drawing/2014/main" id="{0E5C1CD4-1A61-CC8F-BDED-7CCCA81A7A34}"/>
+                </a:ext>
+              </a:extLst>
+            </p:cNvPr>
+            <p:cNvCxnSpPr>
+              <a:cxnSpLocks/>
+              <a:stCxn id="39" idx="2"/>
+              <a:endCxn id="33" idx="0"/>
+            </p:cNvCxnSpPr>
+            <p:nvPr/>
+          </p:nvCxnSpPr>
+          <p:spPr>
+            <a:xfrm>
+              <a:off x="6378479" y="3631228"/>
+              <a:ext cx="2144" cy="991311"/>
+            </a:xfrm>
+            <a:prstGeom prst="straightConnector1">
+              <a:avLst/>
+            </a:prstGeom>
+            <a:noFill/>
+            <a:ln w="9525">
+              <a:solidFill>
+                <a:schemeClr val="tx1"/>
+              </a:solidFill>
+              <a:miter lim="800000"/>
+              <a:headEnd/>
+              <a:tailEnd type="none" w="lg" len="lg"/>
+            </a:ln>
+          </p:spPr>
+        </p:cxnSp>
+        <p:sp>
+          <p:nvSpPr>
+            <p:cNvPr id="39" name="Diamond 38">
+              <a:extLst>
+                <a:ext uri="{FF2B5EF4-FFF2-40B4-BE49-F238E27FC236}">
+                  <a16:creationId xmlns:a16="http://schemas.microsoft.com/office/drawing/2014/main" id="{F8508AAF-D7E9-A2EE-61DB-934CFE5DB413}"/>
+                </a:ext>
+              </a:extLst>
+            </p:cNvPr>
+            <p:cNvSpPr/>
+            <p:nvPr/>
+          </p:nvSpPr>
+          <p:spPr>
+            <a:xfrm>
+              <a:off x="6287039" y="3448348"/>
+              <a:ext cx="182880" cy="182880"/>
+            </a:xfrm>
+            <a:prstGeom prst="diamond">
+              <a:avLst/>
+            </a:prstGeom>
+            <a:noFill/>
+            <a:ln>
+              <a:noFill/>
+            </a:ln>
+          </p:spPr>
+          <p:style>
+            <a:lnRef idx="2">
+              <a:schemeClr val="accent1">
+                <a:shade val="15000"/>
+              </a:schemeClr>
+            </a:lnRef>
+            <a:fillRef idx="1">
+              <a:schemeClr val="accent1"/>
+            </a:fillRef>
+            <a:effectRef idx="0">
+              <a:schemeClr val="accent1"/>
+            </a:effectRef>
+            <a:fontRef idx="minor">
+              <a:schemeClr val="lt1"/>
+            </a:fontRef>
+          </p:style>
+          <p:txBody>
+            <a:bodyPr rtlCol="0" anchor="ctr"/>
+            <a:lstStyle/>
+            <a:p>
+              <a:pPr algn="ctr"/>
+              <a:endParaRPr lang="en-US"/>
+            </a:p>
+          </p:txBody>
+        </p:sp>
+        <p:cxnSp>
+          <p:nvCxnSpPr>
+            <p:cNvPr id="65" name="Elbow Connector 42">
+              <a:extLst>
+                <a:ext uri="{FF2B5EF4-FFF2-40B4-BE49-F238E27FC236}">
+                  <a16:creationId xmlns:a16="http://schemas.microsoft.com/office/drawing/2014/main" id="{0BF28788-9230-D743-9CFF-6EEE44C3F8DF}"/>
+                </a:ext>
+              </a:extLst>
+            </p:cNvPr>
+            <p:cNvCxnSpPr>
+              <a:cxnSpLocks/>
+              <a:stCxn id="32" idx="0"/>
+              <a:endCxn id="27" idx="3"/>
+            </p:cNvCxnSpPr>
+            <p:nvPr/>
+          </p:nvCxnSpPr>
+          <p:spPr bwMode="auto">
+            <a:xfrm rot="5400000" flipH="1" flipV="1">
+              <a:off x="3828011" y="3287457"/>
+              <a:ext cx="476074" cy="681381"/>
+            </a:xfrm>
+            <a:prstGeom prst="bentConnector3">
+              <a:avLst>
+                <a:gd name="adj1" fmla="val 50000"/>
+              </a:avLst>
+            </a:prstGeom>
+            <a:noFill/>
+            <a:ln w="9525">
+              <a:solidFill>
+                <a:schemeClr val="tx1"/>
+              </a:solidFill>
+              <a:miter lim="800000"/>
+              <a:headEnd/>
+              <a:tailEnd type="none" w="lg" len="lg"/>
+            </a:ln>
+          </p:spPr>
+        </p:cxnSp>
+        <p:cxnSp>
+          <p:nvCxnSpPr>
+            <p:cNvPr id="66" name="Elbow Connector 42">
+              <a:extLst>
+                <a:ext uri="{FF2B5EF4-FFF2-40B4-BE49-F238E27FC236}">
+                  <a16:creationId xmlns:a16="http://schemas.microsoft.com/office/drawing/2014/main" id="{0B0700F5-60E1-634E-9316-FC64232FB070}"/>
+                </a:ext>
+              </a:extLst>
+            </p:cNvPr>
+            <p:cNvCxnSpPr>
+              <a:cxnSpLocks/>
+              <a:stCxn id="31" idx="0"/>
+              <a:endCxn id="27" idx="3"/>
+            </p:cNvCxnSpPr>
+            <p:nvPr/>
+          </p:nvCxnSpPr>
+          <p:spPr bwMode="auto">
+            <a:xfrm rot="16200000" flipV="1">
+              <a:off x="4731941" y="3064908"/>
+              <a:ext cx="476074" cy="1126478"/>
+            </a:xfrm>
+            <a:prstGeom prst="bentConnector3">
+              <a:avLst>
+                <a:gd name="adj1" fmla="val 50000"/>
+              </a:avLst>
+            </a:prstGeom>
+            <a:noFill/>
+            <a:ln w="9525">
+              <a:solidFill>
+                <a:schemeClr val="tx1"/>
+              </a:solidFill>
+              <a:miter lim="800000"/>
+              <a:headEnd/>
+              <a:tailEnd type="none" w="lg" len="lg"/>
+            </a:ln>
+          </p:spPr>
+        </p:cxnSp>
+      </p:grpSp>
+    </p:spTree>
+    <p:extLst>
+      <p:ext uri="{BB962C8B-B14F-4D97-AF65-F5344CB8AC3E}">
+        <p14:creationId xmlns:p14="http://schemas.microsoft.com/office/powerpoint/2010/main" val="1070962356"/>
+      </p:ext>
+    </p:extLst>
+  </p:cSld>
+  <p:clrMapOvr>
+    <a:masterClrMapping/>
+  </p:clrMapOvr>
+</p:sld>
+</file>
+
+<file path=ppt/slides/slide72.xml><?xml version="1.0" encoding="utf-8"?>
+<p:sld xmlns:a="http://schemas.openxmlformats.org/drawingml/2006/main" xmlns:r="http://schemas.openxmlformats.org/officeDocument/2006/relationships" xmlns:p="http://schemas.openxmlformats.org/presentationml/2006/main">
+  <p:cSld>
+    <p:spTree>
+      <p:nvGrpSpPr>
+        <p:cNvPr id="1" name="">
+          <a:extLst>
+            <a:ext uri="{FF2B5EF4-FFF2-40B4-BE49-F238E27FC236}">
+              <a16:creationId xmlns:a16="http://schemas.microsoft.com/office/drawing/2014/main" id="{6DDB4725-B516-1CFA-E8C3-0C2F1A2C409F}"/>
+            </a:ext>
+          </a:extLst>
+        </p:cNvPr>
+        <p:cNvGrpSpPr/>
+        <p:nvPr/>
+      </p:nvGrpSpPr>
+      <p:grpSpPr>
+        <a:xfrm>
+          <a:off x="0" y="0"/>
+          <a:ext cx="0" cy="0"/>
+          <a:chOff x="0" y="0"/>
+          <a:chExt cx="0" cy="0"/>
+        </a:xfrm>
+      </p:grpSpPr>
+      <p:sp>
+        <p:nvSpPr>
+          <p:cNvPr id="10" name="Title 9">
+            <a:extLst>
+              <a:ext uri="{FF2B5EF4-FFF2-40B4-BE49-F238E27FC236}">
+                <a16:creationId xmlns:a16="http://schemas.microsoft.com/office/drawing/2014/main" id="{4C208B60-A0FF-8079-00FF-17D458F86B11}"/>
+              </a:ext>
+            </a:extLst>
+          </p:cNvPr>
+          <p:cNvSpPr>
+            <a:spLocks noGrp="1"/>
+          </p:cNvSpPr>
+          <p:nvPr>
+            <p:ph type="title"/>
+          </p:nvPr>
+        </p:nvSpPr>
+        <p:spPr/>
+        <p:txBody>
+          <a:bodyPr/>
+          <a:lstStyle/>
+          <a:p>
+            <a:r>
+              <a:rPr lang="en-US" dirty="0"/>
+              <a:t>Inheritance Hierarchy for Statements</a:t>
+            </a:r>
+          </a:p>
+        </p:txBody>
+      </p:sp>
+      <p:sp>
+        <p:nvSpPr>
+          <p:cNvPr id="4" name="Footer Placeholder 3">
+            <a:extLst>
+              <a:ext uri="{FF2B5EF4-FFF2-40B4-BE49-F238E27FC236}">
+                <a16:creationId xmlns:a16="http://schemas.microsoft.com/office/drawing/2014/main" id="{2DEFF828-A3BA-A3FE-8B38-283A0DA19D48}"/>
+              </a:ext>
+            </a:extLst>
+          </p:cNvPr>
+          <p:cNvSpPr>
+            <a:spLocks noGrp="1"/>
+          </p:cNvSpPr>
+          <p:nvPr>
+            <p:ph type="ftr" sz="quarter" idx="10"/>
+          </p:nvPr>
+        </p:nvSpPr>
+        <p:spPr/>
+        <p:txBody>
+          <a:bodyPr/>
+          <a:lstStyle/>
+          <a:p>
+            <a:r>
+              <a:rPr lang="en-US"/>
+              <a:t>©SoftMoore Consulting</a:t>
+            </a:r>
+            <a:endParaRPr lang="en-US" dirty="0"/>
+          </a:p>
+        </p:txBody>
+      </p:sp>
+      <p:sp>
+        <p:nvSpPr>
+          <p:cNvPr id="5" name="Slide Number Placeholder 4">
+            <a:extLst>
+              <a:ext uri="{FF2B5EF4-FFF2-40B4-BE49-F238E27FC236}">
+                <a16:creationId xmlns:a16="http://schemas.microsoft.com/office/drawing/2014/main" id="{30DD3CC1-AA4B-C5B7-D982-9836838F21A3}"/>
+              </a:ext>
+            </a:extLst>
+          </p:cNvPr>
+          <p:cNvSpPr>
+            <a:spLocks noGrp="1"/>
+          </p:cNvSpPr>
+          <p:nvPr>
+            <p:ph type="sldNum" sz="quarter" idx="11"/>
+          </p:nvPr>
+        </p:nvSpPr>
+        <p:spPr/>
+        <p:txBody>
+          <a:bodyPr/>
+          <a:lstStyle/>
+          <a:p>
+            <a:r>
+              <a:rPr lang="en-US"/>
+              <a:t>Slide </a:t>
+            </a:r>
+            <a:fld id="{A413A2F6-7BFD-463C-B63A-922040FAF32C}" type="slidenum">
+              <a:rPr lang="en-US" smtClean="0"/>
+              <a:pPr/>
+              <a:t>72</a:t>
+            </a:fld>
+            <a:endParaRPr lang="en-US" dirty="0"/>
+          </a:p>
+        </p:txBody>
+      </p:sp>
+      <p:grpSp>
+        <p:nvGrpSpPr>
+          <p:cNvPr id="2" name="Group 1">
+            <a:extLst>
+              <a:ext uri="{FF2B5EF4-FFF2-40B4-BE49-F238E27FC236}">
+                <a16:creationId xmlns:a16="http://schemas.microsoft.com/office/drawing/2014/main" id="{67AF02BF-2A2E-26AF-ADB3-A8FC11549E2E}"/>
+              </a:ext>
+            </a:extLst>
+          </p:cNvPr>
+          <p:cNvGrpSpPr/>
+          <p:nvPr/>
+        </p:nvGrpSpPr>
+        <p:grpSpPr>
+          <a:xfrm>
+            <a:off x="137160" y="1905000"/>
+            <a:ext cx="8869680" cy="2142562"/>
+            <a:chOff x="1390922" y="2400217"/>
+            <a:chExt cx="9323070" cy="2142562"/>
+          </a:xfrm>
+        </p:grpSpPr>
+        <p:sp>
+          <p:nvSpPr>
+            <p:cNvPr id="3" name="Rectangle 7">
+              <a:extLst>
+                <a:ext uri="{FF2B5EF4-FFF2-40B4-BE49-F238E27FC236}">
+                  <a16:creationId xmlns:a16="http://schemas.microsoft.com/office/drawing/2014/main" id="{0EA5FB89-42C0-FDC4-32A2-02258C197C50}"/>
+                </a:ext>
+              </a:extLst>
+            </p:cNvPr>
+            <p:cNvSpPr>
+              <a:spLocks noChangeArrowheads="1"/>
+            </p:cNvSpPr>
+            <p:nvPr/>
+          </p:nvSpPr>
+          <p:spPr bwMode="auto">
+            <a:xfrm>
+              <a:off x="5719033" y="2400217"/>
+              <a:ext cx="1122103" cy="339196"/>
+            </a:xfrm>
+            <a:prstGeom prst="rect">
+              <a:avLst/>
+            </a:prstGeom>
+            <a:noFill/>
+            <a:ln w="9525">
+              <a:solidFill>
+                <a:schemeClr val="tx1"/>
+              </a:solidFill>
+              <a:miter lim="800000"/>
+              <a:headEnd/>
+              <a:tailEnd/>
+            </a:ln>
+          </p:spPr>
+          <p:txBody>
+            <a:bodyPr wrap="none" lIns="92075" tIns="46038" rIns="92075" bIns="46038" anchor="ctr">
+              <a:spAutoFit/>
+            </a:bodyPr>
+            <a:lstStyle/>
+            <a:p>
+              <a:pPr marL="0" marR="0" lvl="0" indent="0" algn="ctr" defTabSz="914400" eaLnBrk="0" fontAlgn="base" latinLnBrk="0" hangingPunct="0">
+                <a:lnSpc>
+                  <a:spcPct val="100000"/>
+                </a:lnSpc>
+                <a:spcBef>
+                  <a:spcPct val="0"/>
+                </a:spcBef>
+                <a:spcAft>
+                  <a:spcPct val="0"/>
+                </a:spcAft>
+                <a:buClrTx/>
+                <a:buSzTx/>
+                <a:buFontTx/>
+                <a:buNone/>
+                <a:tabLst/>
+                <a:defRPr/>
+              </a:pPr>
+              <a:r>
+                <a:rPr kumimoji="0" lang="en-US" sz="1600" b="0" i="1" u="none" strike="noStrike" kern="0" cap="none" spc="0" normalizeH="0" baseline="0" noProof="0" dirty="0">
+                  <a:ln>
+                    <a:noFill/>
+                  </a:ln>
+                  <a:effectLst/>
+                  <a:uLnTx/>
+                  <a:uFillTx/>
+                  <a:latin typeface="Arial"/>
+                </a:rPr>
+                <a:t>Statement</a:t>
+              </a:r>
+            </a:p>
+          </p:txBody>
+        </p:sp>
+        <p:sp>
+          <p:nvSpPr>
+            <p:cNvPr id="6" name="Text Box 11">
+              <a:extLst>
+                <a:ext uri="{FF2B5EF4-FFF2-40B4-BE49-F238E27FC236}">
+                  <a16:creationId xmlns:a16="http://schemas.microsoft.com/office/drawing/2014/main" id="{0A214343-61F3-8C31-6545-B1B0A20B9652}"/>
+                </a:ext>
+              </a:extLst>
+            </p:cNvPr>
+            <p:cNvSpPr txBox="1">
+              <a:spLocks noChangeArrowheads="1"/>
+            </p:cNvSpPr>
+            <p:nvPr/>
+          </p:nvSpPr>
+          <p:spPr bwMode="auto">
+            <a:xfrm>
+              <a:off x="2921549" y="4203583"/>
+              <a:ext cx="724557" cy="339196"/>
+            </a:xfrm>
+            <a:prstGeom prst="rect">
+              <a:avLst/>
+            </a:prstGeom>
+            <a:noFill/>
+            <a:ln w="9525">
+              <a:solidFill>
+                <a:schemeClr val="tx1"/>
+              </a:solidFill>
+              <a:miter lim="800000"/>
+              <a:headEnd/>
+              <a:tailEnd/>
+            </a:ln>
+          </p:spPr>
+          <p:txBody>
+            <a:bodyPr wrap="none" lIns="92075" tIns="46038" rIns="92075" bIns="46038" anchor="ctr">
+              <a:spAutoFit/>
+            </a:bodyPr>
+            <a:lstStyle/>
+            <a:p>
+              <a:pPr marL="0" marR="0" lvl="0" indent="0" algn="ctr" defTabSz="914400" eaLnBrk="0" fontAlgn="base" latinLnBrk="0" hangingPunct="0">
+                <a:lnSpc>
+                  <a:spcPct val="100000"/>
+                </a:lnSpc>
+                <a:spcBef>
+                  <a:spcPct val="50000"/>
+                </a:spcBef>
+                <a:spcAft>
+                  <a:spcPct val="0"/>
+                </a:spcAft>
+                <a:buClrTx/>
+                <a:buSzTx/>
+                <a:buFontTx/>
+                <a:buNone/>
+                <a:tabLst/>
+                <a:defRPr/>
+              </a:pPr>
+              <a:r>
+                <a:rPr kumimoji="0" lang="en-US" sz="1600" b="0" i="0" u="none" strike="noStrike" kern="0" cap="none" spc="0" normalizeH="0" baseline="0" noProof="0" dirty="0" err="1">
+                  <a:ln>
+                    <a:noFill/>
+                  </a:ln>
+                  <a:effectLst/>
+                  <a:uLnTx/>
+                  <a:uFillTx/>
+                  <a:latin typeface="Arial"/>
+                </a:rPr>
+                <a:t>IfStmt</a:t>
+              </a:r>
+              <a:endParaRPr kumimoji="0" lang="en-US" sz="1600" b="0" i="0" u="none" strike="noStrike" kern="0" cap="none" spc="0" normalizeH="0" baseline="0" noProof="0" dirty="0">
+                <a:ln>
+                  <a:noFill/>
+                </a:ln>
+                <a:effectLst/>
+                <a:uLnTx/>
+                <a:uFillTx/>
+                <a:latin typeface="Arial"/>
+              </a:endParaRPr>
+            </a:p>
+          </p:txBody>
+        </p:sp>
+        <p:sp>
+          <p:nvSpPr>
+            <p:cNvPr id="7" name="Text Box 12">
+              <a:extLst>
+                <a:ext uri="{FF2B5EF4-FFF2-40B4-BE49-F238E27FC236}">
+                  <a16:creationId xmlns:a16="http://schemas.microsoft.com/office/drawing/2014/main" id="{E2A847F6-1690-DB43-A252-2CB8CAA97DC6}"/>
+                </a:ext>
+              </a:extLst>
+            </p:cNvPr>
+            <p:cNvSpPr txBox="1">
+              <a:spLocks noChangeArrowheads="1"/>
+            </p:cNvSpPr>
+            <p:nvPr/>
+          </p:nvSpPr>
+          <p:spPr bwMode="auto">
+            <a:xfrm>
+              <a:off x="6447766" y="3409987"/>
+              <a:ext cx="1064394" cy="339196"/>
+            </a:xfrm>
+            <a:prstGeom prst="rect">
+              <a:avLst/>
+            </a:prstGeom>
+            <a:noFill/>
+            <a:ln w="9525">
+              <a:solidFill>
+                <a:schemeClr val="tx1"/>
+              </a:solidFill>
+              <a:miter lim="800000"/>
+              <a:headEnd/>
+              <a:tailEnd/>
+            </a:ln>
+          </p:spPr>
+          <p:txBody>
+            <a:bodyPr wrap="none" lIns="92075" tIns="46038" rIns="92075" bIns="46038" anchor="ctr">
+              <a:spAutoFit/>
+            </a:bodyPr>
+            <a:lstStyle/>
+            <a:p>
+              <a:pPr marL="0" marR="0" lvl="0" indent="0" algn="ctr" defTabSz="914400" eaLnBrk="0" fontAlgn="base" latinLnBrk="0" hangingPunct="0">
+                <a:lnSpc>
+                  <a:spcPct val="100000"/>
+                </a:lnSpc>
+                <a:spcBef>
+                  <a:spcPct val="50000"/>
+                </a:spcBef>
+                <a:spcAft>
+                  <a:spcPct val="0"/>
+                </a:spcAft>
+                <a:buClrTx/>
+                <a:buSzTx/>
+                <a:buFontTx/>
+                <a:buNone/>
+                <a:tabLst/>
+                <a:defRPr/>
+              </a:pPr>
+              <a:r>
+                <a:rPr kumimoji="0" lang="en-US" sz="1600" b="0" i="0" u="none" strike="noStrike" kern="0" cap="none" spc="0" normalizeH="0" baseline="0" noProof="0" dirty="0" err="1">
+                  <a:ln>
+                    <a:noFill/>
+                  </a:ln>
+                  <a:effectLst/>
+                  <a:uLnTx/>
+                  <a:uFillTx/>
+                  <a:latin typeface="Arial"/>
+                </a:rPr>
+                <a:t>LoopStmt</a:t>
+              </a:r>
+              <a:endParaRPr kumimoji="0" lang="en-US" sz="1600" b="0" i="0" u="none" strike="noStrike" kern="0" cap="none" spc="0" normalizeH="0" baseline="0" noProof="0" dirty="0">
+                <a:ln>
+                  <a:noFill/>
+                </a:ln>
+                <a:effectLst/>
+                <a:uLnTx/>
+                <a:uFillTx/>
+                <a:latin typeface="Arial"/>
+              </a:endParaRPr>
+            </a:p>
+          </p:txBody>
+        </p:sp>
+        <p:cxnSp>
+          <p:nvCxnSpPr>
+            <p:cNvPr id="8" name="AutoShape 25">
+              <a:extLst>
+                <a:ext uri="{FF2B5EF4-FFF2-40B4-BE49-F238E27FC236}">
+                  <a16:creationId xmlns:a16="http://schemas.microsoft.com/office/drawing/2014/main" id="{C36BC756-63BB-1D87-7C33-6958248F58D7}"/>
+                </a:ext>
+              </a:extLst>
+            </p:cNvPr>
+            <p:cNvCxnSpPr>
+              <a:cxnSpLocks noChangeShapeType="1"/>
+              <a:stCxn id="11" idx="0"/>
+              <a:endCxn id="9" idx="3"/>
+            </p:cNvCxnSpPr>
+            <p:nvPr/>
+          </p:nvCxnSpPr>
+          <p:spPr bwMode="auto">
+            <a:xfrm rot="5400000" flipH="1" flipV="1">
+              <a:off x="4002286" y="1132189"/>
+              <a:ext cx="506409" cy="4049188"/>
+            </a:xfrm>
+            <a:prstGeom prst="bentConnector3">
+              <a:avLst>
+                <a:gd name="adj1" fmla="val 50000"/>
+              </a:avLst>
+            </a:prstGeom>
+            <a:noFill/>
+            <a:ln w="9525">
+              <a:solidFill>
+                <a:schemeClr val="tx1"/>
+              </a:solidFill>
+              <a:miter lim="800000"/>
+              <a:headEnd/>
+              <a:tailEnd type="none" w="lg" len="lg"/>
+            </a:ln>
+          </p:spPr>
+        </p:cxnSp>
+        <p:sp>
+          <p:nvSpPr>
+            <p:cNvPr id="9" name="Isosceles Triangle 8">
+              <a:extLst>
+                <a:ext uri="{FF2B5EF4-FFF2-40B4-BE49-F238E27FC236}">
+                  <a16:creationId xmlns:a16="http://schemas.microsoft.com/office/drawing/2014/main" id="{1ADA0877-17ED-9FA9-7D03-4C1962F20711}"/>
+                </a:ext>
+              </a:extLst>
+            </p:cNvPr>
+            <p:cNvSpPr/>
+            <p:nvPr/>
+          </p:nvSpPr>
+          <p:spPr bwMode="auto">
+            <a:xfrm>
+              <a:off x="6197788" y="2738986"/>
+              <a:ext cx="164592" cy="164592"/>
+            </a:xfrm>
+            <a:prstGeom prst="triangle">
+              <a:avLst/>
+            </a:prstGeom>
+            <a:noFill/>
+            <a:ln w="9525" cap="flat" cmpd="sng" algn="ctr">
+              <a:solidFill>
+                <a:schemeClr val="tx1"/>
+              </a:solidFill>
+              <a:prstDash val="solid"/>
+              <a:round/>
+              <a:headEnd type="none" w="med" len="med"/>
+              <a:tailEnd type="none" w="med" len="med"/>
+            </a:ln>
+            <a:effectLst/>
+          </p:spPr>
+          <p:txBody>
+            <a:bodyPr vert="horz" wrap="none" lIns="92075" tIns="46038" rIns="92075" bIns="46038" numCol="1" rtlCol="0" anchor="ctr" anchorCtr="0" compatLnSpc="1">
+              <a:prstTxWarp prst="textNoShape">
+                <a:avLst/>
+              </a:prstTxWarp>
+            </a:bodyPr>
+            <a:lstStyle/>
+            <a:p>
+              <a:pPr marL="0" marR="0" lvl="0" indent="0" algn="ctr" defTabSz="914400" eaLnBrk="0" fontAlgn="base" latinLnBrk="0" hangingPunct="0">
+                <a:lnSpc>
+                  <a:spcPct val="100000"/>
+                </a:lnSpc>
+                <a:spcBef>
+                  <a:spcPct val="0"/>
+                </a:spcBef>
+                <a:spcAft>
+                  <a:spcPct val="0"/>
+                </a:spcAft>
+                <a:buClrTx/>
+                <a:buSzTx/>
+                <a:buFontTx/>
+                <a:buNone/>
+                <a:tabLst/>
+                <a:defRPr/>
+              </a:pPr>
+              <a:endParaRPr kumimoji="0" lang="en-US" sz="2400" b="0" i="0" u="none" strike="noStrike" kern="0" cap="none" spc="0" normalizeH="0" baseline="0" noProof="0">
+                <a:ln>
+                  <a:noFill/>
+                </a:ln>
+                <a:effectLst/>
+                <a:uLnTx/>
+                <a:uFillTx/>
+                <a:latin typeface="Arial" charset="0"/>
+              </a:endParaRPr>
+            </a:p>
+          </p:txBody>
+        </p:sp>
+        <p:sp>
+          <p:nvSpPr>
+            <p:cNvPr id="11" name="Text Box 11">
+              <a:extLst>
+                <a:ext uri="{FF2B5EF4-FFF2-40B4-BE49-F238E27FC236}">
+                  <a16:creationId xmlns:a16="http://schemas.microsoft.com/office/drawing/2014/main" id="{A3F33AAC-572A-22F0-864C-FA2955637FC4}"/>
+                </a:ext>
+              </a:extLst>
+            </p:cNvPr>
+            <p:cNvSpPr txBox="1">
+              <a:spLocks noChangeArrowheads="1"/>
+            </p:cNvSpPr>
+            <p:nvPr/>
+          </p:nvSpPr>
+          <p:spPr bwMode="auto">
+            <a:xfrm>
+              <a:off x="1390922" y="3409987"/>
+              <a:ext cx="1679948" cy="339196"/>
+            </a:xfrm>
+            <a:prstGeom prst="rect">
+              <a:avLst/>
+            </a:prstGeom>
+            <a:noFill/>
+            <a:ln w="9525">
+              <a:solidFill>
+                <a:schemeClr val="tx1"/>
+              </a:solidFill>
+              <a:miter lim="800000"/>
+              <a:headEnd/>
+              <a:tailEnd/>
+            </a:ln>
+          </p:spPr>
+          <p:txBody>
+            <a:bodyPr wrap="none" lIns="92075" tIns="46038" rIns="92075" bIns="46038" anchor="ctr">
+              <a:spAutoFit/>
+            </a:bodyPr>
+            <a:lstStyle/>
+            <a:p>
+              <a:pPr marL="0" marR="0" lvl="0" indent="0" algn="ctr" defTabSz="914400" eaLnBrk="0" fontAlgn="base" latinLnBrk="0" hangingPunct="0">
+                <a:lnSpc>
+                  <a:spcPct val="100000"/>
+                </a:lnSpc>
+                <a:spcBef>
+                  <a:spcPct val="50000"/>
+                </a:spcBef>
+                <a:spcAft>
+                  <a:spcPct val="0"/>
+                </a:spcAft>
+                <a:buClrTx/>
+                <a:buSzTx/>
+                <a:buFontTx/>
+                <a:buNone/>
+                <a:tabLst/>
+                <a:defRPr/>
+              </a:pPr>
+              <a:r>
+                <a:rPr kumimoji="0" lang="en-US" sz="1600" b="0" i="0" u="none" strike="noStrike" kern="0" cap="none" spc="0" normalizeH="0" baseline="0" noProof="0" dirty="0" err="1">
+                  <a:ln>
+                    <a:noFill/>
+                  </a:ln>
+                  <a:effectLst/>
+                  <a:uLnTx/>
+                  <a:uFillTx/>
+                  <a:latin typeface="Arial"/>
+                </a:rPr>
+                <a:t>AssignmentStmt</a:t>
+              </a:r>
+              <a:endParaRPr kumimoji="0" lang="en-US" sz="1600" b="0" i="0" u="none" strike="noStrike" kern="0" cap="none" spc="0" normalizeH="0" baseline="0" noProof="0" dirty="0">
+                <a:ln>
+                  <a:noFill/>
+                </a:ln>
+                <a:effectLst/>
+                <a:uLnTx/>
+                <a:uFillTx/>
+                <a:latin typeface="Arial"/>
+              </a:endParaRPr>
+            </a:p>
+          </p:txBody>
+        </p:sp>
+        <p:sp>
+          <p:nvSpPr>
+            <p:cNvPr id="12" name="Text Box 11">
+              <a:extLst>
+                <a:ext uri="{FF2B5EF4-FFF2-40B4-BE49-F238E27FC236}">
+                  <a16:creationId xmlns:a16="http://schemas.microsoft.com/office/drawing/2014/main" id="{B3AEF510-D620-EB75-9627-83AE368B009E}"/>
+                </a:ext>
+              </a:extLst>
+            </p:cNvPr>
+            <p:cNvSpPr txBox="1">
+              <a:spLocks noChangeArrowheads="1"/>
+            </p:cNvSpPr>
+            <p:nvPr/>
+          </p:nvSpPr>
+          <p:spPr bwMode="auto">
+            <a:xfrm>
+              <a:off x="3855310" y="4203583"/>
+              <a:ext cx="1611018" cy="339196"/>
+            </a:xfrm>
+            <a:prstGeom prst="rect">
+              <a:avLst/>
+            </a:prstGeom>
+            <a:noFill/>
+            <a:ln w="9525">
+              <a:solidFill>
+                <a:schemeClr val="tx1"/>
+              </a:solidFill>
+              <a:miter lim="800000"/>
+              <a:headEnd/>
+              <a:tailEnd/>
+            </a:ln>
+          </p:spPr>
+          <p:txBody>
+            <a:bodyPr wrap="none" lIns="92075" tIns="46038" rIns="92075" bIns="46038" anchor="ctr">
+              <a:spAutoFit/>
+            </a:bodyPr>
+            <a:lstStyle/>
+            <a:p>
+              <a:pPr marL="0" marR="0" lvl="0" indent="0" algn="ctr" defTabSz="914400" eaLnBrk="0" fontAlgn="base" latinLnBrk="0" hangingPunct="0">
+                <a:lnSpc>
+                  <a:spcPct val="100000"/>
+                </a:lnSpc>
+                <a:spcBef>
+                  <a:spcPct val="50000"/>
+                </a:spcBef>
+                <a:spcAft>
+                  <a:spcPct val="0"/>
+                </a:spcAft>
+                <a:buClrTx/>
+                <a:buSzTx/>
+                <a:buFontTx/>
+                <a:buNone/>
+                <a:tabLst/>
+                <a:defRPr/>
+              </a:pPr>
+              <a:r>
+                <a:rPr kumimoji="0" lang="en-US" sz="1600" b="0" i="0" u="none" strike="noStrike" kern="0" cap="none" spc="0" normalizeH="0" baseline="0" noProof="0" dirty="0" err="1">
+                  <a:ln>
+                    <a:noFill/>
+                  </a:ln>
+                  <a:effectLst/>
+                  <a:uLnTx/>
+                  <a:uFillTx/>
+                  <a:latin typeface="Arial"/>
+                </a:rPr>
+                <a:t>CompoundStmt</a:t>
+              </a:r>
+              <a:endParaRPr kumimoji="0" lang="en-US" sz="1600" b="0" i="0" u="none" strike="noStrike" kern="0" cap="none" spc="0" normalizeH="0" baseline="0" noProof="0" dirty="0">
+                <a:ln>
+                  <a:noFill/>
+                </a:ln>
+                <a:effectLst/>
+                <a:uLnTx/>
+                <a:uFillTx/>
+                <a:latin typeface="Arial"/>
+              </a:endParaRPr>
+            </a:p>
+          </p:txBody>
+        </p:sp>
+        <p:sp>
+          <p:nvSpPr>
+            <p:cNvPr id="13" name="Text Box 11">
+              <a:extLst>
+                <a:ext uri="{FF2B5EF4-FFF2-40B4-BE49-F238E27FC236}">
+                  <a16:creationId xmlns:a16="http://schemas.microsoft.com/office/drawing/2014/main" id="{15743EAC-F0B1-C9C1-9628-B432B1DE1016}"/>
+                </a:ext>
+              </a:extLst>
+            </p:cNvPr>
+            <p:cNvSpPr txBox="1">
+              <a:spLocks noChangeArrowheads="1"/>
+            </p:cNvSpPr>
+            <p:nvPr/>
+          </p:nvSpPr>
+          <p:spPr bwMode="auto">
+            <a:xfrm>
+              <a:off x="3486689" y="3409987"/>
+              <a:ext cx="950581" cy="339196"/>
+            </a:xfrm>
+            <a:prstGeom prst="rect">
+              <a:avLst/>
+            </a:prstGeom>
+            <a:noFill/>
+            <a:ln w="9525">
+              <a:solidFill>
+                <a:schemeClr val="tx1"/>
+              </a:solidFill>
+              <a:miter lim="800000"/>
+              <a:headEnd/>
+              <a:tailEnd/>
+            </a:ln>
+          </p:spPr>
+          <p:txBody>
+            <a:bodyPr wrap="none" lIns="92075" tIns="46038" rIns="92075" bIns="46038" anchor="ctr">
+              <a:spAutoFit/>
+            </a:bodyPr>
+            <a:lstStyle/>
+            <a:p>
+              <a:pPr marL="0" marR="0" lvl="0" indent="0" algn="ctr" defTabSz="914400" eaLnBrk="0" fontAlgn="base" latinLnBrk="0" hangingPunct="0">
+                <a:lnSpc>
+                  <a:spcPct val="100000"/>
+                </a:lnSpc>
+                <a:spcBef>
+                  <a:spcPct val="50000"/>
+                </a:spcBef>
+                <a:spcAft>
+                  <a:spcPct val="0"/>
+                </a:spcAft>
+                <a:buClrTx/>
+                <a:buSzTx/>
+                <a:buFontTx/>
+                <a:buNone/>
+                <a:tabLst/>
+                <a:defRPr/>
+              </a:pPr>
+              <a:r>
+                <a:rPr kumimoji="0" lang="en-US" sz="1600" b="0" i="0" u="none" strike="noStrike" kern="0" cap="none" spc="0" normalizeH="0" baseline="0" noProof="0" dirty="0" err="1">
+                  <a:ln>
+                    <a:noFill/>
+                  </a:ln>
+                  <a:effectLst/>
+                  <a:uLnTx/>
+                  <a:uFillTx/>
+                  <a:latin typeface="Arial"/>
+                </a:rPr>
+                <a:t>ExitStmt</a:t>
+              </a:r>
+              <a:endParaRPr kumimoji="0" lang="en-US" sz="1600" b="0" i="0" u="none" strike="noStrike" kern="0" cap="none" spc="0" normalizeH="0" baseline="0" noProof="0" dirty="0">
+                <a:ln>
+                  <a:noFill/>
+                </a:ln>
+                <a:effectLst/>
+                <a:uLnTx/>
+                <a:uFillTx/>
+                <a:latin typeface="Arial"/>
+              </a:endParaRPr>
+            </a:p>
+          </p:txBody>
+        </p:sp>
+        <p:sp>
+          <p:nvSpPr>
+            <p:cNvPr id="14" name="Text Box 11">
+              <a:extLst>
+                <a:ext uri="{FF2B5EF4-FFF2-40B4-BE49-F238E27FC236}">
+                  <a16:creationId xmlns:a16="http://schemas.microsoft.com/office/drawing/2014/main" id="{C76C40AF-771D-C05E-238E-9943F609E96D}"/>
+                </a:ext>
+              </a:extLst>
+            </p:cNvPr>
+            <p:cNvSpPr txBox="1">
+              <a:spLocks noChangeArrowheads="1"/>
+            </p:cNvSpPr>
+            <p:nvPr/>
+          </p:nvSpPr>
+          <p:spPr bwMode="auto">
+            <a:xfrm>
+              <a:off x="6293878" y="4203583"/>
+              <a:ext cx="1372171" cy="339196"/>
+            </a:xfrm>
+            <a:prstGeom prst="rect">
+              <a:avLst/>
+            </a:prstGeom>
+            <a:noFill/>
+            <a:ln w="9525">
+              <a:solidFill>
+                <a:schemeClr val="tx1"/>
+              </a:solidFill>
+              <a:miter lim="800000"/>
+              <a:headEnd/>
+              <a:tailEnd/>
+            </a:ln>
+          </p:spPr>
+          <p:txBody>
+            <a:bodyPr wrap="none" lIns="92075" tIns="46038" rIns="92075" bIns="46038" anchor="ctr">
+              <a:spAutoFit/>
+            </a:bodyPr>
+            <a:lstStyle/>
+            <a:p>
+              <a:pPr marL="0" marR="0" lvl="0" indent="0" algn="ctr" defTabSz="914400" eaLnBrk="0" fontAlgn="base" latinLnBrk="0" hangingPunct="0">
+                <a:lnSpc>
+                  <a:spcPct val="100000"/>
+                </a:lnSpc>
+                <a:spcBef>
+                  <a:spcPct val="50000"/>
+                </a:spcBef>
+                <a:spcAft>
+                  <a:spcPct val="0"/>
+                </a:spcAft>
+                <a:buClrTx/>
+                <a:buSzTx/>
+                <a:buFontTx/>
+                <a:buNone/>
+                <a:tabLst/>
+                <a:defRPr/>
+              </a:pPr>
+              <a:r>
+                <a:rPr kumimoji="0" lang="en-US" sz="1600" b="0" i="0" u="none" strike="noStrike" kern="0" cap="none" spc="0" normalizeH="0" baseline="0" noProof="0" dirty="0" err="1">
+                  <a:ln>
+                    <a:noFill/>
+                  </a:ln>
+                  <a:effectLst/>
+                  <a:uLnTx/>
+                  <a:uFillTx/>
+                  <a:latin typeface="Arial"/>
+                </a:rPr>
+                <a:t>ForLoopStmt</a:t>
+              </a:r>
+              <a:endParaRPr kumimoji="0" lang="en-US" sz="1600" b="0" i="0" u="none" strike="noStrike" kern="0" cap="none" spc="0" normalizeH="0" baseline="0" noProof="0" dirty="0">
+                <a:ln>
+                  <a:noFill/>
+                </a:ln>
+                <a:effectLst/>
+                <a:uLnTx/>
+                <a:uFillTx/>
+                <a:latin typeface="Arial"/>
+              </a:endParaRPr>
+            </a:p>
+          </p:txBody>
+        </p:sp>
+        <p:sp>
+          <p:nvSpPr>
+            <p:cNvPr id="15" name="Text Box 11">
+              <a:extLst>
+                <a:ext uri="{FF2B5EF4-FFF2-40B4-BE49-F238E27FC236}">
+                  <a16:creationId xmlns:a16="http://schemas.microsoft.com/office/drawing/2014/main" id="{664F8608-FE50-979C-0430-D7EAAB1C0A4E}"/>
+                </a:ext>
+              </a:extLst>
+            </p:cNvPr>
+            <p:cNvSpPr txBox="1">
+              <a:spLocks noChangeArrowheads="1"/>
+            </p:cNvSpPr>
+            <p:nvPr/>
+          </p:nvSpPr>
+          <p:spPr bwMode="auto">
+            <a:xfrm>
+              <a:off x="8328232" y="4203583"/>
+              <a:ext cx="1905971" cy="339196"/>
+            </a:xfrm>
+            <a:prstGeom prst="rect">
+              <a:avLst/>
+            </a:prstGeom>
+            <a:noFill/>
+            <a:ln w="9525">
+              <a:solidFill>
+                <a:schemeClr val="tx1"/>
+              </a:solidFill>
+              <a:miter lim="800000"/>
+              <a:headEnd/>
+              <a:tailEnd/>
+            </a:ln>
+          </p:spPr>
+          <p:txBody>
+            <a:bodyPr wrap="none" lIns="92075" tIns="46038" rIns="92075" bIns="46038" anchor="ctr">
+              <a:spAutoFit/>
+            </a:bodyPr>
+            <a:lstStyle/>
+            <a:p>
+              <a:pPr marL="0" marR="0" lvl="0" indent="0" algn="ctr" defTabSz="914400" eaLnBrk="0" fontAlgn="base" latinLnBrk="0" hangingPunct="0">
+                <a:lnSpc>
+                  <a:spcPct val="100000"/>
+                </a:lnSpc>
+                <a:spcBef>
+                  <a:spcPct val="50000"/>
+                </a:spcBef>
+                <a:spcAft>
+                  <a:spcPct val="0"/>
+                </a:spcAft>
+                <a:buClrTx/>
+                <a:buSzTx/>
+                <a:buFontTx/>
+                <a:buNone/>
+                <a:tabLst/>
+                <a:defRPr/>
+              </a:pPr>
+              <a:r>
+                <a:rPr kumimoji="0" lang="en-US" sz="1600" b="0" i="0" u="none" strike="noStrike" kern="0" cap="none" spc="0" normalizeH="0" baseline="0" noProof="0" dirty="0" err="1">
+                  <a:ln>
+                    <a:noFill/>
+                  </a:ln>
+                  <a:effectLst/>
+                  <a:uLnTx/>
+                  <a:uFillTx/>
+                  <a:latin typeface="Arial"/>
+                </a:rPr>
+                <a:t>ProcedureCallStmt</a:t>
+              </a:r>
+              <a:endParaRPr kumimoji="0" lang="en-US" sz="1600" b="0" i="0" u="none" strike="noStrike" kern="0" cap="none" spc="0" normalizeH="0" baseline="0" noProof="0" dirty="0">
+                <a:ln>
+                  <a:noFill/>
+                </a:ln>
+                <a:effectLst/>
+                <a:uLnTx/>
+                <a:uFillTx/>
+                <a:latin typeface="Arial"/>
+              </a:endParaRPr>
+            </a:p>
+          </p:txBody>
+        </p:sp>
+        <p:sp>
+          <p:nvSpPr>
+            <p:cNvPr id="16" name="Text Box 11">
+              <a:extLst>
+                <a:ext uri="{FF2B5EF4-FFF2-40B4-BE49-F238E27FC236}">
+                  <a16:creationId xmlns:a16="http://schemas.microsoft.com/office/drawing/2014/main" id="{54FB8DF9-8C97-B67E-ADB8-C97CDDFF4521}"/>
+                </a:ext>
+              </a:extLst>
+            </p:cNvPr>
+            <p:cNvSpPr txBox="1">
+              <a:spLocks noChangeArrowheads="1"/>
+            </p:cNvSpPr>
+            <p:nvPr/>
+          </p:nvSpPr>
+          <p:spPr bwMode="auto">
+            <a:xfrm>
+              <a:off x="7975419" y="3409987"/>
+              <a:ext cx="1098058" cy="339196"/>
+            </a:xfrm>
+            <a:prstGeom prst="rect">
+              <a:avLst/>
+            </a:prstGeom>
+            <a:noFill/>
+            <a:ln w="9525">
+              <a:solidFill>
+                <a:schemeClr val="tx1"/>
+              </a:solidFill>
+              <a:miter lim="800000"/>
+              <a:headEnd/>
+              <a:tailEnd/>
+            </a:ln>
+          </p:spPr>
+          <p:txBody>
+            <a:bodyPr wrap="none" lIns="92075" tIns="46038" rIns="92075" bIns="46038" anchor="ctr">
+              <a:spAutoFit/>
+            </a:bodyPr>
+            <a:lstStyle/>
+            <a:p>
+              <a:pPr marL="0" marR="0" lvl="0" indent="0" algn="ctr" defTabSz="914400" eaLnBrk="0" fontAlgn="base" latinLnBrk="0" hangingPunct="0">
+                <a:lnSpc>
+                  <a:spcPct val="100000"/>
+                </a:lnSpc>
+                <a:spcBef>
+                  <a:spcPct val="50000"/>
+                </a:spcBef>
+                <a:spcAft>
+                  <a:spcPct val="0"/>
+                </a:spcAft>
+                <a:buClrTx/>
+                <a:buSzTx/>
+                <a:buFontTx/>
+                <a:buNone/>
+                <a:tabLst/>
+                <a:defRPr/>
+              </a:pPr>
+              <a:r>
+                <a:rPr kumimoji="0" lang="en-US" sz="1600" b="0" i="0" u="none" strike="noStrike" kern="0" cap="none" spc="0" normalizeH="0" baseline="0" noProof="0" dirty="0" err="1">
+                  <a:ln>
+                    <a:noFill/>
+                  </a:ln>
+                  <a:effectLst/>
+                  <a:uLnTx/>
+                  <a:uFillTx/>
+                  <a:latin typeface="Arial"/>
+                </a:rPr>
+                <a:t>ReadStmt</a:t>
+              </a:r>
+              <a:endParaRPr kumimoji="0" lang="en-US" sz="1600" b="0" i="0" u="none" strike="noStrike" kern="0" cap="none" spc="0" normalizeH="0" baseline="0" noProof="0" dirty="0">
+                <a:ln>
+                  <a:noFill/>
+                </a:ln>
+                <a:effectLst/>
+                <a:uLnTx/>
+                <a:uFillTx/>
+                <a:latin typeface="Arial"/>
+              </a:endParaRPr>
+            </a:p>
+          </p:txBody>
+        </p:sp>
+        <p:sp>
+          <p:nvSpPr>
+            <p:cNvPr id="17" name="Text Box 11">
+              <a:extLst>
+                <a:ext uri="{FF2B5EF4-FFF2-40B4-BE49-F238E27FC236}">
+                  <a16:creationId xmlns:a16="http://schemas.microsoft.com/office/drawing/2014/main" id="{0C68B092-818C-451A-45B4-6D3DA7374CA2}"/>
+                </a:ext>
+              </a:extLst>
+            </p:cNvPr>
+            <p:cNvSpPr txBox="1">
+              <a:spLocks noChangeArrowheads="1"/>
+            </p:cNvSpPr>
+            <p:nvPr/>
+          </p:nvSpPr>
+          <p:spPr bwMode="auto">
+            <a:xfrm>
+              <a:off x="9489298" y="3409987"/>
+              <a:ext cx="1224694" cy="339196"/>
+            </a:xfrm>
+            <a:prstGeom prst="rect">
+              <a:avLst/>
+            </a:prstGeom>
+            <a:noFill/>
+            <a:ln w="9525">
+              <a:solidFill>
+                <a:schemeClr val="tx1"/>
+              </a:solidFill>
+              <a:miter lim="800000"/>
+              <a:headEnd/>
+              <a:tailEnd/>
+            </a:ln>
+          </p:spPr>
+          <p:txBody>
+            <a:bodyPr wrap="none" lIns="92075" tIns="46038" rIns="92075" bIns="46038" anchor="ctr">
+              <a:spAutoFit/>
+            </a:bodyPr>
+            <a:lstStyle/>
+            <a:p>
+              <a:pPr marL="0" marR="0" lvl="0" indent="0" algn="ctr" defTabSz="914400" eaLnBrk="0" fontAlgn="base" latinLnBrk="0" hangingPunct="0">
+                <a:lnSpc>
+                  <a:spcPct val="100000"/>
+                </a:lnSpc>
+                <a:spcBef>
+                  <a:spcPct val="50000"/>
+                </a:spcBef>
+                <a:spcAft>
+                  <a:spcPct val="0"/>
+                </a:spcAft>
+                <a:buClrTx/>
+                <a:buSzTx/>
+                <a:buFontTx/>
+                <a:buNone/>
+                <a:tabLst/>
+                <a:defRPr/>
+              </a:pPr>
+              <a:r>
+                <a:rPr kumimoji="0" lang="en-US" sz="1600" b="0" i="0" u="none" strike="noStrike" kern="0" cap="none" spc="0" normalizeH="0" baseline="0" noProof="0" dirty="0" err="1">
+                  <a:ln>
+                    <a:noFill/>
+                  </a:ln>
+                  <a:effectLst/>
+                  <a:uLnTx/>
+                  <a:uFillTx/>
+                  <a:latin typeface="Arial"/>
+                </a:rPr>
+                <a:t>ReturnStmt</a:t>
+              </a:r>
+              <a:endParaRPr kumimoji="0" lang="en-US" sz="1600" b="0" i="0" u="none" strike="noStrike" kern="0" cap="none" spc="0" normalizeH="0" baseline="0" noProof="0" dirty="0">
+                <a:ln>
+                  <a:noFill/>
+                </a:ln>
+                <a:effectLst/>
+                <a:uLnTx/>
+                <a:uFillTx/>
+                <a:latin typeface="Arial"/>
+              </a:endParaRPr>
+            </a:p>
+          </p:txBody>
+        </p:sp>
+        <p:sp>
+          <p:nvSpPr>
+            <p:cNvPr id="18" name="Text Box 11">
+              <a:extLst>
+                <a:ext uri="{FF2B5EF4-FFF2-40B4-BE49-F238E27FC236}">
+                  <a16:creationId xmlns:a16="http://schemas.microsoft.com/office/drawing/2014/main" id="{6BD64828-2347-C798-9D81-7CE4904B103F}"/>
+                </a:ext>
+              </a:extLst>
+            </p:cNvPr>
+            <p:cNvSpPr txBox="1">
+              <a:spLocks noChangeArrowheads="1"/>
+            </p:cNvSpPr>
+            <p:nvPr/>
+          </p:nvSpPr>
+          <p:spPr bwMode="auto">
+            <a:xfrm>
+              <a:off x="4853089" y="3409987"/>
+              <a:ext cx="1226298" cy="339196"/>
+            </a:xfrm>
+            <a:prstGeom prst="rect">
+              <a:avLst/>
+            </a:prstGeom>
+            <a:noFill/>
+            <a:ln w="9525">
+              <a:solidFill>
+                <a:schemeClr val="tx1"/>
+              </a:solidFill>
+              <a:miter lim="800000"/>
+              <a:headEnd/>
+              <a:tailEnd/>
+            </a:ln>
+          </p:spPr>
+          <p:txBody>
+            <a:bodyPr wrap="none" lIns="92075" tIns="46038" rIns="92075" bIns="46038" anchor="ctr">
+              <a:spAutoFit/>
+            </a:bodyPr>
+            <a:lstStyle/>
+            <a:p>
+              <a:pPr marL="0" marR="0" lvl="0" indent="0" algn="ctr" defTabSz="914400" eaLnBrk="0" fontAlgn="base" latinLnBrk="0" hangingPunct="0">
+                <a:lnSpc>
+                  <a:spcPct val="100000"/>
+                </a:lnSpc>
+                <a:spcBef>
+                  <a:spcPct val="50000"/>
+                </a:spcBef>
+                <a:spcAft>
+                  <a:spcPct val="0"/>
+                </a:spcAft>
+                <a:buClrTx/>
+                <a:buSzTx/>
+                <a:buFontTx/>
+                <a:buNone/>
+                <a:tabLst/>
+                <a:defRPr/>
+              </a:pPr>
+              <a:r>
+                <a:rPr kumimoji="0" lang="en-US" sz="1600" b="0" i="0" u="none" strike="noStrike" kern="0" cap="none" spc="0" normalizeH="0" baseline="0" noProof="0" dirty="0" err="1">
+                  <a:ln>
+                    <a:noFill/>
+                  </a:ln>
+                  <a:effectLst/>
+                  <a:uLnTx/>
+                  <a:uFillTx/>
+                  <a:latin typeface="Arial"/>
+                </a:rPr>
+                <a:t>OutputStmt</a:t>
+              </a:r>
+              <a:endParaRPr kumimoji="0" lang="en-US" sz="1600" b="0" i="0" u="none" strike="noStrike" kern="0" cap="none" spc="0" normalizeH="0" baseline="0" noProof="0" dirty="0">
+                <a:ln>
+                  <a:noFill/>
+                </a:ln>
+                <a:effectLst/>
+                <a:uLnTx/>
+                <a:uFillTx/>
+                <a:latin typeface="Arial"/>
+              </a:endParaRPr>
+            </a:p>
+          </p:txBody>
+        </p:sp>
+        <p:cxnSp>
+          <p:nvCxnSpPr>
+            <p:cNvPr id="19" name="AutoShape 26">
+              <a:extLst>
+                <a:ext uri="{FF2B5EF4-FFF2-40B4-BE49-F238E27FC236}">
+                  <a16:creationId xmlns:a16="http://schemas.microsoft.com/office/drawing/2014/main" id="{DCD7E1B2-3663-F482-0587-2881DD959477}"/>
+                </a:ext>
+              </a:extLst>
+            </p:cNvPr>
+            <p:cNvCxnSpPr>
+              <a:cxnSpLocks noChangeShapeType="1"/>
+              <a:stCxn id="13" idx="0"/>
+              <a:endCxn id="9" idx="3"/>
+            </p:cNvCxnSpPr>
+            <p:nvPr/>
+          </p:nvCxnSpPr>
+          <p:spPr bwMode="auto">
+            <a:xfrm rot="5400000" flipH="1" flipV="1">
+              <a:off x="4867828" y="1997731"/>
+              <a:ext cx="506409" cy="2318104"/>
+            </a:xfrm>
+            <a:prstGeom prst="bentConnector3">
+              <a:avLst>
+                <a:gd name="adj1" fmla="val 50000"/>
+              </a:avLst>
+            </a:prstGeom>
+            <a:noFill/>
+            <a:ln w="9525">
+              <a:solidFill>
+                <a:schemeClr val="tx1"/>
+              </a:solidFill>
+              <a:miter lim="800000"/>
+              <a:headEnd/>
+              <a:tailEnd type="none" w="lg" len="lg"/>
+            </a:ln>
+          </p:spPr>
+        </p:cxnSp>
+        <p:cxnSp>
+          <p:nvCxnSpPr>
+            <p:cNvPr id="20" name="AutoShape 26">
+              <a:extLst>
+                <a:ext uri="{FF2B5EF4-FFF2-40B4-BE49-F238E27FC236}">
+                  <a16:creationId xmlns:a16="http://schemas.microsoft.com/office/drawing/2014/main" id="{A691EBFC-48B1-3EE2-0033-DE602562AE56}"/>
+                </a:ext>
+              </a:extLst>
+            </p:cNvPr>
+            <p:cNvCxnSpPr>
+              <a:cxnSpLocks noChangeShapeType="1"/>
+              <a:stCxn id="18" idx="0"/>
+              <a:endCxn id="9" idx="3"/>
+            </p:cNvCxnSpPr>
+            <p:nvPr/>
+          </p:nvCxnSpPr>
+          <p:spPr bwMode="auto">
+            <a:xfrm rot="5400000" flipH="1" flipV="1">
+              <a:off x="5619957" y="2749860"/>
+              <a:ext cx="506409" cy="813846"/>
+            </a:xfrm>
+            <a:prstGeom prst="bentConnector3">
+              <a:avLst>
+                <a:gd name="adj1" fmla="val 50000"/>
+              </a:avLst>
+            </a:prstGeom>
+            <a:noFill/>
+            <a:ln w="9525">
+              <a:solidFill>
+                <a:schemeClr val="tx1"/>
+              </a:solidFill>
+              <a:miter lim="800000"/>
+              <a:headEnd/>
+              <a:tailEnd type="none" w="lg" len="lg"/>
+            </a:ln>
+          </p:spPr>
+        </p:cxnSp>
+        <p:cxnSp>
+          <p:nvCxnSpPr>
+            <p:cNvPr id="21" name="AutoShape 26">
+              <a:extLst>
+                <a:ext uri="{FF2B5EF4-FFF2-40B4-BE49-F238E27FC236}">
+                  <a16:creationId xmlns:a16="http://schemas.microsoft.com/office/drawing/2014/main" id="{F159277A-9E94-80C5-C49D-87EC77585AB0}"/>
+                </a:ext>
+              </a:extLst>
+            </p:cNvPr>
+            <p:cNvCxnSpPr>
+              <a:cxnSpLocks noChangeShapeType="1"/>
+              <a:stCxn id="16" idx="0"/>
+              <a:endCxn id="9" idx="3"/>
+            </p:cNvCxnSpPr>
+            <p:nvPr/>
+          </p:nvCxnSpPr>
+          <p:spPr bwMode="auto">
+            <a:xfrm rot="16200000" flipV="1">
+              <a:off x="7149062" y="2034601"/>
+              <a:ext cx="506409" cy="2244364"/>
+            </a:xfrm>
+            <a:prstGeom prst="bentConnector3">
+              <a:avLst>
+                <a:gd name="adj1" fmla="val 50000"/>
+              </a:avLst>
+            </a:prstGeom>
+            <a:noFill/>
+            <a:ln w="9525">
+              <a:solidFill>
+                <a:schemeClr val="tx1"/>
+              </a:solidFill>
+              <a:miter lim="800000"/>
+              <a:headEnd/>
+              <a:tailEnd type="none" w="lg" len="lg"/>
+            </a:ln>
+          </p:spPr>
+        </p:cxnSp>
+        <p:cxnSp>
+          <p:nvCxnSpPr>
+            <p:cNvPr id="22" name="Straight Connector 63">
+              <a:extLst>
+                <a:ext uri="{FF2B5EF4-FFF2-40B4-BE49-F238E27FC236}">
+                  <a16:creationId xmlns:a16="http://schemas.microsoft.com/office/drawing/2014/main" id="{BB5E5636-3C9E-F282-1472-A6F91AA164AB}"/>
+                </a:ext>
+              </a:extLst>
+            </p:cNvPr>
+            <p:cNvCxnSpPr>
+              <a:cxnSpLocks/>
+              <a:stCxn id="9" idx="3"/>
+              <a:endCxn id="7" idx="0"/>
+            </p:cNvCxnSpPr>
+            <p:nvPr/>
+          </p:nvCxnSpPr>
+          <p:spPr>
+            <a:xfrm rot="16200000" flipH="1">
+              <a:off x="6376819" y="2806842"/>
+              <a:ext cx="506409" cy="699879"/>
+            </a:xfrm>
+            <a:prstGeom prst="bentConnector3">
+              <a:avLst>
+                <a:gd name="adj1" fmla="val 50000"/>
+              </a:avLst>
+            </a:prstGeom>
+            <a:ln w="9525">
+              <a:solidFill>
+                <a:schemeClr val="tx1"/>
+              </a:solidFill>
+            </a:ln>
+          </p:spPr>
+          <p:style>
+            <a:lnRef idx="1">
+              <a:schemeClr val="accent1"/>
+            </a:lnRef>
+            <a:fillRef idx="0">
+              <a:schemeClr val="accent1"/>
+            </a:fillRef>
+            <a:effectRef idx="0">
+              <a:schemeClr val="accent1"/>
+            </a:effectRef>
+            <a:fontRef idx="minor">
+              <a:schemeClr val="tx1"/>
+            </a:fontRef>
+          </p:style>
+        </p:cxnSp>
+        <p:cxnSp>
+          <p:nvCxnSpPr>
+            <p:cNvPr id="23" name="Connector: Elbow 51">
+              <a:extLst>
+                <a:ext uri="{FF2B5EF4-FFF2-40B4-BE49-F238E27FC236}">
+                  <a16:creationId xmlns:a16="http://schemas.microsoft.com/office/drawing/2014/main" id="{E1E6F378-4F73-0EE5-5239-6CB681ED7B78}"/>
+                </a:ext>
+              </a:extLst>
+            </p:cNvPr>
+            <p:cNvCxnSpPr>
+              <a:cxnSpLocks/>
+              <a:stCxn id="24" idx="2"/>
+              <a:endCxn id="12" idx="0"/>
+            </p:cNvCxnSpPr>
+            <p:nvPr/>
+          </p:nvCxnSpPr>
+          <p:spPr>
+            <a:xfrm>
+              <a:off x="4653424" y="3148799"/>
+              <a:ext cx="7395" cy="1054784"/>
+            </a:xfrm>
+            <a:prstGeom prst="straightConnector1">
+              <a:avLst/>
+            </a:prstGeom>
+            <a:noFill/>
+            <a:ln w="9525">
+              <a:solidFill>
+                <a:schemeClr val="tx1"/>
+              </a:solidFill>
+              <a:miter lim="800000"/>
+              <a:headEnd/>
+              <a:tailEnd type="none" w="lg" len="lg"/>
+            </a:ln>
+          </p:spPr>
+        </p:cxnSp>
+        <p:sp>
+          <p:nvSpPr>
+            <p:cNvPr id="24" name="Diamond 23">
+              <a:extLst>
+                <a:ext uri="{FF2B5EF4-FFF2-40B4-BE49-F238E27FC236}">
+                  <a16:creationId xmlns:a16="http://schemas.microsoft.com/office/drawing/2014/main" id="{1797572D-ECA9-FC6E-7C02-DA447294C00F}"/>
+                </a:ext>
+              </a:extLst>
+            </p:cNvPr>
+            <p:cNvSpPr/>
+            <p:nvPr/>
+          </p:nvSpPr>
+          <p:spPr>
+            <a:xfrm>
+              <a:off x="4561984" y="2965919"/>
+              <a:ext cx="182880" cy="182880"/>
+            </a:xfrm>
+            <a:prstGeom prst="diamond">
+              <a:avLst/>
+            </a:prstGeom>
+            <a:noFill/>
+            <a:ln>
+              <a:noFill/>
+            </a:ln>
+          </p:spPr>
+          <p:style>
+            <a:lnRef idx="2">
+              <a:schemeClr val="accent1">
+                <a:shade val="15000"/>
+              </a:schemeClr>
+            </a:lnRef>
+            <a:fillRef idx="1">
+              <a:schemeClr val="accent1"/>
+            </a:fillRef>
+            <a:effectRef idx="0">
+              <a:schemeClr val="accent1"/>
+            </a:effectRef>
+            <a:fontRef idx="minor">
+              <a:schemeClr val="lt1"/>
+            </a:fontRef>
+          </p:style>
+          <p:txBody>
+            <a:bodyPr rtlCol="0" anchor="ctr"/>
+            <a:lstStyle/>
+            <a:p>
+              <a:pPr algn="ctr"/>
+              <a:endParaRPr lang="en-US"/>
+            </a:p>
+          </p:txBody>
+        </p:sp>
+        <p:cxnSp>
+          <p:nvCxnSpPr>
+            <p:cNvPr id="25" name="Connector: Elbow 51">
+              <a:extLst>
+                <a:ext uri="{FF2B5EF4-FFF2-40B4-BE49-F238E27FC236}">
+                  <a16:creationId xmlns:a16="http://schemas.microsoft.com/office/drawing/2014/main" id="{2DAC7D61-6839-45A5-0462-778375651FF6}"/>
+                </a:ext>
+              </a:extLst>
+            </p:cNvPr>
+            <p:cNvCxnSpPr>
+              <a:cxnSpLocks/>
+              <a:stCxn id="26" idx="2"/>
+              <a:endCxn id="6" idx="0"/>
+            </p:cNvCxnSpPr>
+            <p:nvPr/>
+          </p:nvCxnSpPr>
+          <p:spPr>
+            <a:xfrm flipH="1">
+              <a:off x="3283828" y="3153713"/>
+              <a:ext cx="2819" cy="1049870"/>
+            </a:xfrm>
+            <a:prstGeom prst="straightConnector1">
+              <a:avLst/>
+            </a:prstGeom>
+            <a:noFill/>
+            <a:ln w="9525">
+              <a:solidFill>
+                <a:schemeClr val="tx1"/>
+              </a:solidFill>
+              <a:miter lim="800000"/>
+              <a:headEnd/>
+              <a:tailEnd type="none" w="lg" len="lg"/>
+            </a:ln>
+          </p:spPr>
+        </p:cxnSp>
+        <p:sp>
+          <p:nvSpPr>
+            <p:cNvPr id="26" name="Diamond 25">
+              <a:extLst>
+                <a:ext uri="{FF2B5EF4-FFF2-40B4-BE49-F238E27FC236}">
+                  <a16:creationId xmlns:a16="http://schemas.microsoft.com/office/drawing/2014/main" id="{D63C4DBD-93E3-549D-653A-AD75C1ED132A}"/>
+                </a:ext>
+              </a:extLst>
+            </p:cNvPr>
+            <p:cNvSpPr/>
+            <p:nvPr/>
+          </p:nvSpPr>
+          <p:spPr>
+            <a:xfrm>
+              <a:off x="3195207" y="2970833"/>
+              <a:ext cx="182880" cy="182880"/>
+            </a:xfrm>
+            <a:prstGeom prst="diamond">
+              <a:avLst/>
+            </a:prstGeom>
+            <a:noFill/>
+            <a:ln>
+              <a:noFill/>
+            </a:ln>
+          </p:spPr>
+          <p:style>
+            <a:lnRef idx="2">
+              <a:schemeClr val="accent1">
+                <a:shade val="15000"/>
+              </a:schemeClr>
+            </a:lnRef>
+            <a:fillRef idx="1">
+              <a:schemeClr val="accent1"/>
+            </a:fillRef>
+            <a:effectRef idx="0">
+              <a:schemeClr val="accent1"/>
+            </a:effectRef>
+            <a:fontRef idx="minor">
+              <a:schemeClr val="lt1"/>
+            </a:fontRef>
+          </p:style>
+          <p:txBody>
+            <a:bodyPr rtlCol="0" anchor="ctr"/>
+            <a:lstStyle/>
+            <a:p>
+              <a:pPr algn="ctr"/>
+              <a:endParaRPr lang="en-US"/>
+            </a:p>
+          </p:txBody>
+        </p:sp>
+        <p:cxnSp>
+          <p:nvCxnSpPr>
+            <p:cNvPr id="27" name="Connector: Elbow 51">
+              <a:extLst>
+                <a:ext uri="{FF2B5EF4-FFF2-40B4-BE49-F238E27FC236}">
+                  <a16:creationId xmlns:a16="http://schemas.microsoft.com/office/drawing/2014/main" id="{9A36A899-8162-AAE2-F2AD-414F6065E348}"/>
+                </a:ext>
+              </a:extLst>
+            </p:cNvPr>
+            <p:cNvCxnSpPr>
+              <a:cxnSpLocks/>
+              <a:stCxn id="28" idx="2"/>
+              <a:endCxn id="15" idx="0"/>
+            </p:cNvCxnSpPr>
+            <p:nvPr/>
+          </p:nvCxnSpPr>
+          <p:spPr>
+            <a:xfrm flipH="1">
+              <a:off x="9281218" y="3155242"/>
+              <a:ext cx="1967" cy="1048341"/>
+            </a:xfrm>
+            <a:prstGeom prst="straightConnector1">
+              <a:avLst/>
+            </a:prstGeom>
+            <a:noFill/>
+            <a:ln w="9525">
+              <a:solidFill>
+                <a:schemeClr val="tx1"/>
+              </a:solidFill>
+              <a:miter lim="800000"/>
+              <a:headEnd/>
+              <a:tailEnd type="none" w="lg" len="lg"/>
+            </a:ln>
+          </p:spPr>
+        </p:cxnSp>
+        <p:sp>
+          <p:nvSpPr>
+            <p:cNvPr id="28" name="Diamond 27">
+              <a:extLst>
+                <a:ext uri="{FF2B5EF4-FFF2-40B4-BE49-F238E27FC236}">
+                  <a16:creationId xmlns:a16="http://schemas.microsoft.com/office/drawing/2014/main" id="{9D7FCC7A-7B43-6D42-0F57-9F813E539731}"/>
+                </a:ext>
+              </a:extLst>
+            </p:cNvPr>
+            <p:cNvSpPr/>
+            <p:nvPr/>
+          </p:nvSpPr>
+          <p:spPr>
+            <a:xfrm>
+              <a:off x="9191745" y="2972362"/>
+              <a:ext cx="182880" cy="182880"/>
+            </a:xfrm>
+            <a:prstGeom prst="diamond">
+              <a:avLst/>
+            </a:prstGeom>
+            <a:noFill/>
+            <a:ln>
+              <a:noFill/>
+            </a:ln>
+          </p:spPr>
+          <p:style>
+            <a:lnRef idx="2">
+              <a:schemeClr val="accent1">
+                <a:shade val="15000"/>
+              </a:schemeClr>
+            </a:lnRef>
+            <a:fillRef idx="1">
+              <a:schemeClr val="accent1"/>
+            </a:fillRef>
+            <a:effectRef idx="0">
+              <a:schemeClr val="accent1"/>
+            </a:effectRef>
+            <a:fontRef idx="minor">
+              <a:schemeClr val="lt1"/>
+            </a:fontRef>
+          </p:style>
+          <p:txBody>
+            <a:bodyPr rtlCol="0" anchor="ctr"/>
+            <a:lstStyle/>
+            <a:p>
+              <a:pPr algn="ctr"/>
+              <a:endParaRPr lang="en-US"/>
+            </a:p>
+          </p:txBody>
+        </p:sp>
+        <p:sp>
+          <p:nvSpPr>
+            <p:cNvPr id="29" name="Isosceles Triangle 28">
+              <a:extLst>
+                <a:ext uri="{FF2B5EF4-FFF2-40B4-BE49-F238E27FC236}">
+                  <a16:creationId xmlns:a16="http://schemas.microsoft.com/office/drawing/2014/main" id="{D726587D-FEC2-EAFE-A6DE-45C493BBBC2C}"/>
+                </a:ext>
+              </a:extLst>
+            </p:cNvPr>
+            <p:cNvSpPr/>
+            <p:nvPr/>
+          </p:nvSpPr>
+          <p:spPr bwMode="auto">
+            <a:xfrm>
+              <a:off x="6897667" y="3758905"/>
+              <a:ext cx="164592" cy="164592"/>
+            </a:xfrm>
+            <a:prstGeom prst="triangle">
+              <a:avLst/>
+            </a:prstGeom>
+            <a:noFill/>
+            <a:ln w="9525" cap="flat" cmpd="sng" algn="ctr">
+              <a:solidFill>
+                <a:schemeClr val="tx1"/>
+              </a:solidFill>
+              <a:prstDash val="solid"/>
+              <a:round/>
+              <a:headEnd type="none" w="med" len="med"/>
+              <a:tailEnd type="none" w="med" len="med"/>
+            </a:ln>
+            <a:effectLst/>
+          </p:spPr>
+          <p:txBody>
+            <a:bodyPr vert="horz" wrap="none" lIns="92075" tIns="46038" rIns="92075" bIns="46038" numCol="1" rtlCol="0" anchor="ctr" anchorCtr="0" compatLnSpc="1">
+              <a:prstTxWarp prst="textNoShape">
+                <a:avLst/>
+              </a:prstTxWarp>
+            </a:bodyPr>
+            <a:lstStyle/>
+            <a:p>
+              <a:pPr marL="0" marR="0" lvl="0" indent="0" algn="ctr" defTabSz="914400" eaLnBrk="0" fontAlgn="base" latinLnBrk="0" hangingPunct="0">
+                <a:lnSpc>
+                  <a:spcPct val="100000"/>
+                </a:lnSpc>
+                <a:spcBef>
+                  <a:spcPct val="0"/>
+                </a:spcBef>
+                <a:spcAft>
+                  <a:spcPct val="0"/>
+                </a:spcAft>
+                <a:buClrTx/>
+                <a:buSzTx/>
+                <a:buFontTx/>
+                <a:buNone/>
+                <a:tabLst/>
+                <a:defRPr/>
+              </a:pPr>
+              <a:endParaRPr kumimoji="0" lang="en-US" sz="2400" b="0" i="0" u="none" strike="noStrike" kern="0" cap="none" spc="0" normalizeH="0" baseline="0" noProof="0">
+                <a:ln>
+                  <a:noFill/>
+                </a:ln>
+                <a:effectLst/>
+                <a:uLnTx/>
+                <a:uFillTx/>
+                <a:latin typeface="Arial" charset="0"/>
+              </a:endParaRPr>
+            </a:p>
+          </p:txBody>
+        </p:sp>
+        <p:cxnSp>
+          <p:nvCxnSpPr>
+            <p:cNvPr id="30" name="Straight Connector 29">
+              <a:extLst>
+                <a:ext uri="{FF2B5EF4-FFF2-40B4-BE49-F238E27FC236}">
+                  <a16:creationId xmlns:a16="http://schemas.microsoft.com/office/drawing/2014/main" id="{BEE1C26F-4349-FB13-35BB-2954F206FF9B}"/>
+                </a:ext>
+              </a:extLst>
+            </p:cNvPr>
+            <p:cNvCxnSpPr>
+              <a:stCxn id="29" idx="3"/>
+              <a:endCxn id="14" idx="0"/>
+            </p:cNvCxnSpPr>
+            <p:nvPr/>
+          </p:nvCxnSpPr>
+          <p:spPr>
+            <a:xfrm>
+              <a:off x="6979963" y="3923497"/>
+              <a:ext cx="1" cy="280086"/>
+            </a:xfrm>
+            <a:prstGeom prst="line">
+              <a:avLst/>
+            </a:prstGeom>
+            <a:ln w="9525">
+              <a:solidFill>
+                <a:schemeClr val="tx1"/>
+              </a:solidFill>
+            </a:ln>
+          </p:spPr>
+          <p:style>
+            <a:lnRef idx="1">
+              <a:schemeClr val="accent1"/>
+            </a:lnRef>
+            <a:fillRef idx="0">
+              <a:schemeClr val="accent1"/>
+            </a:fillRef>
+            <a:effectRef idx="0">
+              <a:schemeClr val="accent1"/>
+            </a:effectRef>
+            <a:fontRef idx="minor">
+              <a:schemeClr val="tx1"/>
+            </a:fontRef>
+          </p:style>
+        </p:cxnSp>
+        <p:cxnSp>
+          <p:nvCxnSpPr>
+            <p:cNvPr id="31" name="Connector: Elbow 30">
+              <a:extLst>
+                <a:ext uri="{FF2B5EF4-FFF2-40B4-BE49-F238E27FC236}">
+                  <a16:creationId xmlns:a16="http://schemas.microsoft.com/office/drawing/2014/main" id="{60FCC79F-196B-D169-97B2-D3B71F562523}"/>
+                </a:ext>
+              </a:extLst>
+            </p:cNvPr>
+            <p:cNvCxnSpPr>
+              <a:stCxn id="9" idx="3"/>
+              <a:endCxn id="17" idx="0"/>
+            </p:cNvCxnSpPr>
+            <p:nvPr/>
+          </p:nvCxnSpPr>
+          <p:spPr>
+            <a:xfrm rot="16200000" flipH="1">
+              <a:off x="7937660" y="1246001"/>
+              <a:ext cx="506409" cy="3821561"/>
+            </a:xfrm>
+            <a:prstGeom prst="bentConnector3">
+              <a:avLst/>
+            </a:prstGeom>
+            <a:ln w="9525">
+              <a:solidFill>
+                <a:schemeClr val="tx1"/>
+              </a:solidFill>
+            </a:ln>
+          </p:spPr>
+          <p:style>
+            <a:lnRef idx="1">
+              <a:schemeClr val="accent1"/>
+            </a:lnRef>
+            <a:fillRef idx="0">
+              <a:schemeClr val="accent1"/>
+            </a:fillRef>
+            <a:effectRef idx="0">
+              <a:schemeClr val="accent1"/>
+            </a:effectRef>
+            <a:fontRef idx="minor">
+              <a:schemeClr val="tx1"/>
+            </a:fontRef>
+          </p:style>
+        </p:cxnSp>
+      </p:grpSp>
+    </p:spTree>
+    <p:extLst>
+      <p:ext uri="{BB962C8B-B14F-4D97-AF65-F5344CB8AC3E}">
+        <p14:creationId xmlns:p14="http://schemas.microsoft.com/office/powerpoint/2010/main" val="3215072955"/>
+      </p:ext>
+    </p:extLst>
+  </p:cSld>
+  <p:clrMapOvr>
+    <a:masterClrMapping/>
+  </p:clrMapOvr>
+</p:sld>
+</file>
+
+<file path=ppt/slides/slide73.xml><?xml version="1.0" encoding="utf-8"?>
+<p:sld xmlns:a="http://schemas.openxmlformats.org/drawingml/2006/main" xmlns:r="http://schemas.openxmlformats.org/officeDocument/2006/relationships" xmlns:p="http://schemas.openxmlformats.org/presentationml/2006/main">
+  <p:cSld>
+    <p:spTree>
+      <p:nvGrpSpPr>
+        <p:cNvPr id="1" name="">
+          <a:extLst>
+            <a:ext uri="{FF2B5EF4-FFF2-40B4-BE49-F238E27FC236}">
+              <a16:creationId xmlns:a16="http://schemas.microsoft.com/office/drawing/2014/main" id="{3220724D-1E9D-831A-A7A4-451D4AC9B551}"/>
+            </a:ext>
+          </a:extLst>
+        </p:cNvPr>
+        <p:cNvGrpSpPr/>
+        <p:nvPr/>
+      </p:nvGrpSpPr>
+      <p:grpSpPr>
+        <a:xfrm>
+          <a:off x="0" y="0"/>
+          <a:ext cx="0" cy="0"/>
+          <a:chOff x="0" y="0"/>
+          <a:chExt cx="0" cy="0"/>
+        </a:xfrm>
+      </p:grpSpPr>
+      <p:sp>
+        <p:nvSpPr>
+          <p:cNvPr id="10" name="Title 9">
+            <a:extLst>
+              <a:ext uri="{FF2B5EF4-FFF2-40B4-BE49-F238E27FC236}">
+                <a16:creationId xmlns:a16="http://schemas.microsoft.com/office/drawing/2014/main" id="{E0BD47F5-E3AF-54E8-794B-FDA154676D66}"/>
+              </a:ext>
+            </a:extLst>
+          </p:cNvPr>
+          <p:cNvSpPr>
+            <a:spLocks noGrp="1"/>
+          </p:cNvSpPr>
+          <p:nvPr>
+            <p:ph type="title"/>
+          </p:nvPr>
+        </p:nvSpPr>
+        <p:spPr>
+          <a:xfrm>
+            <a:off x="892368" y="46727"/>
+            <a:ext cx="7315200" cy="1004887"/>
+          </a:xfrm>
+        </p:spPr>
+        <p:txBody>
+          <a:bodyPr/>
+          <a:lstStyle/>
+          <a:p>
+            <a:r>
+              <a:rPr lang="en-US" dirty="0"/>
+              <a:t>Inheritance Hierarchy for Expressions</a:t>
+            </a:r>
+          </a:p>
+        </p:txBody>
+      </p:sp>
+      <p:sp>
+        <p:nvSpPr>
+          <p:cNvPr id="4" name="Footer Placeholder 3">
+            <a:extLst>
+              <a:ext uri="{FF2B5EF4-FFF2-40B4-BE49-F238E27FC236}">
+                <a16:creationId xmlns:a16="http://schemas.microsoft.com/office/drawing/2014/main" id="{973D07EC-C187-6860-19EF-571BE252AD39}"/>
+              </a:ext>
+            </a:extLst>
+          </p:cNvPr>
+          <p:cNvSpPr>
+            <a:spLocks noGrp="1"/>
+          </p:cNvSpPr>
+          <p:nvPr>
+            <p:ph type="ftr" sz="quarter" idx="10"/>
+          </p:nvPr>
+        </p:nvSpPr>
+        <p:spPr/>
+        <p:txBody>
+          <a:bodyPr/>
+          <a:lstStyle/>
+          <a:p>
+            <a:r>
+              <a:rPr lang="en-US"/>
+              <a:t>©SoftMoore Consulting</a:t>
+            </a:r>
+            <a:endParaRPr lang="en-US" dirty="0"/>
+          </a:p>
+        </p:txBody>
+      </p:sp>
+      <p:sp>
+        <p:nvSpPr>
+          <p:cNvPr id="5" name="Slide Number Placeholder 4">
+            <a:extLst>
+              <a:ext uri="{FF2B5EF4-FFF2-40B4-BE49-F238E27FC236}">
+                <a16:creationId xmlns:a16="http://schemas.microsoft.com/office/drawing/2014/main" id="{129F3D3B-A9CA-A7AC-8C88-E882070FB295}"/>
+              </a:ext>
+            </a:extLst>
+          </p:cNvPr>
+          <p:cNvSpPr>
+            <a:spLocks noGrp="1"/>
+          </p:cNvSpPr>
+          <p:nvPr>
+            <p:ph type="sldNum" sz="quarter" idx="11"/>
+          </p:nvPr>
+        </p:nvSpPr>
+        <p:spPr/>
+        <p:txBody>
+          <a:bodyPr/>
+          <a:lstStyle/>
+          <a:p>
+            <a:r>
+              <a:rPr lang="en-US"/>
+              <a:t>Slide </a:t>
+            </a:r>
+            <a:fld id="{A413A2F6-7BFD-463C-B63A-922040FAF32C}" type="slidenum">
+              <a:rPr lang="en-US" smtClean="0"/>
+              <a:pPr/>
+              <a:t>73</a:t>
+            </a:fld>
+            <a:endParaRPr lang="en-US" dirty="0"/>
+          </a:p>
+        </p:txBody>
+      </p:sp>
+      <p:grpSp>
+        <p:nvGrpSpPr>
+          <p:cNvPr id="2" name="Group 1">
+            <a:extLst>
+              <a:ext uri="{FF2B5EF4-FFF2-40B4-BE49-F238E27FC236}">
+                <a16:creationId xmlns:a16="http://schemas.microsoft.com/office/drawing/2014/main" id="{658CC212-85BD-1E0A-7F75-7A90A62B286B}"/>
+              </a:ext>
+            </a:extLst>
+          </p:cNvPr>
+          <p:cNvGrpSpPr/>
+          <p:nvPr/>
+        </p:nvGrpSpPr>
+        <p:grpSpPr>
+          <a:xfrm>
+            <a:off x="137160" y="1905000"/>
+            <a:ext cx="8869680" cy="2464959"/>
+            <a:chOff x="1952354" y="2196521"/>
+            <a:chExt cx="9191532" cy="2464959"/>
+          </a:xfrm>
+        </p:grpSpPr>
+        <p:sp>
+          <p:nvSpPr>
+            <p:cNvPr id="3" name="Rectangle 13">
+              <a:extLst>
+                <a:ext uri="{FF2B5EF4-FFF2-40B4-BE49-F238E27FC236}">
+                  <a16:creationId xmlns:a16="http://schemas.microsoft.com/office/drawing/2014/main" id="{6FCEDF5D-4B3C-8A45-19BD-BC176FC45D60}"/>
+                </a:ext>
+              </a:extLst>
+            </p:cNvPr>
+            <p:cNvSpPr>
+              <a:spLocks noChangeArrowheads="1"/>
+            </p:cNvSpPr>
+            <p:nvPr/>
+          </p:nvSpPr>
+          <p:spPr bwMode="auto">
+            <a:xfrm>
+              <a:off x="6222695" y="2196521"/>
+              <a:ext cx="1199047" cy="339196"/>
+            </a:xfrm>
+            <a:prstGeom prst="rect">
+              <a:avLst/>
+            </a:prstGeom>
+            <a:noFill/>
+            <a:ln w="9525">
+              <a:solidFill>
+                <a:schemeClr val="tx1"/>
+              </a:solidFill>
+              <a:miter lim="800000"/>
+              <a:headEnd/>
+              <a:tailEnd/>
+            </a:ln>
+          </p:spPr>
+          <p:txBody>
+            <a:bodyPr wrap="none" lIns="92075" tIns="46038" rIns="92075" bIns="46038" anchor="ctr">
+              <a:spAutoFit/>
+            </a:bodyPr>
+            <a:lstStyle/>
+            <a:p>
+              <a:pPr marL="0" marR="0" lvl="0" indent="0" algn="ctr" defTabSz="914400" eaLnBrk="0" fontAlgn="base" latinLnBrk="0" hangingPunct="0">
+                <a:lnSpc>
+                  <a:spcPct val="100000"/>
+                </a:lnSpc>
+                <a:spcBef>
+                  <a:spcPct val="0"/>
+                </a:spcBef>
+                <a:spcAft>
+                  <a:spcPct val="0"/>
+                </a:spcAft>
+                <a:buClrTx/>
+                <a:buSzTx/>
+                <a:buFontTx/>
+                <a:buNone/>
+                <a:tabLst/>
+                <a:defRPr/>
+              </a:pPr>
+              <a:r>
+                <a:rPr kumimoji="0" lang="en-US" sz="1600" b="0" i="1" u="none" strike="noStrike" kern="0" cap="none" spc="0" normalizeH="0" baseline="0" noProof="0" dirty="0">
+                  <a:ln>
+                    <a:noFill/>
+                  </a:ln>
+                  <a:effectLst/>
+                  <a:uLnTx/>
+                  <a:uFillTx/>
+                  <a:latin typeface="Arial"/>
+                </a:rPr>
+                <a:t>Expression</a:t>
+              </a:r>
+            </a:p>
+          </p:txBody>
+        </p:sp>
+        <p:sp>
+          <p:nvSpPr>
+            <p:cNvPr id="6" name="Text Box 15">
+              <a:extLst>
+                <a:ext uri="{FF2B5EF4-FFF2-40B4-BE49-F238E27FC236}">
+                  <a16:creationId xmlns:a16="http://schemas.microsoft.com/office/drawing/2014/main" id="{E5B948EF-1892-0437-6BEC-194C402495B1}"/>
+                </a:ext>
+              </a:extLst>
+            </p:cNvPr>
+            <p:cNvSpPr txBox="1">
+              <a:spLocks noChangeArrowheads="1"/>
+            </p:cNvSpPr>
+            <p:nvPr/>
+          </p:nvSpPr>
+          <p:spPr bwMode="auto">
+            <a:xfrm>
+              <a:off x="1952354" y="4322284"/>
+              <a:ext cx="1243931" cy="339196"/>
+            </a:xfrm>
+            <a:prstGeom prst="rect">
+              <a:avLst/>
+            </a:prstGeom>
+            <a:noFill/>
+            <a:ln w="9525">
+              <a:solidFill>
+                <a:schemeClr val="tx1"/>
+              </a:solidFill>
+              <a:miter lim="800000"/>
+              <a:headEnd/>
+              <a:tailEnd/>
+            </a:ln>
+          </p:spPr>
+          <p:txBody>
+            <a:bodyPr wrap="none" lIns="92075" tIns="46038" rIns="92075" bIns="46038" anchor="ctr">
+              <a:spAutoFit/>
+            </a:bodyPr>
+            <a:lstStyle/>
+            <a:p>
+              <a:pPr marL="0" marR="0" lvl="0" indent="0" algn="ctr" defTabSz="914400" eaLnBrk="0" fontAlgn="base" latinLnBrk="0" hangingPunct="0">
+                <a:lnSpc>
+                  <a:spcPct val="100000"/>
+                </a:lnSpc>
+                <a:spcBef>
+                  <a:spcPct val="50000"/>
+                </a:spcBef>
+                <a:spcAft>
+                  <a:spcPct val="0"/>
+                </a:spcAft>
+                <a:buClrTx/>
+                <a:buSzTx/>
+                <a:buFontTx/>
+                <a:buNone/>
+                <a:tabLst/>
+                <a:defRPr/>
+              </a:pPr>
+              <a:r>
+                <a:rPr kumimoji="0" lang="en-US" sz="1600" b="0" i="0" u="none" strike="noStrike" kern="0" cap="none" spc="0" normalizeH="0" baseline="0" noProof="0" dirty="0" err="1">
+                  <a:ln>
+                    <a:noFill/>
+                  </a:ln>
+                  <a:effectLst/>
+                  <a:uLnTx/>
+                  <a:uFillTx/>
+                  <a:latin typeface="Arial"/>
+                </a:rPr>
+                <a:t>AddingExpr</a:t>
+              </a:r>
+              <a:endParaRPr kumimoji="0" lang="en-US" sz="1600" b="0" i="0" u="none" strike="noStrike" kern="0" cap="none" spc="0" normalizeH="0" baseline="0" noProof="0" dirty="0">
+                <a:ln>
+                  <a:noFill/>
+                </a:ln>
+                <a:effectLst/>
+                <a:uLnTx/>
+                <a:uFillTx/>
+                <a:latin typeface="Arial"/>
+              </a:endParaRPr>
+            </a:p>
+          </p:txBody>
+        </p:sp>
+        <p:sp>
+          <p:nvSpPr>
+            <p:cNvPr id="7" name="Text Box 16">
+              <a:extLst>
+                <a:ext uri="{FF2B5EF4-FFF2-40B4-BE49-F238E27FC236}">
+                  <a16:creationId xmlns:a16="http://schemas.microsoft.com/office/drawing/2014/main" id="{6376F79C-6652-8D39-8CCB-2F51EB3757BC}"/>
+                </a:ext>
+              </a:extLst>
+            </p:cNvPr>
+            <p:cNvSpPr txBox="1">
+              <a:spLocks noChangeArrowheads="1"/>
+            </p:cNvSpPr>
+            <p:nvPr/>
+          </p:nvSpPr>
+          <p:spPr bwMode="auto">
+            <a:xfrm>
+              <a:off x="6421426" y="4322284"/>
+              <a:ext cx="1516442" cy="339196"/>
+            </a:xfrm>
+            <a:prstGeom prst="rect">
+              <a:avLst/>
+            </a:prstGeom>
+            <a:noFill/>
+            <a:ln w="9525">
+              <a:solidFill>
+                <a:schemeClr val="tx1"/>
+              </a:solidFill>
+              <a:miter lim="800000"/>
+              <a:headEnd/>
+              <a:tailEnd/>
+            </a:ln>
+          </p:spPr>
+          <p:txBody>
+            <a:bodyPr wrap="none" lIns="92075" tIns="46038" rIns="92075" bIns="46038" anchor="ctr">
+              <a:spAutoFit/>
+            </a:bodyPr>
+            <a:lstStyle/>
+            <a:p>
+              <a:pPr marL="0" marR="0" lvl="0" indent="0" algn="ctr" defTabSz="914400" eaLnBrk="0" fontAlgn="base" latinLnBrk="0" hangingPunct="0">
+                <a:lnSpc>
+                  <a:spcPct val="100000"/>
+                </a:lnSpc>
+                <a:spcBef>
+                  <a:spcPct val="50000"/>
+                </a:spcBef>
+                <a:spcAft>
+                  <a:spcPct val="0"/>
+                </a:spcAft>
+                <a:buClrTx/>
+                <a:buSzTx/>
+                <a:buFontTx/>
+                <a:buNone/>
+                <a:tabLst/>
+                <a:defRPr/>
+              </a:pPr>
+              <a:r>
+                <a:rPr kumimoji="0" lang="en-US" sz="1600" b="0" i="0" u="none" strike="noStrike" kern="0" cap="none" spc="0" normalizeH="0" baseline="0" noProof="0" dirty="0" err="1">
+                  <a:ln>
+                    <a:noFill/>
+                  </a:ln>
+                  <a:effectLst/>
+                  <a:uLnTx/>
+                  <a:uFillTx/>
+                  <a:latin typeface="Arial"/>
+                </a:rPr>
+                <a:t>RelationalExpr</a:t>
+              </a:r>
+              <a:endParaRPr kumimoji="0" lang="en-US" sz="1600" b="0" i="0" u="none" strike="noStrike" kern="0" cap="none" spc="0" normalizeH="0" baseline="0" noProof="0" dirty="0">
+                <a:ln>
+                  <a:noFill/>
+                </a:ln>
+                <a:effectLst/>
+                <a:uLnTx/>
+                <a:uFillTx/>
+                <a:latin typeface="Arial"/>
+              </a:endParaRPr>
+            </a:p>
+          </p:txBody>
+        </p:sp>
+        <p:sp>
+          <p:nvSpPr>
+            <p:cNvPr id="8" name="Text Box 24">
+              <a:extLst>
+                <a:ext uri="{FF2B5EF4-FFF2-40B4-BE49-F238E27FC236}">
+                  <a16:creationId xmlns:a16="http://schemas.microsoft.com/office/drawing/2014/main" id="{123304AB-EF08-150E-054B-B7B104C006AA}"/>
+                </a:ext>
+              </a:extLst>
+            </p:cNvPr>
+            <p:cNvSpPr txBox="1">
+              <a:spLocks noChangeArrowheads="1"/>
+            </p:cNvSpPr>
+            <p:nvPr/>
+          </p:nvSpPr>
+          <p:spPr bwMode="auto">
+            <a:xfrm>
+              <a:off x="2790416" y="3276665"/>
+              <a:ext cx="1243930" cy="339196"/>
+            </a:xfrm>
+            <a:prstGeom prst="rect">
+              <a:avLst/>
+            </a:prstGeom>
+            <a:noFill/>
+            <a:ln w="9525">
+              <a:solidFill>
+                <a:schemeClr val="tx1"/>
+              </a:solidFill>
+              <a:miter lim="800000"/>
+              <a:headEnd/>
+              <a:tailEnd/>
+            </a:ln>
+          </p:spPr>
+          <p:txBody>
+            <a:bodyPr wrap="none" lIns="92075" tIns="46038" rIns="92075" bIns="46038" anchor="ctr">
+              <a:spAutoFit/>
+            </a:bodyPr>
+            <a:lstStyle/>
+            <a:p>
+              <a:pPr marL="0" marR="0" lvl="0" indent="0" algn="ctr" defTabSz="914400" eaLnBrk="0" fontAlgn="base" latinLnBrk="0" hangingPunct="0">
+                <a:lnSpc>
+                  <a:spcPct val="100000"/>
+                </a:lnSpc>
+                <a:spcBef>
+                  <a:spcPct val="50000"/>
+                </a:spcBef>
+                <a:spcAft>
+                  <a:spcPct val="0"/>
+                </a:spcAft>
+                <a:buClrTx/>
+                <a:buSzTx/>
+                <a:buFontTx/>
+                <a:buNone/>
+                <a:tabLst/>
+                <a:defRPr/>
+              </a:pPr>
+              <a:r>
+                <a:rPr lang="en-US" sz="1600" kern="0" dirty="0">
+                  <a:latin typeface="Arial"/>
+                </a:rPr>
+                <a:t>ConstValue</a:t>
+              </a:r>
+              <a:endParaRPr kumimoji="0" lang="en-US" sz="1600" b="0" i="0" u="none" strike="noStrike" kern="0" cap="none" spc="0" normalizeH="0" baseline="0" noProof="0" dirty="0">
+                <a:ln>
+                  <a:noFill/>
+                </a:ln>
+                <a:effectLst/>
+                <a:uLnTx/>
+                <a:uFillTx/>
+                <a:latin typeface="Arial"/>
+              </a:endParaRPr>
+            </a:p>
+          </p:txBody>
+        </p:sp>
+        <p:cxnSp>
+          <p:nvCxnSpPr>
+            <p:cNvPr id="9" name="AutoShape 27">
+              <a:extLst>
+                <a:ext uri="{FF2B5EF4-FFF2-40B4-BE49-F238E27FC236}">
+                  <a16:creationId xmlns:a16="http://schemas.microsoft.com/office/drawing/2014/main" id="{67BC281A-9217-D4E4-68AE-33CA9C5435B8}"/>
+                </a:ext>
+              </a:extLst>
+            </p:cNvPr>
+            <p:cNvCxnSpPr>
+              <a:cxnSpLocks noChangeShapeType="1"/>
+              <a:stCxn id="14" idx="0"/>
+              <a:endCxn id="15" idx="3"/>
+            </p:cNvCxnSpPr>
+            <p:nvPr/>
+          </p:nvCxnSpPr>
+          <p:spPr bwMode="auto">
+            <a:xfrm rot="5400000" flipH="1" flipV="1">
+              <a:off x="5542239" y="1996686"/>
+              <a:ext cx="573473" cy="1986486"/>
+            </a:xfrm>
+            <a:prstGeom prst="bentConnector3">
+              <a:avLst>
+                <a:gd name="adj1" fmla="val 50000"/>
+              </a:avLst>
+            </a:prstGeom>
+            <a:noFill/>
+            <a:ln w="9525">
+              <a:solidFill>
+                <a:schemeClr val="tx1"/>
+              </a:solidFill>
+              <a:miter lim="800000"/>
+              <a:headEnd/>
+              <a:tailEnd type="none" w="lg" len="lg"/>
+            </a:ln>
+          </p:spPr>
+        </p:cxnSp>
+        <p:cxnSp>
+          <p:nvCxnSpPr>
+            <p:cNvPr id="11" name="AutoShape 28">
+              <a:extLst>
+                <a:ext uri="{FF2B5EF4-FFF2-40B4-BE49-F238E27FC236}">
+                  <a16:creationId xmlns:a16="http://schemas.microsoft.com/office/drawing/2014/main" id="{1D8414F7-0841-98F2-2690-C25D28B74021}"/>
+                </a:ext>
+              </a:extLst>
+            </p:cNvPr>
+            <p:cNvCxnSpPr>
+              <a:cxnSpLocks noChangeShapeType="1"/>
+              <a:stCxn id="8" idx="0"/>
+              <a:endCxn id="15" idx="3"/>
+            </p:cNvCxnSpPr>
+            <p:nvPr/>
+          </p:nvCxnSpPr>
+          <p:spPr bwMode="auto">
+            <a:xfrm rot="5400000" flipH="1" flipV="1">
+              <a:off x="4830563" y="1285011"/>
+              <a:ext cx="573473" cy="3409837"/>
+            </a:xfrm>
+            <a:prstGeom prst="bentConnector3">
+              <a:avLst>
+                <a:gd name="adj1" fmla="val 50000"/>
+              </a:avLst>
+            </a:prstGeom>
+            <a:noFill/>
+            <a:ln w="9525">
+              <a:solidFill>
+                <a:schemeClr val="tx1"/>
+              </a:solidFill>
+              <a:miter lim="800000"/>
+              <a:headEnd/>
+              <a:tailEnd type="none" w="lg" len="lg"/>
+            </a:ln>
+          </p:spPr>
+        </p:cxnSp>
+        <p:cxnSp>
+          <p:nvCxnSpPr>
+            <p:cNvPr id="12" name="AutoShape 29">
+              <a:extLst>
+                <a:ext uri="{FF2B5EF4-FFF2-40B4-BE49-F238E27FC236}">
+                  <a16:creationId xmlns:a16="http://schemas.microsoft.com/office/drawing/2014/main" id="{721EA430-0768-9F85-1FCB-847762EDB144}"/>
+                </a:ext>
+              </a:extLst>
+            </p:cNvPr>
+            <p:cNvCxnSpPr>
+              <a:cxnSpLocks noChangeShapeType="1"/>
+              <a:stCxn id="6" idx="0"/>
+              <a:endCxn id="16" idx="3"/>
+            </p:cNvCxnSpPr>
+            <p:nvPr/>
+          </p:nvCxnSpPr>
+          <p:spPr bwMode="auto">
+            <a:xfrm rot="5400000" flipH="1" flipV="1">
+              <a:off x="3437295" y="2923847"/>
+              <a:ext cx="535462" cy="2261412"/>
+            </a:xfrm>
+            <a:prstGeom prst="bentConnector3">
+              <a:avLst>
+                <a:gd name="adj1" fmla="val 50000"/>
+              </a:avLst>
+            </a:prstGeom>
+            <a:noFill/>
+            <a:ln w="9525">
+              <a:solidFill>
+                <a:schemeClr val="tx1"/>
+              </a:solidFill>
+              <a:miter lim="800000"/>
+              <a:headEnd/>
+              <a:tailEnd type="none" w="lg" len="lg"/>
+            </a:ln>
+          </p:spPr>
+        </p:cxnSp>
+        <p:cxnSp>
+          <p:nvCxnSpPr>
+            <p:cNvPr id="13" name="AutoShape 30">
+              <a:extLst>
+                <a:ext uri="{FF2B5EF4-FFF2-40B4-BE49-F238E27FC236}">
+                  <a16:creationId xmlns:a16="http://schemas.microsoft.com/office/drawing/2014/main" id="{958C989D-E463-589A-8523-0074B532C300}"/>
+                </a:ext>
+              </a:extLst>
+            </p:cNvPr>
+            <p:cNvCxnSpPr>
+              <a:cxnSpLocks noChangeShapeType="1"/>
+              <a:stCxn id="7" idx="0"/>
+              <a:endCxn id="16" idx="3"/>
+            </p:cNvCxnSpPr>
+            <p:nvPr/>
+          </p:nvCxnSpPr>
+          <p:spPr bwMode="auto">
+            <a:xfrm rot="16200000" flipV="1">
+              <a:off x="5739959" y="2882595"/>
+              <a:ext cx="535462" cy="2343915"/>
+            </a:xfrm>
+            <a:prstGeom prst="bentConnector3">
+              <a:avLst>
+                <a:gd name="adj1" fmla="val 50000"/>
+              </a:avLst>
+            </a:prstGeom>
+            <a:noFill/>
+            <a:ln w="9525">
+              <a:solidFill>
+                <a:schemeClr val="tx1"/>
+              </a:solidFill>
+              <a:miter lim="800000"/>
+              <a:headEnd/>
+              <a:tailEnd type="none" w="lg" len="lg"/>
+            </a:ln>
+          </p:spPr>
+        </p:cxnSp>
+        <p:sp>
+          <p:nvSpPr>
+            <p:cNvPr id="14" name="Rectangle 14">
+              <a:extLst>
+                <a:ext uri="{FF2B5EF4-FFF2-40B4-BE49-F238E27FC236}">
+                  <a16:creationId xmlns:a16="http://schemas.microsoft.com/office/drawing/2014/main" id="{09BE035F-6EDC-38A2-6BFA-55A551B68A17}"/>
+                </a:ext>
+              </a:extLst>
+            </p:cNvPr>
+            <p:cNvSpPr>
+              <a:spLocks noChangeArrowheads="1"/>
+            </p:cNvSpPr>
+            <p:nvPr/>
+          </p:nvSpPr>
+          <p:spPr bwMode="auto">
+            <a:xfrm>
+              <a:off x="4241819" y="3276665"/>
+              <a:ext cx="1187826" cy="339196"/>
+            </a:xfrm>
+            <a:prstGeom prst="rect">
+              <a:avLst/>
+            </a:prstGeom>
+            <a:noFill/>
+            <a:ln w="9525">
+              <a:solidFill>
+                <a:schemeClr val="tx1"/>
+              </a:solidFill>
+              <a:miter lim="800000"/>
+              <a:headEnd/>
+              <a:tailEnd/>
+            </a:ln>
+          </p:spPr>
+          <p:txBody>
+            <a:bodyPr wrap="none" lIns="92075" tIns="46038" rIns="92075" bIns="46038" anchor="ctr">
+              <a:spAutoFit/>
+            </a:bodyPr>
+            <a:lstStyle/>
+            <a:p>
+              <a:pPr marL="0" marR="0" lvl="0" indent="0" algn="ctr" defTabSz="914400" eaLnBrk="0" fontAlgn="base" latinLnBrk="0" hangingPunct="0">
+                <a:lnSpc>
+                  <a:spcPct val="100000"/>
+                </a:lnSpc>
+                <a:spcBef>
+                  <a:spcPct val="0"/>
+                </a:spcBef>
+                <a:spcAft>
+                  <a:spcPct val="0"/>
+                </a:spcAft>
+                <a:buClrTx/>
+                <a:buSzTx/>
+                <a:buFontTx/>
+                <a:buNone/>
+                <a:tabLst/>
+                <a:defRPr/>
+              </a:pPr>
+              <a:r>
+                <a:rPr kumimoji="0" lang="en-US" sz="1600" b="0" i="1" u="none" strike="noStrike" kern="0" cap="none" spc="0" normalizeH="0" baseline="0" noProof="0" dirty="0" err="1">
+                  <a:ln>
+                    <a:noFill/>
+                  </a:ln>
+                  <a:effectLst/>
+                  <a:uLnTx/>
+                  <a:uFillTx/>
+                  <a:latin typeface="Arial"/>
+                </a:rPr>
+                <a:t>BinaryExpr</a:t>
+              </a:r>
+              <a:endParaRPr kumimoji="0" lang="en-US" sz="1600" b="0" i="1" u="none" strike="noStrike" kern="0" cap="none" spc="0" normalizeH="0" baseline="0" noProof="0" dirty="0">
+                <a:ln>
+                  <a:noFill/>
+                </a:ln>
+                <a:effectLst/>
+                <a:uLnTx/>
+                <a:uFillTx/>
+                <a:latin typeface="Arial"/>
+              </a:endParaRPr>
+            </a:p>
+          </p:txBody>
+        </p:sp>
+        <p:sp>
+          <p:nvSpPr>
+            <p:cNvPr id="15" name="Isosceles Triangle 14">
+              <a:extLst>
+                <a:ext uri="{FF2B5EF4-FFF2-40B4-BE49-F238E27FC236}">
+                  <a16:creationId xmlns:a16="http://schemas.microsoft.com/office/drawing/2014/main" id="{37C9220F-BBBE-EC3B-C5C8-73B7C708A4CF}"/>
+                </a:ext>
+              </a:extLst>
+            </p:cNvPr>
+            <p:cNvSpPr/>
+            <p:nvPr/>
+          </p:nvSpPr>
+          <p:spPr bwMode="auto">
+            <a:xfrm>
+              <a:off x="6739922" y="2538600"/>
+              <a:ext cx="164592" cy="164592"/>
+            </a:xfrm>
+            <a:prstGeom prst="triangle">
+              <a:avLst/>
+            </a:prstGeom>
+            <a:noFill/>
+            <a:ln w="9525" cap="flat" cmpd="sng" algn="ctr">
+              <a:solidFill>
+                <a:schemeClr val="tx1"/>
+              </a:solidFill>
+              <a:prstDash val="solid"/>
+              <a:round/>
+              <a:headEnd type="none" w="med" len="med"/>
+              <a:tailEnd type="none" w="med" len="med"/>
+            </a:ln>
+            <a:effectLst/>
+          </p:spPr>
+          <p:txBody>
+            <a:bodyPr vert="horz" wrap="none" lIns="92075" tIns="46038" rIns="92075" bIns="46038" numCol="1" rtlCol="0" anchor="ctr" anchorCtr="0" compatLnSpc="1">
+              <a:prstTxWarp prst="textNoShape">
+                <a:avLst/>
+              </a:prstTxWarp>
+            </a:bodyPr>
+            <a:lstStyle/>
+            <a:p>
+              <a:pPr marL="0" marR="0" lvl="0" indent="0" algn="ctr" defTabSz="914400" eaLnBrk="0" fontAlgn="base" latinLnBrk="0" hangingPunct="0">
+                <a:lnSpc>
+                  <a:spcPct val="100000"/>
+                </a:lnSpc>
+                <a:spcBef>
+                  <a:spcPct val="0"/>
+                </a:spcBef>
+                <a:spcAft>
+                  <a:spcPct val="0"/>
+                </a:spcAft>
+                <a:buClrTx/>
+                <a:buSzTx/>
+                <a:buFontTx/>
+                <a:buNone/>
+                <a:tabLst/>
+                <a:defRPr/>
+              </a:pPr>
+              <a:endParaRPr kumimoji="0" lang="en-US" sz="2400" b="0" i="0" u="none" strike="noStrike" kern="0" cap="none" spc="0" normalizeH="0" baseline="0" noProof="0">
+                <a:ln>
+                  <a:noFill/>
+                </a:ln>
+                <a:effectLst/>
+                <a:uLnTx/>
+                <a:uFillTx/>
+                <a:latin typeface="Arial" charset="0"/>
+              </a:endParaRPr>
+            </a:p>
+          </p:txBody>
+        </p:sp>
+        <p:sp>
+          <p:nvSpPr>
+            <p:cNvPr id="16" name="Isosceles Triangle 15">
+              <a:extLst>
+                <a:ext uri="{FF2B5EF4-FFF2-40B4-BE49-F238E27FC236}">
+                  <a16:creationId xmlns:a16="http://schemas.microsoft.com/office/drawing/2014/main" id="{2379B965-8D98-05ED-C7CC-4632116D18F5}"/>
+                </a:ext>
+              </a:extLst>
+            </p:cNvPr>
+            <p:cNvSpPr/>
+            <p:nvPr/>
+          </p:nvSpPr>
+          <p:spPr bwMode="auto">
+            <a:xfrm>
+              <a:off x="4753436" y="3622230"/>
+              <a:ext cx="164592" cy="164592"/>
+            </a:xfrm>
+            <a:prstGeom prst="triangle">
+              <a:avLst/>
+            </a:prstGeom>
+            <a:noFill/>
+            <a:ln w="9525" cap="flat" cmpd="sng" algn="ctr">
+              <a:solidFill>
+                <a:schemeClr val="tx1"/>
+              </a:solidFill>
+              <a:prstDash val="solid"/>
+              <a:round/>
+              <a:headEnd type="none" w="med" len="med"/>
+              <a:tailEnd type="none" w="med" len="med"/>
+            </a:ln>
+            <a:effectLst/>
+          </p:spPr>
+          <p:txBody>
+            <a:bodyPr vert="horz" wrap="none" lIns="92075" tIns="46038" rIns="92075" bIns="46038" numCol="1" rtlCol="0" anchor="ctr" anchorCtr="0" compatLnSpc="1">
+              <a:prstTxWarp prst="textNoShape">
+                <a:avLst/>
+              </a:prstTxWarp>
+            </a:bodyPr>
+            <a:lstStyle/>
+            <a:p>
+              <a:pPr marL="0" marR="0" lvl="0" indent="0" algn="ctr" defTabSz="914400" eaLnBrk="0" fontAlgn="base" latinLnBrk="0" hangingPunct="0">
+                <a:lnSpc>
+                  <a:spcPct val="100000"/>
+                </a:lnSpc>
+                <a:spcBef>
+                  <a:spcPct val="0"/>
+                </a:spcBef>
+                <a:spcAft>
+                  <a:spcPct val="0"/>
+                </a:spcAft>
+                <a:buClrTx/>
+                <a:buSzTx/>
+                <a:buFontTx/>
+                <a:buNone/>
+                <a:tabLst/>
+                <a:defRPr/>
+              </a:pPr>
+              <a:endParaRPr kumimoji="0" lang="en-US" sz="2400" b="0" i="0" u="none" strike="noStrike" kern="0" cap="none" spc="0" normalizeH="0" baseline="0" noProof="0">
+                <a:ln>
+                  <a:noFill/>
+                </a:ln>
+                <a:effectLst/>
+                <a:uLnTx/>
+                <a:uFillTx/>
+                <a:latin typeface="Arial" charset="0"/>
+              </a:endParaRPr>
+            </a:p>
+          </p:txBody>
+        </p:sp>
+        <p:sp>
+          <p:nvSpPr>
+            <p:cNvPr id="17" name="Text Box 15">
+              <a:extLst>
+                <a:ext uri="{FF2B5EF4-FFF2-40B4-BE49-F238E27FC236}">
+                  <a16:creationId xmlns:a16="http://schemas.microsoft.com/office/drawing/2014/main" id="{7745FD54-D4EA-ABD0-3ED0-0C62C4148E18}"/>
+                </a:ext>
+              </a:extLst>
+            </p:cNvPr>
+            <p:cNvSpPr txBox="1">
+              <a:spLocks noChangeArrowheads="1"/>
+            </p:cNvSpPr>
+            <p:nvPr/>
+          </p:nvSpPr>
+          <p:spPr bwMode="auto">
+            <a:xfrm>
+              <a:off x="3328231" y="4322284"/>
+              <a:ext cx="1255152" cy="339196"/>
+            </a:xfrm>
+            <a:prstGeom prst="rect">
+              <a:avLst/>
+            </a:prstGeom>
+            <a:noFill/>
+            <a:ln w="9525">
+              <a:solidFill>
+                <a:schemeClr val="tx1"/>
+              </a:solidFill>
+              <a:miter lim="800000"/>
+              <a:headEnd/>
+              <a:tailEnd/>
+            </a:ln>
+          </p:spPr>
+          <p:txBody>
+            <a:bodyPr wrap="none" lIns="92075" tIns="46038" rIns="92075" bIns="46038" anchor="ctr">
+              <a:spAutoFit/>
+            </a:bodyPr>
+            <a:lstStyle/>
+            <a:p>
+              <a:pPr marL="0" marR="0" lvl="0" indent="0" algn="ctr" defTabSz="914400" eaLnBrk="0" fontAlgn="base" latinLnBrk="0" hangingPunct="0">
+                <a:lnSpc>
+                  <a:spcPct val="100000"/>
+                </a:lnSpc>
+                <a:spcBef>
+                  <a:spcPct val="50000"/>
+                </a:spcBef>
+                <a:spcAft>
+                  <a:spcPct val="0"/>
+                </a:spcAft>
+                <a:buClrTx/>
+                <a:buSzTx/>
+                <a:buFontTx/>
+                <a:buNone/>
+                <a:tabLst/>
+                <a:defRPr/>
+              </a:pPr>
+              <a:r>
+                <a:rPr lang="en-US" sz="1600" kern="0" dirty="0">
+                  <a:latin typeface="Arial"/>
+                </a:rPr>
+                <a:t>Logical</a:t>
+              </a:r>
+              <a:r>
+                <a:rPr kumimoji="0" lang="en-US" sz="1600" b="0" i="0" u="none" strike="noStrike" kern="0" cap="none" spc="0" normalizeH="0" baseline="0" noProof="0" dirty="0">
+                  <a:ln>
+                    <a:noFill/>
+                  </a:ln>
+                  <a:effectLst/>
+                  <a:uLnTx/>
+                  <a:uFillTx/>
+                  <a:latin typeface="Arial"/>
+                </a:rPr>
+                <a:t>Expr</a:t>
+              </a:r>
+            </a:p>
+          </p:txBody>
+        </p:sp>
+        <p:sp>
+          <p:nvSpPr>
+            <p:cNvPr id="18" name="Text Box 15">
+              <a:extLst>
+                <a:ext uri="{FF2B5EF4-FFF2-40B4-BE49-F238E27FC236}">
+                  <a16:creationId xmlns:a16="http://schemas.microsoft.com/office/drawing/2014/main" id="{62CE9BF8-4D3E-2018-5F27-FA2B69938A0C}"/>
+                </a:ext>
+              </a:extLst>
+            </p:cNvPr>
+            <p:cNvSpPr txBox="1">
+              <a:spLocks noChangeArrowheads="1"/>
+            </p:cNvSpPr>
+            <p:nvPr/>
+          </p:nvSpPr>
+          <p:spPr bwMode="auto">
+            <a:xfrm>
+              <a:off x="4715329" y="4322284"/>
+              <a:ext cx="1574150" cy="339196"/>
+            </a:xfrm>
+            <a:prstGeom prst="rect">
+              <a:avLst/>
+            </a:prstGeom>
+            <a:noFill/>
+            <a:ln w="9525">
+              <a:solidFill>
+                <a:schemeClr val="tx1"/>
+              </a:solidFill>
+              <a:miter lim="800000"/>
+              <a:headEnd/>
+              <a:tailEnd/>
+            </a:ln>
+          </p:spPr>
+          <p:txBody>
+            <a:bodyPr wrap="none" lIns="92075" tIns="46038" rIns="92075" bIns="46038" anchor="ctr">
+              <a:spAutoFit/>
+            </a:bodyPr>
+            <a:lstStyle/>
+            <a:p>
+              <a:pPr marL="0" marR="0" lvl="0" indent="0" algn="ctr" defTabSz="914400" eaLnBrk="0" fontAlgn="base" latinLnBrk="0" hangingPunct="0">
+                <a:lnSpc>
+                  <a:spcPct val="100000"/>
+                </a:lnSpc>
+                <a:spcBef>
+                  <a:spcPct val="50000"/>
+                </a:spcBef>
+                <a:spcAft>
+                  <a:spcPct val="0"/>
+                </a:spcAft>
+                <a:buClrTx/>
+                <a:buSzTx/>
+                <a:buFontTx/>
+                <a:buNone/>
+                <a:tabLst/>
+                <a:defRPr/>
+              </a:pPr>
+              <a:r>
+                <a:rPr lang="en-US" sz="1600" kern="0" dirty="0">
+                  <a:latin typeface="Arial"/>
+                </a:rPr>
+                <a:t>Multiplying</a:t>
+              </a:r>
+              <a:r>
+                <a:rPr kumimoji="0" lang="en-US" sz="1600" b="0" i="0" u="none" strike="noStrike" kern="0" cap="none" spc="0" normalizeH="0" baseline="0" noProof="0" dirty="0">
+                  <a:ln>
+                    <a:noFill/>
+                  </a:ln>
+                  <a:effectLst/>
+                  <a:uLnTx/>
+                  <a:uFillTx/>
+                  <a:latin typeface="Arial"/>
+                </a:rPr>
+                <a:t>Expr</a:t>
+              </a:r>
+            </a:p>
+          </p:txBody>
+        </p:sp>
+        <p:sp>
+          <p:nvSpPr>
+            <p:cNvPr id="19" name="Text Box 24">
+              <a:extLst>
+                <a:ext uri="{FF2B5EF4-FFF2-40B4-BE49-F238E27FC236}">
+                  <a16:creationId xmlns:a16="http://schemas.microsoft.com/office/drawing/2014/main" id="{2FBD44FE-2BB2-C6FE-AC89-F81A773D9B65}"/>
+                </a:ext>
+              </a:extLst>
+            </p:cNvPr>
+            <p:cNvSpPr txBox="1">
+              <a:spLocks noChangeArrowheads="1"/>
+            </p:cNvSpPr>
+            <p:nvPr/>
+          </p:nvSpPr>
+          <p:spPr bwMode="auto">
+            <a:xfrm>
+              <a:off x="5637118" y="3276665"/>
+              <a:ext cx="1049967" cy="339196"/>
+            </a:xfrm>
+            <a:prstGeom prst="rect">
+              <a:avLst/>
+            </a:prstGeom>
+            <a:noFill/>
+            <a:ln w="9525">
+              <a:solidFill>
+                <a:schemeClr val="tx1"/>
+              </a:solidFill>
+              <a:miter lim="800000"/>
+              <a:headEnd/>
+              <a:tailEnd/>
+            </a:ln>
+          </p:spPr>
+          <p:txBody>
+            <a:bodyPr wrap="none" lIns="92075" tIns="46038" rIns="92075" bIns="46038" anchor="ctr">
+              <a:spAutoFit/>
+            </a:bodyPr>
+            <a:lstStyle/>
+            <a:p>
+              <a:pPr marL="0" marR="0" lvl="0" indent="0" algn="ctr" defTabSz="914400" eaLnBrk="0" fontAlgn="base" latinLnBrk="0" hangingPunct="0">
+                <a:lnSpc>
+                  <a:spcPct val="100000"/>
+                </a:lnSpc>
+                <a:spcBef>
+                  <a:spcPct val="50000"/>
+                </a:spcBef>
+                <a:spcAft>
+                  <a:spcPct val="0"/>
+                </a:spcAft>
+                <a:buClrTx/>
+                <a:buSzTx/>
+                <a:buFontTx/>
+                <a:buNone/>
+                <a:tabLst/>
+                <a:defRPr/>
+              </a:pPr>
+              <a:r>
+                <a:rPr lang="en-US" sz="1600" kern="0" dirty="0" err="1">
+                  <a:latin typeface="Arial"/>
+                </a:rPr>
+                <a:t>FieldExpr</a:t>
+              </a:r>
+              <a:endParaRPr kumimoji="0" lang="en-US" sz="1600" b="0" i="0" u="none" strike="noStrike" kern="0" cap="none" spc="0" normalizeH="0" baseline="0" noProof="0" dirty="0">
+                <a:ln>
+                  <a:noFill/>
+                </a:ln>
+                <a:effectLst/>
+                <a:uLnTx/>
+                <a:uFillTx/>
+                <a:latin typeface="Arial"/>
+              </a:endParaRPr>
+            </a:p>
+          </p:txBody>
+        </p:sp>
+        <p:sp>
+          <p:nvSpPr>
+            <p:cNvPr id="20" name="Text Box 24">
+              <a:extLst>
+                <a:ext uri="{FF2B5EF4-FFF2-40B4-BE49-F238E27FC236}">
+                  <a16:creationId xmlns:a16="http://schemas.microsoft.com/office/drawing/2014/main" id="{13B3D754-1EA7-F288-5F56-0B05725482A1}"/>
+                </a:ext>
+              </a:extLst>
+            </p:cNvPr>
+            <p:cNvSpPr txBox="1">
+              <a:spLocks noChangeArrowheads="1"/>
+            </p:cNvSpPr>
+            <p:nvPr/>
+          </p:nvSpPr>
+          <p:spPr bwMode="auto">
+            <a:xfrm>
+              <a:off x="6894558" y="3276665"/>
+              <a:ext cx="1744067" cy="339196"/>
+            </a:xfrm>
+            <a:prstGeom prst="rect">
+              <a:avLst/>
+            </a:prstGeom>
+            <a:noFill/>
+            <a:ln w="9525">
+              <a:solidFill>
+                <a:schemeClr val="tx1"/>
+              </a:solidFill>
+              <a:miter lim="800000"/>
+              <a:headEnd/>
+              <a:tailEnd/>
+            </a:ln>
+          </p:spPr>
+          <p:txBody>
+            <a:bodyPr wrap="none" lIns="92075" tIns="46038" rIns="92075" bIns="46038" anchor="ctr">
+              <a:spAutoFit/>
+            </a:bodyPr>
+            <a:lstStyle/>
+            <a:p>
+              <a:pPr marL="0" marR="0" lvl="0" indent="0" algn="ctr" defTabSz="914400" eaLnBrk="0" fontAlgn="base" latinLnBrk="0" hangingPunct="0">
+                <a:lnSpc>
+                  <a:spcPct val="100000"/>
+                </a:lnSpc>
+                <a:spcBef>
+                  <a:spcPct val="50000"/>
+                </a:spcBef>
+                <a:spcAft>
+                  <a:spcPct val="0"/>
+                </a:spcAft>
+                <a:buClrTx/>
+                <a:buSzTx/>
+                <a:buFontTx/>
+                <a:buNone/>
+                <a:tabLst/>
+                <a:defRPr/>
+              </a:pPr>
+              <a:r>
+                <a:rPr kumimoji="0" lang="en-US" sz="1600" b="0" i="0" u="none" strike="noStrike" kern="0" cap="none" spc="0" normalizeH="0" baseline="0" noProof="0" dirty="0">
+                  <a:ln>
+                    <a:noFill/>
+                  </a:ln>
+                  <a:effectLst/>
+                  <a:uLnTx/>
+                  <a:uFillTx/>
+                  <a:latin typeface="Arial"/>
+                </a:rPr>
+                <a:t>F</a:t>
+              </a:r>
+              <a:r>
+                <a:rPr lang="en-US" sz="1600" kern="0" dirty="0" err="1">
+                  <a:latin typeface="Arial"/>
+                </a:rPr>
+                <a:t>unctionCallExpr</a:t>
+              </a:r>
+              <a:endParaRPr kumimoji="0" lang="en-US" sz="1600" b="0" i="0" u="none" strike="noStrike" kern="0" cap="none" spc="0" normalizeH="0" baseline="0" noProof="0" dirty="0">
+                <a:ln>
+                  <a:noFill/>
+                </a:ln>
+                <a:effectLst/>
+                <a:uLnTx/>
+                <a:uFillTx/>
+                <a:latin typeface="Arial"/>
+              </a:endParaRPr>
+            </a:p>
+          </p:txBody>
+        </p:sp>
+        <p:sp>
+          <p:nvSpPr>
+            <p:cNvPr id="21" name="Text Box 24">
+              <a:extLst>
+                <a:ext uri="{FF2B5EF4-FFF2-40B4-BE49-F238E27FC236}">
+                  <a16:creationId xmlns:a16="http://schemas.microsoft.com/office/drawing/2014/main" id="{9769CE68-C8DA-A432-9666-B014CF21530D}"/>
+                </a:ext>
+              </a:extLst>
+            </p:cNvPr>
+            <p:cNvSpPr txBox="1">
+              <a:spLocks noChangeArrowheads="1"/>
+            </p:cNvSpPr>
+            <p:nvPr/>
+          </p:nvSpPr>
+          <p:spPr bwMode="auto">
+            <a:xfrm>
+              <a:off x="10207731" y="3276665"/>
+              <a:ext cx="936155" cy="339196"/>
+            </a:xfrm>
+            <a:prstGeom prst="rect">
+              <a:avLst/>
+            </a:prstGeom>
+            <a:noFill/>
+            <a:ln w="9525">
+              <a:solidFill>
+                <a:schemeClr val="tx1"/>
+              </a:solidFill>
+              <a:miter lim="800000"/>
+              <a:headEnd/>
+              <a:tailEnd/>
+            </a:ln>
+          </p:spPr>
+          <p:txBody>
+            <a:bodyPr wrap="none" lIns="92075" tIns="46038" rIns="92075" bIns="46038" anchor="ctr">
+              <a:spAutoFit/>
+            </a:bodyPr>
+            <a:lstStyle/>
+            <a:p>
+              <a:pPr marL="0" marR="0" lvl="0" indent="0" algn="ctr" defTabSz="914400" eaLnBrk="0" fontAlgn="base" latinLnBrk="0" hangingPunct="0">
+                <a:lnSpc>
+                  <a:spcPct val="100000"/>
+                </a:lnSpc>
+                <a:spcBef>
+                  <a:spcPct val="50000"/>
+                </a:spcBef>
+                <a:spcAft>
+                  <a:spcPct val="0"/>
+                </a:spcAft>
+                <a:buClrTx/>
+                <a:buSzTx/>
+                <a:buFontTx/>
+                <a:buNone/>
+                <a:tabLst/>
+                <a:defRPr/>
+              </a:pPr>
+              <a:r>
+                <a:rPr kumimoji="0" lang="en-US" sz="1600" b="0" i="0" u="none" strike="noStrike" kern="0" cap="none" spc="0" normalizeH="0" baseline="0" noProof="0" dirty="0">
+                  <a:ln>
+                    <a:noFill/>
+                  </a:ln>
+                  <a:effectLst/>
+                  <a:uLnTx/>
+                  <a:uFillTx/>
+                  <a:latin typeface="Arial"/>
+                </a:rPr>
+                <a:t>Padding</a:t>
+              </a:r>
+            </a:p>
+          </p:txBody>
+        </p:sp>
+        <p:sp>
+          <p:nvSpPr>
+            <p:cNvPr id="22" name="Text Box 24">
+              <a:extLst>
+                <a:ext uri="{FF2B5EF4-FFF2-40B4-BE49-F238E27FC236}">
+                  <a16:creationId xmlns:a16="http://schemas.microsoft.com/office/drawing/2014/main" id="{B09CAFA0-F19E-50A7-11B2-B3F5BEA4B06B}"/>
+                </a:ext>
+              </a:extLst>
+            </p:cNvPr>
+            <p:cNvSpPr txBox="1">
+              <a:spLocks noChangeArrowheads="1"/>
+            </p:cNvSpPr>
+            <p:nvPr/>
+          </p:nvSpPr>
+          <p:spPr bwMode="auto">
+            <a:xfrm>
+              <a:off x="8846098" y="3276665"/>
+              <a:ext cx="1154162" cy="339196"/>
+            </a:xfrm>
+            <a:prstGeom prst="rect">
+              <a:avLst/>
+            </a:prstGeom>
+            <a:noFill/>
+            <a:ln w="9525">
+              <a:solidFill>
+                <a:schemeClr val="tx1"/>
+              </a:solidFill>
+              <a:miter lim="800000"/>
+              <a:headEnd/>
+              <a:tailEnd/>
+            </a:ln>
+          </p:spPr>
+          <p:txBody>
+            <a:bodyPr wrap="none" lIns="92075" tIns="46038" rIns="92075" bIns="46038" anchor="ctr">
+              <a:spAutoFit/>
+            </a:bodyPr>
+            <a:lstStyle/>
+            <a:p>
+              <a:pPr marL="0" marR="0" lvl="0" indent="0" algn="ctr" defTabSz="914400" eaLnBrk="0" fontAlgn="base" latinLnBrk="0" hangingPunct="0">
+                <a:lnSpc>
+                  <a:spcPct val="100000"/>
+                </a:lnSpc>
+                <a:spcBef>
+                  <a:spcPct val="50000"/>
+                </a:spcBef>
+                <a:spcAft>
+                  <a:spcPct val="0"/>
+                </a:spcAft>
+                <a:buClrTx/>
+                <a:buSzTx/>
+                <a:buFontTx/>
+                <a:buNone/>
+                <a:tabLst/>
+                <a:defRPr/>
+              </a:pPr>
+              <a:r>
+                <a:rPr kumimoji="0" lang="en-US" sz="1600" b="0" i="1" u="none" strike="noStrike" kern="0" cap="none" spc="0" normalizeH="0" baseline="0" noProof="0" dirty="0" err="1">
+                  <a:ln>
+                    <a:noFill/>
+                  </a:ln>
+                  <a:effectLst/>
+                  <a:uLnTx/>
+                  <a:uFillTx/>
+                  <a:latin typeface="Arial"/>
+                </a:rPr>
+                <a:t>UnaryExpr</a:t>
+              </a:r>
+              <a:endParaRPr kumimoji="0" lang="en-US" sz="1600" b="0" i="1" u="none" strike="noStrike" kern="0" cap="none" spc="0" normalizeH="0" baseline="0" noProof="0" dirty="0">
+                <a:ln>
+                  <a:noFill/>
+                </a:ln>
+                <a:effectLst/>
+                <a:uLnTx/>
+                <a:uFillTx/>
+                <a:latin typeface="Arial"/>
+              </a:endParaRPr>
+            </a:p>
+          </p:txBody>
+        </p:sp>
+        <p:sp>
+          <p:nvSpPr>
+            <p:cNvPr id="23" name="Text Box 24">
+              <a:extLst>
+                <a:ext uri="{FF2B5EF4-FFF2-40B4-BE49-F238E27FC236}">
+                  <a16:creationId xmlns:a16="http://schemas.microsoft.com/office/drawing/2014/main" id="{6AF8C855-C746-635B-EB07-67484C0DEA36}"/>
+                </a:ext>
+              </a:extLst>
+            </p:cNvPr>
+            <p:cNvSpPr txBox="1">
+              <a:spLocks noChangeArrowheads="1"/>
+            </p:cNvSpPr>
+            <p:nvPr/>
+          </p:nvSpPr>
+          <p:spPr bwMode="auto">
+            <a:xfrm>
+              <a:off x="8108378" y="4322284"/>
+              <a:ext cx="1426674" cy="339196"/>
+            </a:xfrm>
+            <a:prstGeom prst="rect">
+              <a:avLst/>
+            </a:prstGeom>
+            <a:noFill/>
+            <a:ln w="9525">
+              <a:solidFill>
+                <a:schemeClr val="tx1"/>
+              </a:solidFill>
+              <a:miter lim="800000"/>
+              <a:headEnd/>
+              <a:tailEnd/>
+            </a:ln>
+          </p:spPr>
+          <p:txBody>
+            <a:bodyPr wrap="none" lIns="92075" tIns="46038" rIns="92075" bIns="46038" anchor="ctr">
+              <a:spAutoFit/>
+            </a:bodyPr>
+            <a:lstStyle/>
+            <a:p>
+              <a:pPr marL="0" marR="0" lvl="0" indent="0" algn="ctr" defTabSz="914400" eaLnBrk="0" fontAlgn="base" latinLnBrk="0" hangingPunct="0">
+                <a:lnSpc>
+                  <a:spcPct val="100000"/>
+                </a:lnSpc>
+                <a:spcBef>
+                  <a:spcPct val="50000"/>
+                </a:spcBef>
+                <a:spcAft>
+                  <a:spcPct val="0"/>
+                </a:spcAft>
+                <a:buClrTx/>
+                <a:buSzTx/>
+                <a:buFontTx/>
+                <a:buNone/>
+                <a:tabLst/>
+                <a:defRPr/>
+              </a:pPr>
+              <a:r>
+                <a:rPr kumimoji="0" lang="en-US" sz="1600" b="0" i="0" u="none" strike="noStrike" kern="0" cap="none" spc="0" normalizeH="0" baseline="0" noProof="0" dirty="0" err="1">
+                  <a:ln>
+                    <a:noFill/>
+                  </a:ln>
+                  <a:effectLst/>
+                  <a:uLnTx/>
+                  <a:uFillTx/>
+                  <a:latin typeface="Arial"/>
+                </a:rPr>
+                <a:t>NegationExpr</a:t>
+              </a:r>
+              <a:endParaRPr kumimoji="0" lang="en-US" sz="1600" b="0" i="0" u="none" strike="noStrike" kern="0" cap="none" spc="0" normalizeH="0" baseline="0" noProof="0" dirty="0">
+                <a:ln>
+                  <a:noFill/>
+                </a:ln>
+                <a:effectLst/>
+                <a:uLnTx/>
+                <a:uFillTx/>
+                <a:latin typeface="Arial"/>
+              </a:endParaRPr>
+            </a:p>
+          </p:txBody>
+        </p:sp>
+        <p:sp>
+          <p:nvSpPr>
+            <p:cNvPr id="24" name="Text Box 24">
+              <a:extLst>
+                <a:ext uri="{FF2B5EF4-FFF2-40B4-BE49-F238E27FC236}">
+                  <a16:creationId xmlns:a16="http://schemas.microsoft.com/office/drawing/2014/main" id="{D5E510FF-AF97-FBD9-EFFB-61452FFD034F}"/>
+                </a:ext>
+              </a:extLst>
+            </p:cNvPr>
+            <p:cNvSpPr txBox="1">
+              <a:spLocks noChangeArrowheads="1"/>
+            </p:cNvSpPr>
+            <p:nvPr/>
+          </p:nvSpPr>
+          <p:spPr bwMode="auto">
+            <a:xfrm>
+              <a:off x="9655969" y="4322284"/>
+              <a:ext cx="926537" cy="339196"/>
+            </a:xfrm>
+            <a:prstGeom prst="rect">
+              <a:avLst/>
+            </a:prstGeom>
+            <a:noFill/>
+            <a:ln w="9525">
+              <a:solidFill>
+                <a:schemeClr val="tx1"/>
+              </a:solidFill>
+              <a:miter lim="800000"/>
+              <a:headEnd/>
+              <a:tailEnd/>
+            </a:ln>
+          </p:spPr>
+          <p:txBody>
+            <a:bodyPr wrap="none" lIns="92075" tIns="46038" rIns="92075" bIns="46038" anchor="ctr">
+              <a:spAutoFit/>
+            </a:bodyPr>
+            <a:lstStyle/>
+            <a:p>
+              <a:pPr marL="0" marR="0" lvl="0" indent="0" algn="ctr" defTabSz="914400" eaLnBrk="0" fontAlgn="base" latinLnBrk="0" hangingPunct="0">
+                <a:lnSpc>
+                  <a:spcPct val="100000"/>
+                </a:lnSpc>
+                <a:spcBef>
+                  <a:spcPct val="50000"/>
+                </a:spcBef>
+                <a:spcAft>
+                  <a:spcPct val="0"/>
+                </a:spcAft>
+                <a:buClrTx/>
+                <a:buSzTx/>
+                <a:buFontTx/>
+                <a:buNone/>
+                <a:tabLst/>
+                <a:defRPr/>
+              </a:pPr>
+              <a:r>
+                <a:rPr kumimoji="0" lang="en-US" sz="1600" b="0" i="0" u="none" strike="noStrike" kern="0" cap="none" spc="0" normalizeH="0" baseline="0" noProof="0" dirty="0" err="1">
+                  <a:ln>
+                    <a:noFill/>
+                  </a:ln>
+                  <a:effectLst/>
+                  <a:uLnTx/>
+                  <a:uFillTx/>
+                  <a:latin typeface="Arial"/>
+                </a:rPr>
+                <a:t>NotExpr</a:t>
+              </a:r>
+              <a:endParaRPr kumimoji="0" lang="en-US" sz="1600" b="0" i="0" u="none" strike="noStrike" kern="0" cap="none" spc="0" normalizeH="0" baseline="0" noProof="0" dirty="0">
+                <a:ln>
+                  <a:noFill/>
+                </a:ln>
+                <a:effectLst/>
+                <a:uLnTx/>
+                <a:uFillTx/>
+                <a:latin typeface="Arial"/>
+              </a:endParaRPr>
+            </a:p>
+          </p:txBody>
+        </p:sp>
+        <p:sp>
+          <p:nvSpPr>
+            <p:cNvPr id="25" name="Isosceles Triangle 24">
+              <a:extLst>
+                <a:ext uri="{FF2B5EF4-FFF2-40B4-BE49-F238E27FC236}">
+                  <a16:creationId xmlns:a16="http://schemas.microsoft.com/office/drawing/2014/main" id="{D6EE2646-C12C-6079-97B9-1781A1FD52C2}"/>
+                </a:ext>
+              </a:extLst>
+            </p:cNvPr>
+            <p:cNvSpPr/>
+            <p:nvPr/>
+          </p:nvSpPr>
+          <p:spPr bwMode="auto">
+            <a:xfrm>
+              <a:off x="9389651" y="3624730"/>
+              <a:ext cx="164592" cy="164592"/>
+            </a:xfrm>
+            <a:prstGeom prst="triangle">
+              <a:avLst/>
+            </a:prstGeom>
+            <a:noFill/>
+            <a:ln w="9525" cap="flat" cmpd="sng" algn="ctr">
+              <a:solidFill>
+                <a:schemeClr val="tx1"/>
+              </a:solidFill>
+              <a:prstDash val="solid"/>
+              <a:round/>
+              <a:headEnd type="none" w="med" len="med"/>
+              <a:tailEnd type="none" w="med" len="med"/>
+            </a:ln>
+            <a:effectLst/>
+          </p:spPr>
+          <p:txBody>
+            <a:bodyPr vert="horz" wrap="none" lIns="92075" tIns="46038" rIns="92075" bIns="46038" numCol="1" rtlCol="0" anchor="ctr" anchorCtr="0" compatLnSpc="1">
+              <a:prstTxWarp prst="textNoShape">
+                <a:avLst/>
+              </a:prstTxWarp>
+            </a:bodyPr>
+            <a:lstStyle/>
+            <a:p>
+              <a:pPr marL="0" marR="0" lvl="0" indent="0" algn="ctr" defTabSz="914400" eaLnBrk="0" fontAlgn="base" latinLnBrk="0" hangingPunct="0">
+                <a:lnSpc>
+                  <a:spcPct val="100000"/>
+                </a:lnSpc>
+                <a:spcBef>
+                  <a:spcPct val="0"/>
+                </a:spcBef>
+                <a:spcAft>
+                  <a:spcPct val="0"/>
+                </a:spcAft>
+                <a:buClrTx/>
+                <a:buSzTx/>
+                <a:buFontTx/>
+                <a:buNone/>
+                <a:tabLst/>
+                <a:defRPr/>
+              </a:pPr>
+              <a:endParaRPr kumimoji="0" lang="en-US" sz="2400" b="0" i="0" u="none" strike="noStrike" kern="0" cap="none" spc="0" normalizeH="0" baseline="0" noProof="0">
+                <a:ln>
+                  <a:noFill/>
+                </a:ln>
+                <a:effectLst/>
+                <a:uLnTx/>
+                <a:uFillTx/>
+                <a:latin typeface="Arial" charset="0"/>
+              </a:endParaRPr>
+            </a:p>
+          </p:txBody>
+        </p:sp>
+        <p:cxnSp>
+          <p:nvCxnSpPr>
+            <p:cNvPr id="26" name="Connector: Elbow 25">
+              <a:extLst>
+                <a:ext uri="{FF2B5EF4-FFF2-40B4-BE49-F238E27FC236}">
+                  <a16:creationId xmlns:a16="http://schemas.microsoft.com/office/drawing/2014/main" id="{B69B4B76-8001-CBBE-C4FA-98D574CE3905}"/>
+                </a:ext>
+              </a:extLst>
+            </p:cNvPr>
+            <p:cNvCxnSpPr>
+              <a:stCxn id="25" idx="3"/>
+              <a:endCxn id="23" idx="0"/>
+            </p:cNvCxnSpPr>
+            <p:nvPr/>
+          </p:nvCxnSpPr>
+          <p:spPr>
+            <a:xfrm rot="5400000">
+              <a:off x="8880350" y="3730687"/>
+              <a:ext cx="532962" cy="650232"/>
+            </a:xfrm>
+            <a:prstGeom prst="bentConnector3">
+              <a:avLst/>
+            </a:prstGeom>
+            <a:ln w="9525">
+              <a:solidFill>
+                <a:schemeClr val="tx1"/>
+              </a:solidFill>
+            </a:ln>
+          </p:spPr>
+          <p:style>
+            <a:lnRef idx="1">
+              <a:schemeClr val="accent1"/>
+            </a:lnRef>
+            <a:fillRef idx="0">
+              <a:schemeClr val="accent1"/>
+            </a:fillRef>
+            <a:effectRef idx="0">
+              <a:schemeClr val="accent1"/>
+            </a:effectRef>
+            <a:fontRef idx="minor">
+              <a:schemeClr val="tx1"/>
+            </a:fontRef>
+          </p:style>
+        </p:cxnSp>
+        <p:cxnSp>
+          <p:nvCxnSpPr>
+            <p:cNvPr id="27" name="Connector: Elbow 26">
+              <a:extLst>
+                <a:ext uri="{FF2B5EF4-FFF2-40B4-BE49-F238E27FC236}">
+                  <a16:creationId xmlns:a16="http://schemas.microsoft.com/office/drawing/2014/main" id="{A6E84086-F669-BD58-883F-AFDA81AC5478}"/>
+                </a:ext>
+              </a:extLst>
+            </p:cNvPr>
+            <p:cNvCxnSpPr>
+              <a:cxnSpLocks/>
+              <a:stCxn id="25" idx="3"/>
+              <a:endCxn id="24" idx="0"/>
+            </p:cNvCxnSpPr>
+            <p:nvPr/>
+          </p:nvCxnSpPr>
+          <p:spPr>
+            <a:xfrm rot="16200000" flipH="1">
+              <a:off x="9529111" y="3732157"/>
+              <a:ext cx="532962" cy="647291"/>
+            </a:xfrm>
+            <a:prstGeom prst="bentConnector3">
+              <a:avLst>
+                <a:gd name="adj1" fmla="val 50000"/>
+              </a:avLst>
+            </a:prstGeom>
+            <a:ln w="9525">
+              <a:solidFill>
+                <a:schemeClr val="tx1"/>
+              </a:solidFill>
+            </a:ln>
+          </p:spPr>
+          <p:style>
+            <a:lnRef idx="1">
+              <a:schemeClr val="accent1"/>
+            </a:lnRef>
+            <a:fillRef idx="0">
+              <a:schemeClr val="accent1"/>
+            </a:fillRef>
+            <a:effectRef idx="0">
+              <a:schemeClr val="accent1"/>
+            </a:effectRef>
+            <a:fontRef idx="minor">
+              <a:schemeClr val="tx1"/>
+            </a:fontRef>
+          </p:style>
+        </p:cxnSp>
+        <p:cxnSp>
+          <p:nvCxnSpPr>
+            <p:cNvPr id="28" name="AutoShape 30">
+              <a:extLst>
+                <a:ext uri="{FF2B5EF4-FFF2-40B4-BE49-F238E27FC236}">
+                  <a16:creationId xmlns:a16="http://schemas.microsoft.com/office/drawing/2014/main" id="{C4D359F2-5CEF-3785-FD77-BD202267C79B}"/>
+                </a:ext>
+              </a:extLst>
+            </p:cNvPr>
+            <p:cNvCxnSpPr>
+              <a:cxnSpLocks noChangeShapeType="1"/>
+              <a:stCxn id="20" idx="0"/>
+              <a:endCxn id="15" idx="3"/>
+            </p:cNvCxnSpPr>
+            <p:nvPr/>
+          </p:nvCxnSpPr>
+          <p:spPr bwMode="auto">
+            <a:xfrm rot="16200000" flipV="1">
+              <a:off x="7007669" y="2517742"/>
+              <a:ext cx="573473" cy="944374"/>
+            </a:xfrm>
+            <a:prstGeom prst="bentConnector3">
+              <a:avLst>
+                <a:gd name="adj1" fmla="val 50000"/>
+              </a:avLst>
+            </a:prstGeom>
+            <a:noFill/>
+            <a:ln w="9525">
+              <a:solidFill>
+                <a:schemeClr val="tx1"/>
+              </a:solidFill>
+              <a:miter lim="800000"/>
+              <a:headEnd/>
+              <a:tailEnd type="none" w="lg" len="lg"/>
+            </a:ln>
+          </p:spPr>
+        </p:cxnSp>
+        <p:cxnSp>
+          <p:nvCxnSpPr>
+            <p:cNvPr id="29" name="AutoShape 30">
+              <a:extLst>
+                <a:ext uri="{FF2B5EF4-FFF2-40B4-BE49-F238E27FC236}">
+                  <a16:creationId xmlns:a16="http://schemas.microsoft.com/office/drawing/2014/main" id="{AE7E349A-DB0F-7A80-3877-EEA6EA640A0A}"/>
+                </a:ext>
+              </a:extLst>
+            </p:cNvPr>
+            <p:cNvCxnSpPr>
+              <a:cxnSpLocks noChangeShapeType="1"/>
+              <a:stCxn id="22" idx="0"/>
+              <a:endCxn id="15" idx="3"/>
+            </p:cNvCxnSpPr>
+            <p:nvPr/>
+          </p:nvCxnSpPr>
+          <p:spPr bwMode="auto">
+            <a:xfrm rot="16200000" flipV="1">
+              <a:off x="7835963" y="1689448"/>
+              <a:ext cx="573473" cy="2600961"/>
+            </a:xfrm>
+            <a:prstGeom prst="bentConnector3">
+              <a:avLst>
+                <a:gd name="adj1" fmla="val 50000"/>
+              </a:avLst>
+            </a:prstGeom>
+            <a:noFill/>
+            <a:ln w="9525">
+              <a:solidFill>
+                <a:schemeClr val="tx1"/>
+              </a:solidFill>
+              <a:miter lim="800000"/>
+              <a:headEnd/>
+              <a:tailEnd type="none" w="lg" len="lg"/>
+            </a:ln>
+          </p:spPr>
+        </p:cxnSp>
+        <p:cxnSp>
+          <p:nvCxnSpPr>
+            <p:cNvPr id="30" name="AutoShape 30">
+              <a:extLst>
+                <a:ext uri="{FF2B5EF4-FFF2-40B4-BE49-F238E27FC236}">
+                  <a16:creationId xmlns:a16="http://schemas.microsoft.com/office/drawing/2014/main" id="{8D978D55-B9DE-AA9E-A8AE-D28A62CC4293}"/>
+                </a:ext>
+              </a:extLst>
+            </p:cNvPr>
+            <p:cNvCxnSpPr>
+              <a:cxnSpLocks noChangeShapeType="1"/>
+              <a:stCxn id="21" idx="0"/>
+              <a:endCxn id="15" idx="3"/>
+            </p:cNvCxnSpPr>
+            <p:nvPr/>
+          </p:nvCxnSpPr>
+          <p:spPr bwMode="auto">
+            <a:xfrm rot="16200000" flipV="1">
+              <a:off x="8462278" y="1063133"/>
+              <a:ext cx="573473" cy="3853591"/>
+            </a:xfrm>
+            <a:prstGeom prst="bentConnector3">
+              <a:avLst>
+                <a:gd name="adj1" fmla="val 50000"/>
+              </a:avLst>
+            </a:prstGeom>
+            <a:noFill/>
+            <a:ln w="9525">
+              <a:solidFill>
+                <a:schemeClr val="tx1"/>
+              </a:solidFill>
+              <a:miter lim="800000"/>
+              <a:headEnd/>
+              <a:tailEnd type="none" w="lg" len="lg"/>
+            </a:ln>
+          </p:spPr>
+        </p:cxnSp>
+        <p:cxnSp>
+          <p:nvCxnSpPr>
+            <p:cNvPr id="59" name="Connector: Elbow 58">
+              <a:extLst>
+                <a:ext uri="{FF2B5EF4-FFF2-40B4-BE49-F238E27FC236}">
+                  <a16:creationId xmlns:a16="http://schemas.microsoft.com/office/drawing/2014/main" id="{697ECF6A-02FD-9C45-7642-5D7D78F096B0}"/>
+                </a:ext>
+              </a:extLst>
+            </p:cNvPr>
+            <p:cNvCxnSpPr>
+              <a:stCxn id="16" idx="3"/>
+              <a:endCxn id="17" idx="0"/>
+            </p:cNvCxnSpPr>
+            <p:nvPr/>
+          </p:nvCxnSpPr>
+          <p:spPr>
+            <a:xfrm rot="5400000">
+              <a:off x="4128039" y="3614591"/>
+              <a:ext cx="535462" cy="879925"/>
+            </a:xfrm>
+            <a:prstGeom prst="bentConnector3">
+              <a:avLst/>
+            </a:prstGeom>
+            <a:ln w="9525">
+              <a:solidFill>
+                <a:schemeClr val="tx1"/>
+              </a:solidFill>
+            </a:ln>
+          </p:spPr>
+          <p:style>
+            <a:lnRef idx="1">
+              <a:schemeClr val="accent1"/>
+            </a:lnRef>
+            <a:fillRef idx="0">
+              <a:schemeClr val="accent1"/>
+            </a:fillRef>
+            <a:effectRef idx="0">
+              <a:schemeClr val="accent1"/>
+            </a:effectRef>
+            <a:fontRef idx="minor">
+              <a:schemeClr val="tx1"/>
+            </a:fontRef>
+          </p:style>
+        </p:cxnSp>
+        <p:cxnSp>
+          <p:nvCxnSpPr>
+            <p:cNvPr id="60" name="Connector: Elbow 59">
+              <a:extLst>
+                <a:ext uri="{FF2B5EF4-FFF2-40B4-BE49-F238E27FC236}">
+                  <a16:creationId xmlns:a16="http://schemas.microsoft.com/office/drawing/2014/main" id="{072BDC2B-A120-6FDD-E360-27CDBBED44FF}"/>
+                </a:ext>
+              </a:extLst>
+            </p:cNvPr>
+            <p:cNvCxnSpPr>
+              <a:stCxn id="16" idx="3"/>
+              <a:endCxn id="18" idx="0"/>
+            </p:cNvCxnSpPr>
+            <p:nvPr/>
+          </p:nvCxnSpPr>
+          <p:spPr>
+            <a:xfrm rot="16200000" flipH="1">
+              <a:off x="4901337" y="3721217"/>
+              <a:ext cx="535462" cy="666672"/>
+            </a:xfrm>
+            <a:prstGeom prst="bentConnector3">
+              <a:avLst/>
+            </a:prstGeom>
+            <a:ln w="9525">
+              <a:solidFill>
+                <a:schemeClr val="tx1"/>
+              </a:solidFill>
+            </a:ln>
+          </p:spPr>
+          <p:style>
+            <a:lnRef idx="1">
+              <a:schemeClr val="accent1"/>
+            </a:lnRef>
+            <a:fillRef idx="0">
+              <a:schemeClr val="accent1"/>
+            </a:fillRef>
+            <a:effectRef idx="0">
+              <a:schemeClr val="accent1"/>
+            </a:effectRef>
+            <a:fontRef idx="minor">
+              <a:schemeClr val="tx1"/>
+            </a:fontRef>
+          </p:style>
+        </p:cxnSp>
+      </p:grpSp>
+    </p:spTree>
+    <p:extLst>
+      <p:ext uri="{BB962C8B-B14F-4D97-AF65-F5344CB8AC3E}">
+        <p14:creationId xmlns:p14="http://schemas.microsoft.com/office/powerpoint/2010/main" val="169621437"/>
+      </p:ext>
+    </p:extLst>
+  </p:cSld>
+  <p:clrMapOvr>
+    <a:masterClrMapping/>
+  </p:clrMapOvr>
+</p:sld>
+</file>
+
 <file path=ppt/slides/slide8.xml><?xml version="1.0" encoding="utf-8"?>
 <p:sld xmlns:a="http://schemas.openxmlformats.org/drawingml/2006/main" xmlns:r="http://schemas.openxmlformats.org/officeDocument/2006/relationships" xmlns:p="http://schemas.openxmlformats.org/presentationml/2006/main">
   <p:cSld>
